--- a/docs/resources/Fig16.pptx
+++ b/docs/resources/Fig16.pptx
@@ -259,7 +259,7 @@
           <a:p>
             <a:fld id="{89C48F96-F5DF-4FE2-ADA7-494B7CCFAB53}" type="datetimeFigureOut">
               <a:rPr lang="es-ES" smtClean="0"/>
-              <a:t>15/05/2019</a:t>
+              <a:t>16/05/2019</a:t>
             </a:fld>
             <a:endParaRPr lang="es-ES"/>
           </a:p>
@@ -457,7 +457,7 @@
           <a:p>
             <a:fld id="{89C48F96-F5DF-4FE2-ADA7-494B7CCFAB53}" type="datetimeFigureOut">
               <a:rPr lang="es-ES" smtClean="0"/>
-              <a:t>15/05/2019</a:t>
+              <a:t>16/05/2019</a:t>
             </a:fld>
             <a:endParaRPr lang="es-ES"/>
           </a:p>
@@ -665,7 +665,7 @@
           <a:p>
             <a:fld id="{89C48F96-F5DF-4FE2-ADA7-494B7CCFAB53}" type="datetimeFigureOut">
               <a:rPr lang="es-ES" smtClean="0"/>
-              <a:t>15/05/2019</a:t>
+              <a:t>16/05/2019</a:t>
             </a:fld>
             <a:endParaRPr lang="es-ES"/>
           </a:p>
@@ -863,7 +863,7 @@
           <a:p>
             <a:fld id="{89C48F96-F5DF-4FE2-ADA7-494B7CCFAB53}" type="datetimeFigureOut">
               <a:rPr lang="es-ES" smtClean="0"/>
-              <a:t>15/05/2019</a:t>
+              <a:t>16/05/2019</a:t>
             </a:fld>
             <a:endParaRPr lang="es-ES"/>
           </a:p>
@@ -1138,7 +1138,7 @@
           <a:p>
             <a:fld id="{89C48F96-F5DF-4FE2-ADA7-494B7CCFAB53}" type="datetimeFigureOut">
               <a:rPr lang="es-ES" smtClean="0"/>
-              <a:t>15/05/2019</a:t>
+              <a:t>16/05/2019</a:t>
             </a:fld>
             <a:endParaRPr lang="es-ES"/>
           </a:p>
@@ -1403,7 +1403,7 @@
           <a:p>
             <a:fld id="{89C48F96-F5DF-4FE2-ADA7-494B7CCFAB53}" type="datetimeFigureOut">
               <a:rPr lang="es-ES" smtClean="0"/>
-              <a:t>15/05/2019</a:t>
+              <a:t>16/05/2019</a:t>
             </a:fld>
             <a:endParaRPr lang="es-ES"/>
           </a:p>
@@ -1815,7 +1815,7 @@
           <a:p>
             <a:fld id="{89C48F96-F5DF-4FE2-ADA7-494B7CCFAB53}" type="datetimeFigureOut">
               <a:rPr lang="es-ES" smtClean="0"/>
-              <a:t>15/05/2019</a:t>
+              <a:t>16/05/2019</a:t>
             </a:fld>
             <a:endParaRPr lang="es-ES"/>
           </a:p>
@@ -1956,7 +1956,7 @@
           <a:p>
             <a:fld id="{89C48F96-F5DF-4FE2-ADA7-494B7CCFAB53}" type="datetimeFigureOut">
               <a:rPr lang="es-ES" smtClean="0"/>
-              <a:t>15/05/2019</a:t>
+              <a:t>16/05/2019</a:t>
             </a:fld>
             <a:endParaRPr lang="es-ES"/>
           </a:p>
@@ -2069,7 +2069,7 @@
           <a:p>
             <a:fld id="{89C48F96-F5DF-4FE2-ADA7-494B7CCFAB53}" type="datetimeFigureOut">
               <a:rPr lang="es-ES" smtClean="0"/>
-              <a:t>15/05/2019</a:t>
+              <a:t>16/05/2019</a:t>
             </a:fld>
             <a:endParaRPr lang="es-ES"/>
           </a:p>
@@ -2380,7 +2380,7 @@
           <a:p>
             <a:fld id="{89C48F96-F5DF-4FE2-ADA7-494B7CCFAB53}" type="datetimeFigureOut">
               <a:rPr lang="es-ES" smtClean="0"/>
-              <a:t>15/05/2019</a:t>
+              <a:t>16/05/2019</a:t>
             </a:fld>
             <a:endParaRPr lang="es-ES"/>
           </a:p>
@@ -2668,7 +2668,7 @@
           <a:p>
             <a:fld id="{89C48F96-F5DF-4FE2-ADA7-494B7CCFAB53}" type="datetimeFigureOut">
               <a:rPr lang="es-ES" smtClean="0"/>
-              <a:t>15/05/2019</a:t>
+              <a:t>16/05/2019</a:t>
             </a:fld>
             <a:endParaRPr lang="es-ES"/>
           </a:p>
@@ -2909,7 +2909,7 @@
           <a:p>
             <a:fld id="{89C48F96-F5DF-4FE2-ADA7-494B7CCFAB53}" type="datetimeFigureOut">
               <a:rPr lang="es-ES" smtClean="0"/>
-              <a:t>15/05/2019</a:t>
+              <a:t>16/05/2019</a:t>
             </a:fld>
             <a:endParaRPr lang="es-ES"/>
           </a:p>
@@ -3326,83 +3326,1609 @@
           <a:chExt cx="0" cy="0"/>
         </a:xfrm>
       </p:grpSpPr>
-      <p:sp>
-        <p:nvSpPr>
-          <p:cNvPr id="71" name="CuadroTexto 70">
+      <p:graphicFrame>
+        <p:nvGraphicFramePr>
+          <p:cNvPr id="3" name="Tabla 2">
             <a:extLst>
               <a:ext uri="{FF2B5EF4-FFF2-40B4-BE49-F238E27FC236}">
-                <a16:creationId xmlns:a16="http://schemas.microsoft.com/office/drawing/2014/main" id="{24A5095D-8DA5-4A99-AF5B-6941F84459C3}"/>
+                <a16:creationId xmlns:a16="http://schemas.microsoft.com/office/drawing/2014/main" id="{299E59E6-DD63-474D-BDEF-2208AEBD7AF5}"/>
               </a:ext>
             </a:extLst>
           </p:cNvPr>
-          <p:cNvSpPr txBox="1"/>
-          <p:nvPr/>
-        </p:nvSpPr>
-        <p:spPr>
-          <a:xfrm>
-            <a:off x="3799323" y="0"/>
-            <a:ext cx="4593354" cy="923330"/>
-          </a:xfrm>
-          <a:prstGeom prst="rect">
-            <a:avLst/>
-          </a:prstGeom>
-          <a:noFill/>
-        </p:spPr>
-        <p:txBody>
-          <a:bodyPr wrap="square" rtlCol="0">
-            <a:spAutoFit/>
-          </a:bodyPr>
-          <a:lstStyle/>
-          <a:p>
-            <a:pPr algn="ctr"/>
-            <a:r>
-              <a:rPr lang="es-ES" sz="5400" dirty="0" err="1">
-                <a:latin typeface="Cambria Math" panose="02040503050406030204" pitchFamily="18" charset="0"/>
-                <a:ea typeface="Cambria Math" panose="02040503050406030204" pitchFamily="18" charset="0"/>
-              </a:rPr>
-              <a:t>nnn</a:t>
-            </a:r>
-            <a:r>
-              <a:rPr lang="es-ES" sz="4800" dirty="0">
-                <a:latin typeface="Cambria Math" panose="02040503050406030204" pitchFamily="18" charset="0"/>
-                <a:ea typeface="Cambria Math" panose="02040503050406030204" pitchFamily="18" charset="0"/>
-              </a:rPr>
-              <a:t>/</a:t>
-            </a:r>
-            <a:r>
-              <a:rPr lang="es-ES" sz="4800" dirty="0" err="1">
-                <a:latin typeface="Cambria Math" panose="02040503050406030204" pitchFamily="18" charset="0"/>
-                <a:ea typeface="Cambria Math" panose="02040503050406030204" pitchFamily="18" charset="0"/>
-              </a:rPr>
-              <a:t>nn</a:t>
-            </a:r>
-            <a:r>
-              <a:rPr lang="es-ES" sz="4800" dirty="0">
-                <a:latin typeface="Cambria Math" panose="02040503050406030204" pitchFamily="18" charset="0"/>
-                <a:ea typeface="Cambria Math" panose="02040503050406030204" pitchFamily="18" charset="0"/>
-              </a:rPr>
-              <a:t>/n/</a:t>
-            </a:r>
-            <a:r>
-              <a:rPr lang="es-ES" sz="4800" dirty="0" err="1">
-                <a:latin typeface="Cambria Math" panose="02040503050406030204" pitchFamily="18" charset="0"/>
-                <a:ea typeface="Cambria Math" panose="02040503050406030204" pitchFamily="18" charset="0"/>
-              </a:rPr>
-              <a:t>nn</a:t>
-            </a:r>
-            <a:endParaRPr lang="es-ES" sz="4800" dirty="0">
-              <a:latin typeface="Cambria Math" panose="02040503050406030204" pitchFamily="18" charset="0"/>
-              <a:ea typeface="Cambria Math" panose="02040503050406030204" pitchFamily="18" charset="0"/>
-            </a:endParaRPr>
-          </a:p>
-        </p:txBody>
-      </p:sp>
+          <p:cNvGraphicFramePr>
+            <a:graphicFrameLocks noGrp="1"/>
+          </p:cNvGraphicFramePr>
+          <p:nvPr>
+            <p:extLst>
+              <p:ext uri="{D42A27DB-BD31-4B8C-83A1-F6EECF244321}">
+                <p14:modId xmlns:p14="http://schemas.microsoft.com/office/powerpoint/2010/main" val="1539076847"/>
+              </p:ext>
+            </p:extLst>
+          </p:nvPr>
+        </p:nvGraphicFramePr>
+        <p:xfrm>
+          <a:off x="751371" y="2294623"/>
+          <a:ext cx="2615501" cy="1097280"/>
+        </p:xfrm>
+        <a:graphic>
+          <a:graphicData uri="http://schemas.openxmlformats.org/drawingml/2006/table">
+            <a:tbl>
+              <a:tblPr firstRow="1" bandRow="1">
+                <a:tableStyleId>{2D5ABB26-0587-4C30-8999-92F81FD0307C}</a:tableStyleId>
+              </a:tblPr>
+              <a:tblGrid>
+                <a:gridCol w="373643">
+                  <a:extLst>
+                    <a:ext uri="{9D8B030D-6E8A-4147-A177-3AD203B41FA5}">
+                      <a16:colId xmlns:a16="http://schemas.microsoft.com/office/drawing/2014/main" val="1058995969"/>
+                    </a:ext>
+                  </a:extLst>
+                </a:gridCol>
+                <a:gridCol w="373643">
+                  <a:extLst>
+                    <a:ext uri="{9D8B030D-6E8A-4147-A177-3AD203B41FA5}">
+                      <a16:colId xmlns:a16="http://schemas.microsoft.com/office/drawing/2014/main" val="195164122"/>
+                    </a:ext>
+                  </a:extLst>
+                </a:gridCol>
+                <a:gridCol w="373643">
+                  <a:extLst>
+                    <a:ext uri="{9D8B030D-6E8A-4147-A177-3AD203B41FA5}">
+                      <a16:colId xmlns:a16="http://schemas.microsoft.com/office/drawing/2014/main" val="2562053862"/>
+                    </a:ext>
+                  </a:extLst>
+                </a:gridCol>
+                <a:gridCol w="373643">
+                  <a:extLst>
+                    <a:ext uri="{9D8B030D-6E8A-4147-A177-3AD203B41FA5}">
+                      <a16:colId xmlns:a16="http://schemas.microsoft.com/office/drawing/2014/main" val="2746059270"/>
+                    </a:ext>
+                  </a:extLst>
+                </a:gridCol>
+                <a:gridCol w="373643">
+                  <a:extLst>
+                    <a:ext uri="{9D8B030D-6E8A-4147-A177-3AD203B41FA5}">
+                      <a16:colId xmlns:a16="http://schemas.microsoft.com/office/drawing/2014/main" val="2502485633"/>
+                    </a:ext>
+                  </a:extLst>
+                </a:gridCol>
+                <a:gridCol w="373643">
+                  <a:extLst>
+                    <a:ext uri="{9D8B030D-6E8A-4147-A177-3AD203B41FA5}">
+                      <a16:colId xmlns:a16="http://schemas.microsoft.com/office/drawing/2014/main" val="3714473998"/>
+                    </a:ext>
+                  </a:extLst>
+                </a:gridCol>
+                <a:gridCol w="373643">
+                  <a:extLst>
+                    <a:ext uri="{9D8B030D-6E8A-4147-A177-3AD203B41FA5}">
+                      <a16:colId xmlns:a16="http://schemas.microsoft.com/office/drawing/2014/main" val="1787881280"/>
+                    </a:ext>
+                  </a:extLst>
+                </a:gridCol>
+              </a:tblGrid>
+              <a:tr h="203880">
+                <a:tc>
+                  <a:txBody>
+                    <a:bodyPr/>
+                    <a:lstStyle/>
+                    <a:p>
+                      <a:r>
+                        <a:rPr lang="es-ES" sz="1200" dirty="0">
+                          <a:latin typeface="Cambria Math" panose="02040503050406030204" pitchFamily="18" charset="0"/>
+                          <a:ea typeface="Cambria Math" panose="02040503050406030204" pitchFamily="18" charset="0"/>
+                        </a:rPr>
+                        <a:t>X1</a:t>
+                      </a:r>
+                    </a:p>
+                  </a:txBody>
+                  <a:tcPr>
+                    <a:lnL w="19050" cap="flat" cmpd="sng" algn="ctr">
+                      <a:solidFill>
+                        <a:schemeClr val="tx1"/>
+                      </a:solidFill>
+                      <a:prstDash val="solid"/>
+                      <a:round/>
+                      <a:headEnd type="none" w="med" len="med"/>
+                      <a:tailEnd type="none" w="med" len="med"/>
+                    </a:lnL>
+                    <a:lnR w="19050" cap="flat" cmpd="sng" algn="ctr">
+                      <a:solidFill>
+                        <a:schemeClr val="tx1"/>
+                      </a:solidFill>
+                      <a:prstDash val="solid"/>
+                      <a:round/>
+                      <a:headEnd type="none" w="med" len="med"/>
+                      <a:tailEnd type="none" w="med" len="med"/>
+                    </a:lnR>
+                    <a:lnT w="19050" cap="flat" cmpd="sng" algn="ctr">
+                      <a:solidFill>
+                        <a:schemeClr val="tx1"/>
+                      </a:solidFill>
+                      <a:prstDash val="solid"/>
+                      <a:round/>
+                      <a:headEnd type="none" w="med" len="med"/>
+                      <a:tailEnd type="none" w="med" len="med"/>
+                    </a:lnT>
+                    <a:lnB w="19050" cap="flat" cmpd="sng" algn="ctr">
+                      <a:solidFill>
+                        <a:schemeClr val="tx1"/>
+                      </a:solidFill>
+                      <a:prstDash val="solid"/>
+                      <a:round/>
+                      <a:headEnd type="none" w="med" len="med"/>
+                      <a:tailEnd type="none" w="med" len="med"/>
+                    </a:lnB>
+                  </a:tcPr>
+                </a:tc>
+                <a:tc>
+                  <a:txBody>
+                    <a:bodyPr/>
+                    <a:lstStyle/>
+                    <a:p>
+                      <a:r>
+                        <a:rPr lang="es-ES" sz="1200" dirty="0">
+                          <a:latin typeface="Cambria Math" panose="02040503050406030204" pitchFamily="18" charset="0"/>
+                          <a:ea typeface="Cambria Math" panose="02040503050406030204" pitchFamily="18" charset="0"/>
+                        </a:rPr>
+                        <a:t>X2</a:t>
+                      </a:r>
+                    </a:p>
+                  </a:txBody>
+                  <a:tcPr>
+                    <a:lnL w="19050" cap="flat" cmpd="sng" algn="ctr">
+                      <a:solidFill>
+                        <a:schemeClr val="tx1"/>
+                      </a:solidFill>
+                      <a:prstDash val="solid"/>
+                      <a:round/>
+                      <a:headEnd type="none" w="med" len="med"/>
+                      <a:tailEnd type="none" w="med" len="med"/>
+                    </a:lnL>
+                    <a:lnR w="19050" cap="flat" cmpd="sng" algn="ctr">
+                      <a:solidFill>
+                        <a:schemeClr val="tx1"/>
+                      </a:solidFill>
+                      <a:prstDash val="solid"/>
+                      <a:round/>
+                      <a:headEnd type="none" w="med" len="med"/>
+                      <a:tailEnd type="none" w="med" len="med"/>
+                    </a:lnR>
+                    <a:lnT w="19050" cap="flat" cmpd="sng" algn="ctr">
+                      <a:solidFill>
+                        <a:schemeClr val="tx1"/>
+                      </a:solidFill>
+                      <a:prstDash val="solid"/>
+                      <a:round/>
+                      <a:headEnd type="none" w="med" len="med"/>
+                      <a:tailEnd type="none" w="med" len="med"/>
+                    </a:lnT>
+                    <a:lnB w="19050" cap="flat" cmpd="sng" algn="ctr">
+                      <a:solidFill>
+                        <a:schemeClr val="tx1"/>
+                      </a:solidFill>
+                      <a:prstDash val="solid"/>
+                      <a:round/>
+                      <a:headEnd type="none" w="med" len="med"/>
+                      <a:tailEnd type="none" w="med" len="med"/>
+                    </a:lnB>
+                  </a:tcPr>
+                </a:tc>
+                <a:tc>
+                  <a:txBody>
+                    <a:bodyPr/>
+                    <a:lstStyle/>
+                    <a:p>
+                      <a:r>
+                        <a:rPr lang="es-ES" sz="1200" dirty="0">
+                          <a:latin typeface="Cambria Math" panose="02040503050406030204" pitchFamily="18" charset="0"/>
+                          <a:ea typeface="Cambria Math" panose="02040503050406030204" pitchFamily="18" charset="0"/>
+                        </a:rPr>
+                        <a:t>X3</a:t>
+                      </a:r>
+                    </a:p>
+                  </a:txBody>
+                  <a:tcPr>
+                    <a:lnL w="19050" cap="flat" cmpd="sng" algn="ctr">
+                      <a:solidFill>
+                        <a:schemeClr val="tx1"/>
+                      </a:solidFill>
+                      <a:prstDash val="solid"/>
+                      <a:round/>
+                      <a:headEnd type="none" w="med" len="med"/>
+                      <a:tailEnd type="none" w="med" len="med"/>
+                    </a:lnL>
+                    <a:lnR w="19050" cap="flat" cmpd="sng" algn="ctr">
+                      <a:solidFill>
+                        <a:schemeClr val="tx1"/>
+                      </a:solidFill>
+                      <a:prstDash val="solid"/>
+                      <a:round/>
+                      <a:headEnd type="none" w="med" len="med"/>
+                      <a:tailEnd type="none" w="med" len="med"/>
+                    </a:lnR>
+                    <a:lnT w="19050" cap="flat" cmpd="sng" algn="ctr">
+                      <a:solidFill>
+                        <a:schemeClr val="tx1"/>
+                      </a:solidFill>
+                      <a:prstDash val="solid"/>
+                      <a:round/>
+                      <a:headEnd type="none" w="med" len="med"/>
+                      <a:tailEnd type="none" w="med" len="med"/>
+                    </a:lnT>
+                    <a:lnB w="19050" cap="flat" cmpd="sng" algn="ctr">
+                      <a:solidFill>
+                        <a:schemeClr val="tx1"/>
+                      </a:solidFill>
+                      <a:prstDash val="solid"/>
+                      <a:round/>
+                      <a:headEnd type="none" w="med" len="med"/>
+                      <a:tailEnd type="none" w="med" len="med"/>
+                    </a:lnB>
+                  </a:tcPr>
+                </a:tc>
+                <a:tc>
+                  <a:txBody>
+                    <a:bodyPr/>
+                    <a:lstStyle/>
+                    <a:p>
+                      <a:r>
+                        <a:rPr lang="es-ES" sz="1200" dirty="0">
+                          <a:latin typeface="Cambria Math" panose="02040503050406030204" pitchFamily="18" charset="0"/>
+                          <a:ea typeface="Cambria Math" panose="02040503050406030204" pitchFamily="18" charset="0"/>
+                        </a:rPr>
+                        <a:t>X4</a:t>
+                      </a:r>
+                    </a:p>
+                  </a:txBody>
+                  <a:tcPr>
+                    <a:lnL w="19050" cap="flat" cmpd="sng" algn="ctr">
+                      <a:solidFill>
+                        <a:schemeClr val="tx1"/>
+                      </a:solidFill>
+                      <a:prstDash val="solid"/>
+                      <a:round/>
+                      <a:headEnd type="none" w="med" len="med"/>
+                      <a:tailEnd type="none" w="med" len="med"/>
+                    </a:lnL>
+                    <a:lnR w="19050" cap="flat" cmpd="sng" algn="ctr">
+                      <a:solidFill>
+                        <a:schemeClr val="tx1"/>
+                      </a:solidFill>
+                      <a:prstDash val="solid"/>
+                      <a:round/>
+                      <a:headEnd type="none" w="med" len="med"/>
+                      <a:tailEnd type="none" w="med" len="med"/>
+                    </a:lnR>
+                    <a:lnT w="19050" cap="flat" cmpd="sng" algn="ctr">
+                      <a:solidFill>
+                        <a:schemeClr val="tx1"/>
+                      </a:solidFill>
+                      <a:prstDash val="solid"/>
+                      <a:round/>
+                      <a:headEnd type="none" w="med" len="med"/>
+                      <a:tailEnd type="none" w="med" len="med"/>
+                    </a:lnT>
+                    <a:lnB w="19050" cap="flat" cmpd="sng" algn="ctr">
+                      <a:solidFill>
+                        <a:schemeClr val="tx1"/>
+                      </a:solidFill>
+                      <a:prstDash val="solid"/>
+                      <a:round/>
+                      <a:headEnd type="none" w="med" len="med"/>
+                      <a:tailEnd type="none" w="med" len="med"/>
+                    </a:lnB>
+                  </a:tcPr>
+                </a:tc>
+                <a:tc>
+                  <a:txBody>
+                    <a:bodyPr/>
+                    <a:lstStyle/>
+                    <a:p>
+                      <a:r>
+                        <a:rPr lang="es-ES" sz="1200" dirty="0">
+                          <a:latin typeface="Cambria Math" panose="02040503050406030204" pitchFamily="18" charset="0"/>
+                          <a:ea typeface="Cambria Math" panose="02040503050406030204" pitchFamily="18" charset="0"/>
+                        </a:rPr>
+                        <a:t>X5</a:t>
+                      </a:r>
+                    </a:p>
+                  </a:txBody>
+                  <a:tcPr>
+                    <a:lnL w="19050" cap="flat" cmpd="sng" algn="ctr">
+                      <a:solidFill>
+                        <a:schemeClr val="tx1"/>
+                      </a:solidFill>
+                      <a:prstDash val="solid"/>
+                      <a:round/>
+                      <a:headEnd type="none" w="med" len="med"/>
+                      <a:tailEnd type="none" w="med" len="med"/>
+                    </a:lnL>
+                    <a:lnR w="19050" cap="flat" cmpd="sng" algn="ctr">
+                      <a:solidFill>
+                        <a:schemeClr val="tx1"/>
+                      </a:solidFill>
+                      <a:prstDash val="solid"/>
+                      <a:round/>
+                      <a:headEnd type="none" w="med" len="med"/>
+                      <a:tailEnd type="none" w="med" len="med"/>
+                    </a:lnR>
+                    <a:lnT w="19050" cap="flat" cmpd="sng" algn="ctr">
+                      <a:solidFill>
+                        <a:schemeClr val="tx1"/>
+                      </a:solidFill>
+                      <a:prstDash val="solid"/>
+                      <a:round/>
+                      <a:headEnd type="none" w="med" len="med"/>
+                      <a:tailEnd type="none" w="med" len="med"/>
+                    </a:lnT>
+                    <a:lnB w="19050" cap="flat" cmpd="sng" algn="ctr">
+                      <a:solidFill>
+                        <a:schemeClr val="tx1"/>
+                      </a:solidFill>
+                      <a:prstDash val="solid"/>
+                      <a:round/>
+                      <a:headEnd type="none" w="med" len="med"/>
+                      <a:tailEnd type="none" w="med" len="med"/>
+                    </a:lnB>
+                  </a:tcPr>
+                </a:tc>
+                <a:tc>
+                  <a:txBody>
+                    <a:bodyPr/>
+                    <a:lstStyle/>
+                    <a:p>
+                      <a:r>
+                        <a:rPr lang="es-ES" sz="1200" dirty="0">
+                          <a:latin typeface="Cambria Math" panose="02040503050406030204" pitchFamily="18" charset="0"/>
+                          <a:ea typeface="Cambria Math" panose="02040503050406030204" pitchFamily="18" charset="0"/>
+                        </a:rPr>
+                        <a:t>C1</a:t>
+                      </a:r>
+                    </a:p>
+                  </a:txBody>
+                  <a:tcPr>
+                    <a:lnL w="19050" cap="flat" cmpd="sng" algn="ctr">
+                      <a:solidFill>
+                        <a:schemeClr val="tx1"/>
+                      </a:solidFill>
+                      <a:prstDash val="solid"/>
+                      <a:round/>
+                      <a:headEnd type="none" w="med" len="med"/>
+                      <a:tailEnd type="none" w="med" len="med"/>
+                    </a:lnL>
+                    <a:lnR w="19050" cap="flat" cmpd="sng" algn="ctr">
+                      <a:solidFill>
+                        <a:schemeClr val="tx1"/>
+                      </a:solidFill>
+                      <a:prstDash val="solid"/>
+                      <a:round/>
+                      <a:headEnd type="none" w="med" len="med"/>
+                      <a:tailEnd type="none" w="med" len="med"/>
+                    </a:lnR>
+                    <a:lnT w="19050" cap="flat" cmpd="sng" algn="ctr">
+                      <a:solidFill>
+                        <a:schemeClr val="tx1"/>
+                      </a:solidFill>
+                      <a:prstDash val="solid"/>
+                      <a:round/>
+                      <a:headEnd type="none" w="med" len="med"/>
+                      <a:tailEnd type="none" w="med" len="med"/>
+                    </a:lnT>
+                    <a:lnB w="19050" cap="flat" cmpd="sng" algn="ctr">
+                      <a:solidFill>
+                        <a:schemeClr val="tx1"/>
+                      </a:solidFill>
+                      <a:prstDash val="solid"/>
+                      <a:round/>
+                      <a:headEnd type="none" w="med" len="med"/>
+                      <a:tailEnd type="none" w="med" len="med"/>
+                    </a:lnB>
+                  </a:tcPr>
+                </a:tc>
+                <a:tc>
+                  <a:txBody>
+                    <a:bodyPr/>
+                    <a:lstStyle/>
+                    <a:p>
+                      <a:r>
+                        <a:rPr lang="es-ES" sz="1200" dirty="0">
+                          <a:latin typeface="Cambria Math" panose="02040503050406030204" pitchFamily="18" charset="0"/>
+                          <a:ea typeface="Cambria Math" panose="02040503050406030204" pitchFamily="18" charset="0"/>
+                        </a:rPr>
+                        <a:t>C2</a:t>
+                      </a:r>
+                    </a:p>
+                  </a:txBody>
+                  <a:tcPr>
+                    <a:lnL w="19050" cap="flat" cmpd="sng" algn="ctr">
+                      <a:solidFill>
+                        <a:schemeClr val="tx1"/>
+                      </a:solidFill>
+                      <a:prstDash val="solid"/>
+                      <a:round/>
+                      <a:headEnd type="none" w="med" len="med"/>
+                      <a:tailEnd type="none" w="med" len="med"/>
+                    </a:lnL>
+                    <a:lnR w="19050" cap="flat" cmpd="sng" algn="ctr">
+                      <a:solidFill>
+                        <a:schemeClr val="tx1"/>
+                      </a:solidFill>
+                      <a:prstDash val="solid"/>
+                      <a:round/>
+                      <a:headEnd type="none" w="med" len="med"/>
+                      <a:tailEnd type="none" w="med" len="med"/>
+                    </a:lnR>
+                    <a:lnT w="19050" cap="flat" cmpd="sng" algn="ctr">
+                      <a:solidFill>
+                        <a:schemeClr val="tx1"/>
+                      </a:solidFill>
+                      <a:prstDash val="solid"/>
+                      <a:round/>
+                      <a:headEnd type="none" w="med" len="med"/>
+                      <a:tailEnd type="none" w="med" len="med"/>
+                    </a:lnT>
+                    <a:lnB w="19050" cap="flat" cmpd="sng" algn="ctr">
+                      <a:solidFill>
+                        <a:schemeClr val="tx1"/>
+                      </a:solidFill>
+                      <a:prstDash val="solid"/>
+                      <a:round/>
+                      <a:headEnd type="none" w="med" len="med"/>
+                      <a:tailEnd type="none" w="med" len="med"/>
+                    </a:lnB>
+                  </a:tcPr>
+                </a:tc>
+                <a:extLst>
+                  <a:ext uri="{0D108BD9-81ED-4DB2-BD59-A6C34878D82A}">
+                    <a16:rowId xmlns:a16="http://schemas.microsoft.com/office/drawing/2014/main" val="1830673973"/>
+                  </a:ext>
+                </a:extLst>
+              </a:tr>
+              <a:tr h="203880">
+                <a:tc>
+                  <a:txBody>
+                    <a:bodyPr/>
+                    <a:lstStyle/>
+                    <a:p>
+                      <a:r>
+                        <a:rPr lang="es-ES" sz="1200" dirty="0">
+                          <a:latin typeface="Cambria Math" panose="02040503050406030204" pitchFamily="18" charset="0"/>
+                          <a:ea typeface="Cambria Math" panose="02040503050406030204" pitchFamily="18" charset="0"/>
+                        </a:rPr>
+                        <a:t>0</a:t>
+                      </a:r>
+                    </a:p>
+                  </a:txBody>
+                  <a:tcPr>
+                    <a:lnL w="19050" cap="flat" cmpd="sng" algn="ctr">
+                      <a:solidFill>
+                        <a:schemeClr val="tx1"/>
+                      </a:solidFill>
+                      <a:prstDash val="solid"/>
+                      <a:round/>
+                      <a:headEnd type="none" w="med" len="med"/>
+                      <a:tailEnd type="none" w="med" len="med"/>
+                    </a:lnL>
+                    <a:lnR w="19050" cap="flat" cmpd="sng" algn="ctr">
+                      <a:solidFill>
+                        <a:schemeClr val="tx1"/>
+                      </a:solidFill>
+                      <a:prstDash val="solid"/>
+                      <a:round/>
+                      <a:headEnd type="none" w="med" len="med"/>
+                      <a:tailEnd type="none" w="med" len="med"/>
+                    </a:lnR>
+                    <a:lnT w="19050" cap="flat" cmpd="sng" algn="ctr">
+                      <a:solidFill>
+                        <a:schemeClr val="tx1"/>
+                      </a:solidFill>
+                      <a:prstDash val="solid"/>
+                      <a:round/>
+                      <a:headEnd type="none" w="med" len="med"/>
+                      <a:tailEnd type="none" w="med" len="med"/>
+                    </a:lnT>
+                    <a:lnB w="19050" cap="flat" cmpd="sng" algn="ctr">
+                      <a:solidFill>
+                        <a:schemeClr val="tx1"/>
+                      </a:solidFill>
+                      <a:prstDash val="solid"/>
+                      <a:round/>
+                      <a:headEnd type="none" w="med" len="med"/>
+                      <a:tailEnd type="none" w="med" len="med"/>
+                    </a:lnB>
+                  </a:tcPr>
+                </a:tc>
+                <a:tc>
+                  <a:txBody>
+                    <a:bodyPr/>
+                    <a:lstStyle/>
+                    <a:p>
+                      <a:r>
+                        <a:rPr lang="es-ES" sz="1200" dirty="0">
+                          <a:latin typeface="Cambria Math" panose="02040503050406030204" pitchFamily="18" charset="0"/>
+                          <a:ea typeface="Cambria Math" panose="02040503050406030204" pitchFamily="18" charset="0"/>
+                        </a:rPr>
+                        <a:t>0</a:t>
+                      </a:r>
+                    </a:p>
+                  </a:txBody>
+                  <a:tcPr>
+                    <a:lnL w="19050" cap="flat" cmpd="sng" algn="ctr">
+                      <a:solidFill>
+                        <a:schemeClr val="tx1"/>
+                      </a:solidFill>
+                      <a:prstDash val="solid"/>
+                      <a:round/>
+                      <a:headEnd type="none" w="med" len="med"/>
+                      <a:tailEnd type="none" w="med" len="med"/>
+                    </a:lnL>
+                    <a:lnR w="19050" cap="flat" cmpd="sng" algn="ctr">
+                      <a:solidFill>
+                        <a:schemeClr val="tx1"/>
+                      </a:solidFill>
+                      <a:prstDash val="solid"/>
+                      <a:round/>
+                      <a:headEnd type="none" w="med" len="med"/>
+                      <a:tailEnd type="none" w="med" len="med"/>
+                    </a:lnR>
+                    <a:lnT w="19050" cap="flat" cmpd="sng" algn="ctr">
+                      <a:solidFill>
+                        <a:schemeClr val="tx1"/>
+                      </a:solidFill>
+                      <a:prstDash val="solid"/>
+                      <a:round/>
+                      <a:headEnd type="none" w="med" len="med"/>
+                      <a:tailEnd type="none" w="med" len="med"/>
+                    </a:lnT>
+                    <a:lnB w="19050" cap="flat" cmpd="sng" algn="ctr">
+                      <a:solidFill>
+                        <a:schemeClr val="tx1"/>
+                      </a:solidFill>
+                      <a:prstDash val="solid"/>
+                      <a:round/>
+                      <a:headEnd type="none" w="med" len="med"/>
+                      <a:tailEnd type="none" w="med" len="med"/>
+                    </a:lnB>
+                  </a:tcPr>
+                </a:tc>
+                <a:tc>
+                  <a:txBody>
+                    <a:bodyPr/>
+                    <a:lstStyle/>
+                    <a:p>
+                      <a:r>
+                        <a:rPr lang="es-ES" sz="1200" dirty="0">
+                          <a:latin typeface="Cambria Math" panose="02040503050406030204" pitchFamily="18" charset="0"/>
+                          <a:ea typeface="Cambria Math" panose="02040503050406030204" pitchFamily="18" charset="0"/>
+                        </a:rPr>
+                        <a:t>0</a:t>
+                      </a:r>
+                    </a:p>
+                  </a:txBody>
+                  <a:tcPr>
+                    <a:lnL w="19050" cap="flat" cmpd="sng" algn="ctr">
+                      <a:solidFill>
+                        <a:schemeClr val="tx1"/>
+                      </a:solidFill>
+                      <a:prstDash val="solid"/>
+                      <a:round/>
+                      <a:headEnd type="none" w="med" len="med"/>
+                      <a:tailEnd type="none" w="med" len="med"/>
+                    </a:lnL>
+                    <a:lnR w="19050" cap="flat" cmpd="sng" algn="ctr">
+                      <a:solidFill>
+                        <a:schemeClr val="tx1"/>
+                      </a:solidFill>
+                      <a:prstDash val="solid"/>
+                      <a:round/>
+                      <a:headEnd type="none" w="med" len="med"/>
+                      <a:tailEnd type="none" w="med" len="med"/>
+                    </a:lnR>
+                    <a:lnT w="19050" cap="flat" cmpd="sng" algn="ctr">
+                      <a:solidFill>
+                        <a:schemeClr val="tx1"/>
+                      </a:solidFill>
+                      <a:prstDash val="solid"/>
+                      <a:round/>
+                      <a:headEnd type="none" w="med" len="med"/>
+                      <a:tailEnd type="none" w="med" len="med"/>
+                    </a:lnT>
+                    <a:lnB w="19050" cap="flat" cmpd="sng" algn="ctr">
+                      <a:solidFill>
+                        <a:schemeClr val="tx1"/>
+                      </a:solidFill>
+                      <a:prstDash val="solid"/>
+                      <a:round/>
+                      <a:headEnd type="none" w="med" len="med"/>
+                      <a:tailEnd type="none" w="med" len="med"/>
+                    </a:lnB>
+                  </a:tcPr>
+                </a:tc>
+                <a:tc>
+                  <a:txBody>
+                    <a:bodyPr/>
+                    <a:lstStyle/>
+                    <a:p>
+                      <a:r>
+                        <a:rPr lang="es-ES" sz="1200" dirty="0">
+                          <a:latin typeface="Cambria Math" panose="02040503050406030204" pitchFamily="18" charset="0"/>
+                          <a:ea typeface="Cambria Math" panose="02040503050406030204" pitchFamily="18" charset="0"/>
+                        </a:rPr>
+                        <a:t>1</a:t>
+                      </a:r>
+                    </a:p>
+                  </a:txBody>
+                  <a:tcPr>
+                    <a:lnL w="19050" cap="flat" cmpd="sng" algn="ctr">
+                      <a:solidFill>
+                        <a:schemeClr val="tx1"/>
+                      </a:solidFill>
+                      <a:prstDash val="solid"/>
+                      <a:round/>
+                      <a:headEnd type="none" w="med" len="med"/>
+                      <a:tailEnd type="none" w="med" len="med"/>
+                    </a:lnL>
+                    <a:lnR w="19050" cap="flat" cmpd="sng" algn="ctr">
+                      <a:solidFill>
+                        <a:schemeClr val="tx1"/>
+                      </a:solidFill>
+                      <a:prstDash val="solid"/>
+                      <a:round/>
+                      <a:headEnd type="none" w="med" len="med"/>
+                      <a:tailEnd type="none" w="med" len="med"/>
+                    </a:lnR>
+                    <a:lnT w="19050" cap="flat" cmpd="sng" algn="ctr">
+                      <a:solidFill>
+                        <a:schemeClr val="tx1"/>
+                      </a:solidFill>
+                      <a:prstDash val="solid"/>
+                      <a:round/>
+                      <a:headEnd type="none" w="med" len="med"/>
+                      <a:tailEnd type="none" w="med" len="med"/>
+                    </a:lnT>
+                    <a:lnB w="19050" cap="flat" cmpd="sng" algn="ctr">
+                      <a:solidFill>
+                        <a:schemeClr val="tx1"/>
+                      </a:solidFill>
+                      <a:prstDash val="solid"/>
+                      <a:round/>
+                      <a:headEnd type="none" w="med" len="med"/>
+                      <a:tailEnd type="none" w="med" len="med"/>
+                    </a:lnB>
+                  </a:tcPr>
+                </a:tc>
+                <a:tc>
+                  <a:txBody>
+                    <a:bodyPr/>
+                    <a:lstStyle/>
+                    <a:p>
+                      <a:r>
+                        <a:rPr lang="es-ES" sz="1200" dirty="0">
+                          <a:latin typeface="Cambria Math" panose="02040503050406030204" pitchFamily="18" charset="0"/>
+                          <a:ea typeface="Cambria Math" panose="02040503050406030204" pitchFamily="18" charset="0"/>
+                        </a:rPr>
+                        <a:t>1</a:t>
+                      </a:r>
+                    </a:p>
+                  </a:txBody>
+                  <a:tcPr>
+                    <a:lnL w="19050" cap="flat" cmpd="sng" algn="ctr">
+                      <a:solidFill>
+                        <a:schemeClr val="tx1"/>
+                      </a:solidFill>
+                      <a:prstDash val="solid"/>
+                      <a:round/>
+                      <a:headEnd type="none" w="med" len="med"/>
+                      <a:tailEnd type="none" w="med" len="med"/>
+                    </a:lnL>
+                    <a:lnR w="19050" cap="flat" cmpd="sng" algn="ctr">
+                      <a:solidFill>
+                        <a:schemeClr val="tx1"/>
+                      </a:solidFill>
+                      <a:prstDash val="solid"/>
+                      <a:round/>
+                      <a:headEnd type="none" w="med" len="med"/>
+                      <a:tailEnd type="none" w="med" len="med"/>
+                    </a:lnR>
+                    <a:lnT w="19050" cap="flat" cmpd="sng" algn="ctr">
+                      <a:solidFill>
+                        <a:schemeClr val="tx1"/>
+                      </a:solidFill>
+                      <a:prstDash val="solid"/>
+                      <a:round/>
+                      <a:headEnd type="none" w="med" len="med"/>
+                      <a:tailEnd type="none" w="med" len="med"/>
+                    </a:lnT>
+                    <a:lnB w="19050" cap="flat" cmpd="sng" algn="ctr">
+                      <a:solidFill>
+                        <a:schemeClr val="tx1"/>
+                      </a:solidFill>
+                      <a:prstDash val="solid"/>
+                      <a:round/>
+                      <a:headEnd type="none" w="med" len="med"/>
+                      <a:tailEnd type="none" w="med" len="med"/>
+                    </a:lnB>
+                  </a:tcPr>
+                </a:tc>
+                <a:tc>
+                  <a:txBody>
+                    <a:bodyPr/>
+                    <a:lstStyle/>
+                    <a:p>
+                      <a:r>
+                        <a:rPr lang="es-ES" sz="1200" dirty="0">
+                          <a:latin typeface="Cambria Math" panose="02040503050406030204" pitchFamily="18" charset="0"/>
+                          <a:ea typeface="Cambria Math" panose="02040503050406030204" pitchFamily="18" charset="0"/>
+                        </a:rPr>
+                        <a:t>1</a:t>
+                      </a:r>
+                    </a:p>
+                  </a:txBody>
+                  <a:tcPr>
+                    <a:lnL w="19050" cap="flat" cmpd="sng" algn="ctr">
+                      <a:solidFill>
+                        <a:schemeClr val="tx1"/>
+                      </a:solidFill>
+                      <a:prstDash val="solid"/>
+                      <a:round/>
+                      <a:headEnd type="none" w="med" len="med"/>
+                      <a:tailEnd type="none" w="med" len="med"/>
+                    </a:lnL>
+                    <a:lnR w="19050" cap="flat" cmpd="sng" algn="ctr">
+                      <a:solidFill>
+                        <a:schemeClr val="tx1"/>
+                      </a:solidFill>
+                      <a:prstDash val="solid"/>
+                      <a:round/>
+                      <a:headEnd type="none" w="med" len="med"/>
+                      <a:tailEnd type="none" w="med" len="med"/>
+                    </a:lnR>
+                    <a:lnT w="19050" cap="flat" cmpd="sng" algn="ctr">
+                      <a:solidFill>
+                        <a:schemeClr val="tx1"/>
+                      </a:solidFill>
+                      <a:prstDash val="solid"/>
+                      <a:round/>
+                      <a:headEnd type="none" w="med" len="med"/>
+                      <a:tailEnd type="none" w="med" len="med"/>
+                    </a:lnT>
+                    <a:lnB w="19050" cap="flat" cmpd="sng" algn="ctr">
+                      <a:solidFill>
+                        <a:schemeClr val="tx1"/>
+                      </a:solidFill>
+                      <a:prstDash val="solid"/>
+                      <a:round/>
+                      <a:headEnd type="none" w="med" len="med"/>
+                      <a:tailEnd type="none" w="med" len="med"/>
+                    </a:lnB>
+                  </a:tcPr>
+                </a:tc>
+                <a:tc>
+                  <a:txBody>
+                    <a:bodyPr/>
+                    <a:lstStyle/>
+                    <a:p>
+                      <a:r>
+                        <a:rPr lang="es-ES" sz="1200" dirty="0">
+                          <a:latin typeface="Cambria Math" panose="02040503050406030204" pitchFamily="18" charset="0"/>
+                          <a:ea typeface="Cambria Math" panose="02040503050406030204" pitchFamily="18" charset="0"/>
+                        </a:rPr>
+                        <a:t>0</a:t>
+                      </a:r>
+                    </a:p>
+                  </a:txBody>
+                  <a:tcPr>
+                    <a:lnL w="19050" cap="flat" cmpd="sng" algn="ctr">
+                      <a:solidFill>
+                        <a:schemeClr val="tx1"/>
+                      </a:solidFill>
+                      <a:prstDash val="solid"/>
+                      <a:round/>
+                      <a:headEnd type="none" w="med" len="med"/>
+                      <a:tailEnd type="none" w="med" len="med"/>
+                    </a:lnL>
+                    <a:lnR w="19050" cap="flat" cmpd="sng" algn="ctr">
+                      <a:solidFill>
+                        <a:schemeClr val="tx1"/>
+                      </a:solidFill>
+                      <a:prstDash val="solid"/>
+                      <a:round/>
+                      <a:headEnd type="none" w="med" len="med"/>
+                      <a:tailEnd type="none" w="med" len="med"/>
+                    </a:lnR>
+                    <a:lnT w="19050" cap="flat" cmpd="sng" algn="ctr">
+                      <a:solidFill>
+                        <a:schemeClr val="tx1"/>
+                      </a:solidFill>
+                      <a:prstDash val="solid"/>
+                      <a:round/>
+                      <a:headEnd type="none" w="med" len="med"/>
+                      <a:tailEnd type="none" w="med" len="med"/>
+                    </a:lnT>
+                    <a:lnB w="19050" cap="flat" cmpd="sng" algn="ctr">
+                      <a:solidFill>
+                        <a:schemeClr val="tx1"/>
+                      </a:solidFill>
+                      <a:prstDash val="solid"/>
+                      <a:round/>
+                      <a:headEnd type="none" w="med" len="med"/>
+                      <a:tailEnd type="none" w="med" len="med"/>
+                    </a:lnB>
+                  </a:tcPr>
+                </a:tc>
+                <a:extLst>
+                  <a:ext uri="{0D108BD9-81ED-4DB2-BD59-A6C34878D82A}">
+                    <a16:rowId xmlns:a16="http://schemas.microsoft.com/office/drawing/2014/main" val="4155202472"/>
+                  </a:ext>
+                </a:extLst>
+              </a:tr>
+              <a:tr h="203880">
+                <a:tc>
+                  <a:txBody>
+                    <a:bodyPr/>
+                    <a:lstStyle/>
+                    <a:p>
+                      <a:r>
+                        <a:rPr lang="es-ES" sz="1200" dirty="0">
+                          <a:latin typeface="Cambria Math" panose="02040503050406030204" pitchFamily="18" charset="0"/>
+                          <a:ea typeface="Cambria Math" panose="02040503050406030204" pitchFamily="18" charset="0"/>
+                        </a:rPr>
+                        <a:t>1</a:t>
+                      </a:r>
+                    </a:p>
+                  </a:txBody>
+                  <a:tcPr>
+                    <a:lnL w="19050" cap="flat" cmpd="sng" algn="ctr">
+                      <a:solidFill>
+                        <a:schemeClr val="tx1"/>
+                      </a:solidFill>
+                      <a:prstDash val="solid"/>
+                      <a:round/>
+                      <a:headEnd type="none" w="med" len="med"/>
+                      <a:tailEnd type="none" w="med" len="med"/>
+                    </a:lnL>
+                    <a:lnR w="19050" cap="flat" cmpd="sng" algn="ctr">
+                      <a:solidFill>
+                        <a:schemeClr val="tx1"/>
+                      </a:solidFill>
+                      <a:prstDash val="solid"/>
+                      <a:round/>
+                      <a:headEnd type="none" w="med" len="med"/>
+                      <a:tailEnd type="none" w="med" len="med"/>
+                    </a:lnR>
+                    <a:lnT w="19050" cap="flat" cmpd="sng" algn="ctr">
+                      <a:solidFill>
+                        <a:schemeClr val="tx1"/>
+                      </a:solidFill>
+                      <a:prstDash val="solid"/>
+                      <a:round/>
+                      <a:headEnd type="none" w="med" len="med"/>
+                      <a:tailEnd type="none" w="med" len="med"/>
+                    </a:lnT>
+                    <a:lnB w="19050" cap="flat" cmpd="sng" algn="ctr">
+                      <a:solidFill>
+                        <a:schemeClr val="tx1"/>
+                      </a:solidFill>
+                      <a:prstDash val="solid"/>
+                      <a:round/>
+                      <a:headEnd type="none" w="med" len="med"/>
+                      <a:tailEnd type="none" w="med" len="med"/>
+                    </a:lnB>
+                  </a:tcPr>
+                </a:tc>
+                <a:tc>
+                  <a:txBody>
+                    <a:bodyPr/>
+                    <a:lstStyle/>
+                    <a:p>
+                      <a:r>
+                        <a:rPr lang="es-ES" sz="1200" dirty="0">
+                          <a:latin typeface="Cambria Math" panose="02040503050406030204" pitchFamily="18" charset="0"/>
+                          <a:ea typeface="Cambria Math" panose="02040503050406030204" pitchFamily="18" charset="0"/>
+                        </a:rPr>
+                        <a:t>0</a:t>
+                      </a:r>
+                    </a:p>
+                  </a:txBody>
+                  <a:tcPr>
+                    <a:lnL w="19050" cap="flat" cmpd="sng" algn="ctr">
+                      <a:solidFill>
+                        <a:schemeClr val="tx1"/>
+                      </a:solidFill>
+                      <a:prstDash val="solid"/>
+                      <a:round/>
+                      <a:headEnd type="none" w="med" len="med"/>
+                      <a:tailEnd type="none" w="med" len="med"/>
+                    </a:lnL>
+                    <a:lnR w="19050" cap="flat" cmpd="sng" algn="ctr">
+                      <a:solidFill>
+                        <a:schemeClr val="tx1"/>
+                      </a:solidFill>
+                      <a:prstDash val="solid"/>
+                      <a:round/>
+                      <a:headEnd type="none" w="med" len="med"/>
+                      <a:tailEnd type="none" w="med" len="med"/>
+                    </a:lnR>
+                    <a:lnT w="19050" cap="flat" cmpd="sng" algn="ctr">
+                      <a:solidFill>
+                        <a:schemeClr val="tx1"/>
+                      </a:solidFill>
+                      <a:prstDash val="solid"/>
+                      <a:round/>
+                      <a:headEnd type="none" w="med" len="med"/>
+                      <a:tailEnd type="none" w="med" len="med"/>
+                    </a:lnT>
+                    <a:lnB w="19050" cap="flat" cmpd="sng" algn="ctr">
+                      <a:solidFill>
+                        <a:schemeClr val="tx1"/>
+                      </a:solidFill>
+                      <a:prstDash val="solid"/>
+                      <a:round/>
+                      <a:headEnd type="none" w="med" len="med"/>
+                      <a:tailEnd type="none" w="med" len="med"/>
+                    </a:lnB>
+                  </a:tcPr>
+                </a:tc>
+                <a:tc>
+                  <a:txBody>
+                    <a:bodyPr/>
+                    <a:lstStyle/>
+                    <a:p>
+                      <a:r>
+                        <a:rPr lang="es-ES" sz="1200" dirty="0">
+                          <a:latin typeface="Cambria Math" panose="02040503050406030204" pitchFamily="18" charset="0"/>
+                          <a:ea typeface="Cambria Math" panose="02040503050406030204" pitchFamily="18" charset="0"/>
+                        </a:rPr>
+                        <a:t>1</a:t>
+                      </a:r>
+                    </a:p>
+                  </a:txBody>
+                  <a:tcPr>
+                    <a:lnL w="19050" cap="flat" cmpd="sng" algn="ctr">
+                      <a:solidFill>
+                        <a:schemeClr val="tx1"/>
+                      </a:solidFill>
+                      <a:prstDash val="solid"/>
+                      <a:round/>
+                      <a:headEnd type="none" w="med" len="med"/>
+                      <a:tailEnd type="none" w="med" len="med"/>
+                    </a:lnL>
+                    <a:lnR w="19050" cap="flat" cmpd="sng" algn="ctr">
+                      <a:solidFill>
+                        <a:schemeClr val="tx1"/>
+                      </a:solidFill>
+                      <a:prstDash val="solid"/>
+                      <a:round/>
+                      <a:headEnd type="none" w="med" len="med"/>
+                      <a:tailEnd type="none" w="med" len="med"/>
+                    </a:lnR>
+                    <a:lnT w="19050" cap="flat" cmpd="sng" algn="ctr">
+                      <a:solidFill>
+                        <a:schemeClr val="tx1"/>
+                      </a:solidFill>
+                      <a:prstDash val="solid"/>
+                      <a:round/>
+                      <a:headEnd type="none" w="med" len="med"/>
+                      <a:tailEnd type="none" w="med" len="med"/>
+                    </a:lnT>
+                    <a:lnB w="19050" cap="flat" cmpd="sng" algn="ctr">
+                      <a:solidFill>
+                        <a:schemeClr val="tx1"/>
+                      </a:solidFill>
+                      <a:prstDash val="solid"/>
+                      <a:round/>
+                      <a:headEnd type="none" w="med" len="med"/>
+                      <a:tailEnd type="none" w="med" len="med"/>
+                    </a:lnB>
+                  </a:tcPr>
+                </a:tc>
+                <a:tc>
+                  <a:txBody>
+                    <a:bodyPr/>
+                    <a:lstStyle/>
+                    <a:p>
+                      <a:r>
+                        <a:rPr lang="es-ES" sz="1200" dirty="0">
+                          <a:latin typeface="Cambria Math" panose="02040503050406030204" pitchFamily="18" charset="0"/>
+                          <a:ea typeface="Cambria Math" panose="02040503050406030204" pitchFamily="18" charset="0"/>
+                        </a:rPr>
+                        <a:t>0</a:t>
+                      </a:r>
+                    </a:p>
+                  </a:txBody>
+                  <a:tcPr>
+                    <a:lnL w="19050" cap="flat" cmpd="sng" algn="ctr">
+                      <a:solidFill>
+                        <a:schemeClr val="tx1"/>
+                      </a:solidFill>
+                      <a:prstDash val="solid"/>
+                      <a:round/>
+                      <a:headEnd type="none" w="med" len="med"/>
+                      <a:tailEnd type="none" w="med" len="med"/>
+                    </a:lnL>
+                    <a:lnR w="19050" cap="flat" cmpd="sng" algn="ctr">
+                      <a:solidFill>
+                        <a:schemeClr val="tx1"/>
+                      </a:solidFill>
+                      <a:prstDash val="solid"/>
+                      <a:round/>
+                      <a:headEnd type="none" w="med" len="med"/>
+                      <a:tailEnd type="none" w="med" len="med"/>
+                    </a:lnR>
+                    <a:lnT w="19050" cap="flat" cmpd="sng" algn="ctr">
+                      <a:solidFill>
+                        <a:schemeClr val="tx1"/>
+                      </a:solidFill>
+                      <a:prstDash val="solid"/>
+                      <a:round/>
+                      <a:headEnd type="none" w="med" len="med"/>
+                      <a:tailEnd type="none" w="med" len="med"/>
+                    </a:lnT>
+                    <a:lnB w="19050" cap="flat" cmpd="sng" algn="ctr">
+                      <a:solidFill>
+                        <a:schemeClr val="tx1"/>
+                      </a:solidFill>
+                      <a:prstDash val="solid"/>
+                      <a:round/>
+                      <a:headEnd type="none" w="med" len="med"/>
+                      <a:tailEnd type="none" w="med" len="med"/>
+                    </a:lnB>
+                  </a:tcPr>
+                </a:tc>
+                <a:tc>
+                  <a:txBody>
+                    <a:bodyPr/>
+                    <a:lstStyle/>
+                    <a:p>
+                      <a:r>
+                        <a:rPr lang="es-ES" sz="1200" dirty="0">
+                          <a:latin typeface="Cambria Math" panose="02040503050406030204" pitchFamily="18" charset="0"/>
+                          <a:ea typeface="Cambria Math" panose="02040503050406030204" pitchFamily="18" charset="0"/>
+                        </a:rPr>
+                        <a:t>1</a:t>
+                      </a:r>
+                    </a:p>
+                  </a:txBody>
+                  <a:tcPr>
+                    <a:lnL w="19050" cap="flat" cmpd="sng" algn="ctr">
+                      <a:solidFill>
+                        <a:schemeClr val="tx1"/>
+                      </a:solidFill>
+                      <a:prstDash val="solid"/>
+                      <a:round/>
+                      <a:headEnd type="none" w="med" len="med"/>
+                      <a:tailEnd type="none" w="med" len="med"/>
+                    </a:lnL>
+                    <a:lnR w="19050" cap="flat" cmpd="sng" algn="ctr">
+                      <a:solidFill>
+                        <a:schemeClr val="tx1"/>
+                      </a:solidFill>
+                      <a:prstDash val="solid"/>
+                      <a:round/>
+                      <a:headEnd type="none" w="med" len="med"/>
+                      <a:tailEnd type="none" w="med" len="med"/>
+                    </a:lnR>
+                    <a:lnT w="19050" cap="flat" cmpd="sng" algn="ctr">
+                      <a:solidFill>
+                        <a:schemeClr val="tx1"/>
+                      </a:solidFill>
+                      <a:prstDash val="solid"/>
+                      <a:round/>
+                      <a:headEnd type="none" w="med" len="med"/>
+                      <a:tailEnd type="none" w="med" len="med"/>
+                    </a:lnT>
+                    <a:lnB w="19050" cap="flat" cmpd="sng" algn="ctr">
+                      <a:solidFill>
+                        <a:schemeClr val="tx1"/>
+                      </a:solidFill>
+                      <a:prstDash val="solid"/>
+                      <a:round/>
+                      <a:headEnd type="none" w="med" len="med"/>
+                      <a:tailEnd type="none" w="med" len="med"/>
+                    </a:lnB>
+                  </a:tcPr>
+                </a:tc>
+                <a:tc>
+                  <a:txBody>
+                    <a:bodyPr/>
+                    <a:lstStyle/>
+                    <a:p>
+                      <a:r>
+                        <a:rPr lang="es-ES" sz="1200" dirty="0">
+                          <a:latin typeface="Cambria Math" panose="02040503050406030204" pitchFamily="18" charset="0"/>
+                          <a:ea typeface="Cambria Math" panose="02040503050406030204" pitchFamily="18" charset="0"/>
+                        </a:rPr>
+                        <a:t>0</a:t>
+                      </a:r>
+                    </a:p>
+                  </a:txBody>
+                  <a:tcPr>
+                    <a:lnL w="19050" cap="flat" cmpd="sng" algn="ctr">
+                      <a:solidFill>
+                        <a:schemeClr val="tx1"/>
+                      </a:solidFill>
+                      <a:prstDash val="solid"/>
+                      <a:round/>
+                      <a:headEnd type="none" w="med" len="med"/>
+                      <a:tailEnd type="none" w="med" len="med"/>
+                    </a:lnL>
+                    <a:lnR w="19050" cap="flat" cmpd="sng" algn="ctr">
+                      <a:solidFill>
+                        <a:schemeClr val="tx1"/>
+                      </a:solidFill>
+                      <a:prstDash val="solid"/>
+                      <a:round/>
+                      <a:headEnd type="none" w="med" len="med"/>
+                      <a:tailEnd type="none" w="med" len="med"/>
+                    </a:lnR>
+                    <a:lnT w="19050" cap="flat" cmpd="sng" algn="ctr">
+                      <a:solidFill>
+                        <a:schemeClr val="tx1"/>
+                      </a:solidFill>
+                      <a:prstDash val="solid"/>
+                      <a:round/>
+                      <a:headEnd type="none" w="med" len="med"/>
+                      <a:tailEnd type="none" w="med" len="med"/>
+                    </a:lnT>
+                    <a:lnB w="19050" cap="flat" cmpd="sng" algn="ctr">
+                      <a:solidFill>
+                        <a:schemeClr val="tx1"/>
+                      </a:solidFill>
+                      <a:prstDash val="solid"/>
+                      <a:round/>
+                      <a:headEnd type="none" w="med" len="med"/>
+                      <a:tailEnd type="none" w="med" len="med"/>
+                    </a:lnB>
+                  </a:tcPr>
+                </a:tc>
+                <a:tc>
+                  <a:txBody>
+                    <a:bodyPr/>
+                    <a:lstStyle/>
+                    <a:p>
+                      <a:r>
+                        <a:rPr lang="es-ES" sz="1200" dirty="0">
+                          <a:latin typeface="Cambria Math" panose="02040503050406030204" pitchFamily="18" charset="0"/>
+                          <a:ea typeface="Cambria Math" panose="02040503050406030204" pitchFamily="18" charset="0"/>
+                        </a:rPr>
+                        <a:t>1</a:t>
+                      </a:r>
+                    </a:p>
+                  </a:txBody>
+                  <a:tcPr>
+                    <a:lnL w="19050" cap="flat" cmpd="sng" algn="ctr">
+                      <a:solidFill>
+                        <a:schemeClr val="tx1"/>
+                      </a:solidFill>
+                      <a:prstDash val="solid"/>
+                      <a:round/>
+                      <a:headEnd type="none" w="med" len="med"/>
+                      <a:tailEnd type="none" w="med" len="med"/>
+                    </a:lnL>
+                    <a:lnR w="19050" cap="flat" cmpd="sng" algn="ctr">
+                      <a:solidFill>
+                        <a:schemeClr val="tx1"/>
+                      </a:solidFill>
+                      <a:prstDash val="solid"/>
+                      <a:round/>
+                      <a:headEnd type="none" w="med" len="med"/>
+                      <a:tailEnd type="none" w="med" len="med"/>
+                    </a:lnR>
+                    <a:lnT w="19050" cap="flat" cmpd="sng" algn="ctr">
+                      <a:solidFill>
+                        <a:schemeClr val="tx1"/>
+                      </a:solidFill>
+                      <a:prstDash val="solid"/>
+                      <a:round/>
+                      <a:headEnd type="none" w="med" len="med"/>
+                      <a:tailEnd type="none" w="med" len="med"/>
+                    </a:lnT>
+                    <a:lnB w="19050" cap="flat" cmpd="sng" algn="ctr">
+                      <a:solidFill>
+                        <a:schemeClr val="tx1"/>
+                      </a:solidFill>
+                      <a:prstDash val="solid"/>
+                      <a:round/>
+                      <a:headEnd type="none" w="med" len="med"/>
+                      <a:tailEnd type="none" w="med" len="med"/>
+                    </a:lnB>
+                  </a:tcPr>
+                </a:tc>
+                <a:extLst>
+                  <a:ext uri="{0D108BD9-81ED-4DB2-BD59-A6C34878D82A}">
+                    <a16:rowId xmlns:a16="http://schemas.microsoft.com/office/drawing/2014/main" val="3321942179"/>
+                  </a:ext>
+                </a:extLst>
+              </a:tr>
+              <a:tr h="203880">
+                <a:tc>
+                  <a:txBody>
+                    <a:bodyPr/>
+                    <a:lstStyle/>
+                    <a:p>
+                      <a:r>
+                        <a:rPr lang="es-ES" sz="1200" dirty="0">
+                          <a:latin typeface="Cambria Math" panose="02040503050406030204" pitchFamily="18" charset="0"/>
+                          <a:ea typeface="Cambria Math" panose="02040503050406030204" pitchFamily="18" charset="0"/>
+                        </a:rPr>
+                        <a:t>1</a:t>
+                      </a:r>
+                    </a:p>
+                  </a:txBody>
+                  <a:tcPr>
+                    <a:lnL w="19050" cap="flat" cmpd="sng" algn="ctr">
+                      <a:solidFill>
+                        <a:schemeClr val="tx1"/>
+                      </a:solidFill>
+                      <a:prstDash val="solid"/>
+                      <a:round/>
+                      <a:headEnd type="none" w="med" len="med"/>
+                      <a:tailEnd type="none" w="med" len="med"/>
+                    </a:lnL>
+                    <a:lnR w="19050" cap="flat" cmpd="sng" algn="ctr">
+                      <a:solidFill>
+                        <a:schemeClr val="tx1"/>
+                      </a:solidFill>
+                      <a:prstDash val="solid"/>
+                      <a:round/>
+                      <a:headEnd type="none" w="med" len="med"/>
+                      <a:tailEnd type="none" w="med" len="med"/>
+                    </a:lnR>
+                    <a:lnT w="19050" cap="flat" cmpd="sng" algn="ctr">
+                      <a:solidFill>
+                        <a:schemeClr val="tx1"/>
+                      </a:solidFill>
+                      <a:prstDash val="solid"/>
+                      <a:round/>
+                      <a:headEnd type="none" w="med" len="med"/>
+                      <a:tailEnd type="none" w="med" len="med"/>
+                    </a:lnT>
+                    <a:lnB w="19050" cap="flat" cmpd="sng" algn="ctr">
+                      <a:solidFill>
+                        <a:schemeClr val="tx1"/>
+                      </a:solidFill>
+                      <a:prstDash val="solid"/>
+                      <a:round/>
+                      <a:headEnd type="none" w="med" len="med"/>
+                      <a:tailEnd type="none" w="med" len="med"/>
+                    </a:lnB>
+                  </a:tcPr>
+                </a:tc>
+                <a:tc>
+                  <a:txBody>
+                    <a:bodyPr/>
+                    <a:lstStyle/>
+                    <a:p>
+                      <a:r>
+                        <a:rPr lang="es-ES" sz="1200" dirty="0">
+                          <a:latin typeface="Cambria Math" panose="02040503050406030204" pitchFamily="18" charset="0"/>
+                          <a:ea typeface="Cambria Math" panose="02040503050406030204" pitchFamily="18" charset="0"/>
+                        </a:rPr>
+                        <a:t>1</a:t>
+                      </a:r>
+                    </a:p>
+                  </a:txBody>
+                  <a:tcPr>
+                    <a:lnL w="19050" cap="flat" cmpd="sng" algn="ctr">
+                      <a:solidFill>
+                        <a:schemeClr val="tx1"/>
+                      </a:solidFill>
+                      <a:prstDash val="solid"/>
+                      <a:round/>
+                      <a:headEnd type="none" w="med" len="med"/>
+                      <a:tailEnd type="none" w="med" len="med"/>
+                    </a:lnL>
+                    <a:lnR w="19050" cap="flat" cmpd="sng" algn="ctr">
+                      <a:solidFill>
+                        <a:schemeClr val="tx1"/>
+                      </a:solidFill>
+                      <a:prstDash val="solid"/>
+                      <a:round/>
+                      <a:headEnd type="none" w="med" len="med"/>
+                      <a:tailEnd type="none" w="med" len="med"/>
+                    </a:lnR>
+                    <a:lnT w="19050" cap="flat" cmpd="sng" algn="ctr">
+                      <a:solidFill>
+                        <a:schemeClr val="tx1"/>
+                      </a:solidFill>
+                      <a:prstDash val="solid"/>
+                      <a:round/>
+                      <a:headEnd type="none" w="med" len="med"/>
+                      <a:tailEnd type="none" w="med" len="med"/>
+                    </a:lnT>
+                    <a:lnB w="19050" cap="flat" cmpd="sng" algn="ctr">
+                      <a:solidFill>
+                        <a:schemeClr val="tx1"/>
+                      </a:solidFill>
+                      <a:prstDash val="solid"/>
+                      <a:round/>
+                      <a:headEnd type="none" w="med" len="med"/>
+                      <a:tailEnd type="none" w="med" len="med"/>
+                    </a:lnB>
+                  </a:tcPr>
+                </a:tc>
+                <a:tc>
+                  <a:txBody>
+                    <a:bodyPr/>
+                    <a:lstStyle/>
+                    <a:p>
+                      <a:r>
+                        <a:rPr lang="es-ES" sz="1200" dirty="0">
+                          <a:latin typeface="Cambria Math" panose="02040503050406030204" pitchFamily="18" charset="0"/>
+                          <a:ea typeface="Cambria Math" panose="02040503050406030204" pitchFamily="18" charset="0"/>
+                        </a:rPr>
+                        <a:t>0</a:t>
+                      </a:r>
+                    </a:p>
+                  </a:txBody>
+                  <a:tcPr>
+                    <a:lnL w="19050" cap="flat" cmpd="sng" algn="ctr">
+                      <a:solidFill>
+                        <a:schemeClr val="tx1"/>
+                      </a:solidFill>
+                      <a:prstDash val="solid"/>
+                      <a:round/>
+                      <a:headEnd type="none" w="med" len="med"/>
+                      <a:tailEnd type="none" w="med" len="med"/>
+                    </a:lnL>
+                    <a:lnR w="19050" cap="flat" cmpd="sng" algn="ctr">
+                      <a:solidFill>
+                        <a:schemeClr val="tx1"/>
+                      </a:solidFill>
+                      <a:prstDash val="solid"/>
+                      <a:round/>
+                      <a:headEnd type="none" w="med" len="med"/>
+                      <a:tailEnd type="none" w="med" len="med"/>
+                    </a:lnR>
+                    <a:lnT w="19050" cap="flat" cmpd="sng" algn="ctr">
+                      <a:solidFill>
+                        <a:schemeClr val="tx1"/>
+                      </a:solidFill>
+                      <a:prstDash val="solid"/>
+                      <a:round/>
+                      <a:headEnd type="none" w="med" len="med"/>
+                      <a:tailEnd type="none" w="med" len="med"/>
+                    </a:lnT>
+                    <a:lnB w="19050" cap="flat" cmpd="sng" algn="ctr">
+                      <a:solidFill>
+                        <a:schemeClr val="tx1"/>
+                      </a:solidFill>
+                      <a:prstDash val="solid"/>
+                      <a:round/>
+                      <a:headEnd type="none" w="med" len="med"/>
+                      <a:tailEnd type="none" w="med" len="med"/>
+                    </a:lnB>
+                  </a:tcPr>
+                </a:tc>
+                <a:tc>
+                  <a:txBody>
+                    <a:bodyPr/>
+                    <a:lstStyle/>
+                    <a:p>
+                      <a:r>
+                        <a:rPr lang="es-ES" sz="1200" dirty="0">
+                          <a:latin typeface="Cambria Math" panose="02040503050406030204" pitchFamily="18" charset="0"/>
+                          <a:ea typeface="Cambria Math" panose="02040503050406030204" pitchFamily="18" charset="0"/>
+                        </a:rPr>
+                        <a:t>0</a:t>
+                      </a:r>
+                    </a:p>
+                  </a:txBody>
+                  <a:tcPr>
+                    <a:lnL w="19050" cap="flat" cmpd="sng" algn="ctr">
+                      <a:solidFill>
+                        <a:schemeClr val="tx1"/>
+                      </a:solidFill>
+                      <a:prstDash val="solid"/>
+                      <a:round/>
+                      <a:headEnd type="none" w="med" len="med"/>
+                      <a:tailEnd type="none" w="med" len="med"/>
+                    </a:lnL>
+                    <a:lnR w="19050" cap="flat" cmpd="sng" algn="ctr">
+                      <a:solidFill>
+                        <a:schemeClr val="tx1"/>
+                      </a:solidFill>
+                      <a:prstDash val="solid"/>
+                      <a:round/>
+                      <a:headEnd type="none" w="med" len="med"/>
+                      <a:tailEnd type="none" w="med" len="med"/>
+                    </a:lnR>
+                    <a:lnT w="19050" cap="flat" cmpd="sng" algn="ctr">
+                      <a:solidFill>
+                        <a:schemeClr val="tx1"/>
+                      </a:solidFill>
+                      <a:prstDash val="solid"/>
+                      <a:round/>
+                      <a:headEnd type="none" w="med" len="med"/>
+                      <a:tailEnd type="none" w="med" len="med"/>
+                    </a:lnT>
+                    <a:lnB w="19050" cap="flat" cmpd="sng" algn="ctr">
+                      <a:solidFill>
+                        <a:schemeClr val="tx1"/>
+                      </a:solidFill>
+                      <a:prstDash val="solid"/>
+                      <a:round/>
+                      <a:headEnd type="none" w="med" len="med"/>
+                      <a:tailEnd type="none" w="med" len="med"/>
+                    </a:lnB>
+                  </a:tcPr>
+                </a:tc>
+                <a:tc>
+                  <a:txBody>
+                    <a:bodyPr/>
+                    <a:lstStyle/>
+                    <a:p>
+                      <a:r>
+                        <a:rPr lang="es-ES" sz="1200" dirty="0">
+                          <a:latin typeface="Cambria Math" panose="02040503050406030204" pitchFamily="18" charset="0"/>
+                          <a:ea typeface="Cambria Math" panose="02040503050406030204" pitchFamily="18" charset="0"/>
+                        </a:rPr>
+                        <a:t>0</a:t>
+                      </a:r>
+                    </a:p>
+                  </a:txBody>
+                  <a:tcPr>
+                    <a:lnL w="19050" cap="flat" cmpd="sng" algn="ctr">
+                      <a:solidFill>
+                        <a:schemeClr val="tx1"/>
+                      </a:solidFill>
+                      <a:prstDash val="solid"/>
+                      <a:round/>
+                      <a:headEnd type="none" w="med" len="med"/>
+                      <a:tailEnd type="none" w="med" len="med"/>
+                    </a:lnL>
+                    <a:lnR w="19050" cap="flat" cmpd="sng" algn="ctr">
+                      <a:solidFill>
+                        <a:schemeClr val="tx1"/>
+                      </a:solidFill>
+                      <a:prstDash val="solid"/>
+                      <a:round/>
+                      <a:headEnd type="none" w="med" len="med"/>
+                      <a:tailEnd type="none" w="med" len="med"/>
+                    </a:lnR>
+                    <a:lnT w="19050" cap="flat" cmpd="sng" algn="ctr">
+                      <a:solidFill>
+                        <a:schemeClr val="tx1"/>
+                      </a:solidFill>
+                      <a:prstDash val="solid"/>
+                      <a:round/>
+                      <a:headEnd type="none" w="med" len="med"/>
+                      <a:tailEnd type="none" w="med" len="med"/>
+                    </a:lnT>
+                    <a:lnB w="19050" cap="flat" cmpd="sng" algn="ctr">
+                      <a:solidFill>
+                        <a:schemeClr val="tx1"/>
+                      </a:solidFill>
+                      <a:prstDash val="solid"/>
+                      <a:round/>
+                      <a:headEnd type="none" w="med" len="med"/>
+                      <a:tailEnd type="none" w="med" len="med"/>
+                    </a:lnB>
+                  </a:tcPr>
+                </a:tc>
+                <a:tc>
+                  <a:txBody>
+                    <a:bodyPr/>
+                    <a:lstStyle/>
+                    <a:p>
+                      <a:r>
+                        <a:rPr lang="es-ES" sz="1200" dirty="0">
+                          <a:latin typeface="Cambria Math" panose="02040503050406030204" pitchFamily="18" charset="0"/>
+                          <a:ea typeface="Cambria Math" panose="02040503050406030204" pitchFamily="18" charset="0"/>
+                        </a:rPr>
+                        <a:t>1</a:t>
+                      </a:r>
+                    </a:p>
+                  </a:txBody>
+                  <a:tcPr>
+                    <a:lnL w="19050" cap="flat" cmpd="sng" algn="ctr">
+                      <a:solidFill>
+                        <a:schemeClr val="tx1"/>
+                      </a:solidFill>
+                      <a:prstDash val="solid"/>
+                      <a:round/>
+                      <a:headEnd type="none" w="med" len="med"/>
+                      <a:tailEnd type="none" w="med" len="med"/>
+                    </a:lnL>
+                    <a:lnR w="19050" cap="flat" cmpd="sng" algn="ctr">
+                      <a:solidFill>
+                        <a:schemeClr val="tx1"/>
+                      </a:solidFill>
+                      <a:prstDash val="solid"/>
+                      <a:round/>
+                      <a:headEnd type="none" w="med" len="med"/>
+                      <a:tailEnd type="none" w="med" len="med"/>
+                    </a:lnR>
+                    <a:lnT w="19050" cap="flat" cmpd="sng" algn="ctr">
+                      <a:solidFill>
+                        <a:schemeClr val="tx1"/>
+                      </a:solidFill>
+                      <a:prstDash val="solid"/>
+                      <a:round/>
+                      <a:headEnd type="none" w="med" len="med"/>
+                      <a:tailEnd type="none" w="med" len="med"/>
+                    </a:lnT>
+                    <a:lnB w="19050" cap="flat" cmpd="sng" algn="ctr">
+                      <a:solidFill>
+                        <a:schemeClr val="tx1"/>
+                      </a:solidFill>
+                      <a:prstDash val="solid"/>
+                      <a:round/>
+                      <a:headEnd type="none" w="med" len="med"/>
+                      <a:tailEnd type="none" w="med" len="med"/>
+                    </a:lnB>
+                  </a:tcPr>
+                </a:tc>
+                <a:tc>
+                  <a:txBody>
+                    <a:bodyPr/>
+                    <a:lstStyle/>
+                    <a:p>
+                      <a:r>
+                        <a:rPr lang="es-ES" sz="1200" dirty="0">
+                          <a:latin typeface="Cambria Math" panose="02040503050406030204" pitchFamily="18" charset="0"/>
+                          <a:ea typeface="Cambria Math" panose="02040503050406030204" pitchFamily="18" charset="0"/>
+                        </a:rPr>
+                        <a:t>0</a:t>
+                      </a:r>
+                    </a:p>
+                  </a:txBody>
+                  <a:tcPr>
+                    <a:lnL w="19050" cap="flat" cmpd="sng" algn="ctr">
+                      <a:solidFill>
+                        <a:schemeClr val="tx1"/>
+                      </a:solidFill>
+                      <a:prstDash val="solid"/>
+                      <a:round/>
+                      <a:headEnd type="none" w="med" len="med"/>
+                      <a:tailEnd type="none" w="med" len="med"/>
+                    </a:lnL>
+                    <a:lnR w="19050" cap="flat" cmpd="sng" algn="ctr">
+                      <a:solidFill>
+                        <a:schemeClr val="tx1"/>
+                      </a:solidFill>
+                      <a:prstDash val="solid"/>
+                      <a:round/>
+                      <a:headEnd type="none" w="med" len="med"/>
+                      <a:tailEnd type="none" w="med" len="med"/>
+                    </a:lnR>
+                    <a:lnT w="19050" cap="flat" cmpd="sng" algn="ctr">
+                      <a:solidFill>
+                        <a:schemeClr val="tx1"/>
+                      </a:solidFill>
+                      <a:prstDash val="solid"/>
+                      <a:round/>
+                      <a:headEnd type="none" w="med" len="med"/>
+                      <a:tailEnd type="none" w="med" len="med"/>
+                    </a:lnT>
+                    <a:lnB w="19050" cap="flat" cmpd="sng" algn="ctr">
+                      <a:solidFill>
+                        <a:schemeClr val="tx1"/>
+                      </a:solidFill>
+                      <a:prstDash val="solid"/>
+                      <a:round/>
+                      <a:headEnd type="none" w="med" len="med"/>
+                      <a:tailEnd type="none" w="med" len="med"/>
+                    </a:lnB>
+                  </a:tcPr>
+                </a:tc>
+                <a:extLst>
+                  <a:ext uri="{0D108BD9-81ED-4DB2-BD59-A6C34878D82A}">
+                    <a16:rowId xmlns:a16="http://schemas.microsoft.com/office/drawing/2014/main" val="1976702188"/>
+                  </a:ext>
+                </a:extLst>
+              </a:tr>
+            </a:tbl>
+          </a:graphicData>
+        </a:graphic>
+      </p:graphicFrame>
       <p:grpSp>
         <p:nvGrpSpPr>
-          <p:cNvPr id="201" name="Grupo 200">
+          <p:cNvPr id="271" name="Grupo 270">
             <a:extLst>
               <a:ext uri="{FF2B5EF4-FFF2-40B4-BE49-F238E27FC236}">
-                <a16:creationId xmlns:a16="http://schemas.microsoft.com/office/drawing/2014/main" id="{B8C0FF0B-D6F2-484C-A96C-B4676EA07D93}"/>
+                <a16:creationId xmlns:a16="http://schemas.microsoft.com/office/drawing/2014/main" id="{C96B1997-A315-4275-ADF1-F21327DD3A9F}"/>
               </a:ext>
             </a:extLst>
           </p:cNvPr>
@@ -3411,18 +4937,18 @@
         </p:nvGrpSpPr>
         <p:grpSpPr>
           <a:xfrm>
-            <a:off x="1" y="1077213"/>
-            <a:ext cx="12192000" cy="5378413"/>
-            <a:chOff x="2327860" y="1630113"/>
-            <a:chExt cx="9675279" cy="4268180"/>
+            <a:off x="460508" y="197631"/>
+            <a:ext cx="11270983" cy="6325061"/>
+            <a:chOff x="531040" y="83331"/>
+            <a:chExt cx="11270983" cy="6325061"/>
           </a:xfrm>
         </p:grpSpPr>
         <p:sp>
           <p:nvSpPr>
-            <p:cNvPr id="151" name="Elipse 150">
+            <p:cNvPr id="46" name="Diagrama de flujo: proceso 45">
               <a:extLst>
                 <a:ext uri="{FF2B5EF4-FFF2-40B4-BE49-F238E27FC236}">
-                  <a16:creationId xmlns:a16="http://schemas.microsoft.com/office/drawing/2014/main" id="{7C4897CE-249A-4159-9CDA-92BB6EEFB2BF}"/>
+                  <a16:creationId xmlns:a16="http://schemas.microsoft.com/office/drawing/2014/main" id="{8F6F6CF7-2BE8-438F-88F9-EF9FED950460}"/>
                 </a:ext>
               </a:extLst>
             </p:cNvPr>
@@ -3431,10 +4957,1708 @@
           </p:nvSpPr>
           <p:spPr>
             <a:xfrm>
-              <a:off x="7973623" y="3346083"/>
-              <a:ext cx="975166" cy="974736"/>
+              <a:off x="1226984" y="1602204"/>
+              <a:ext cx="1085222" cy="515923"/>
             </a:xfrm>
-            <a:prstGeom prst="ellipse">
+            <a:prstGeom prst="flowChartProcess">
+              <a:avLst/>
+            </a:prstGeom>
+            <a:noFill/>
+            <a:ln>
+              <a:noFill/>
+            </a:ln>
+          </p:spPr>
+          <p:style>
+            <a:lnRef idx="2">
+              <a:schemeClr val="accent1">
+                <a:shade val="50000"/>
+              </a:schemeClr>
+            </a:lnRef>
+            <a:fillRef idx="1">
+              <a:schemeClr val="accent1"/>
+            </a:fillRef>
+            <a:effectRef idx="0">
+              <a:schemeClr val="accent1"/>
+            </a:effectRef>
+            <a:fontRef idx="minor">
+              <a:schemeClr val="lt1"/>
+            </a:fontRef>
+          </p:style>
+          <p:txBody>
+            <a:bodyPr rtlCol="0" anchor="ctr"/>
+            <a:lstStyle/>
+            <a:p>
+              <a:pPr algn="ctr"/>
+              <a:r>
+                <a:rPr lang="es-ES" sz="1600" dirty="0">
+                  <a:solidFill>
+                    <a:schemeClr val="tx1"/>
+                  </a:solidFill>
+                  <a:latin typeface="Cambria Math" panose="02040503050406030204" pitchFamily="18" charset="0"/>
+                  <a:ea typeface="Cambria Math" panose="02040503050406030204" pitchFamily="18" charset="0"/>
+                </a:rPr>
+                <a:t>I = 4</a:t>
+              </a:r>
+            </a:p>
+            <a:p>
+              <a:pPr algn="ctr"/>
+              <a:r>
+                <a:rPr lang="es-ES" sz="1600" dirty="0">
+                  <a:solidFill>
+                    <a:schemeClr val="tx1"/>
+                  </a:solidFill>
+                  <a:latin typeface="Cambria Math" panose="02040503050406030204" pitchFamily="18" charset="0"/>
+                  <a:ea typeface="Cambria Math" panose="02040503050406030204" pitchFamily="18" charset="0"/>
+                </a:rPr>
+                <a:t>O = 2</a:t>
+              </a:r>
+            </a:p>
+          </p:txBody>
+        </p:sp>
+        <p:sp>
+          <p:nvSpPr>
+            <p:cNvPr id="57" name="CuadroTexto 7">
+              <a:extLst>
+                <a:ext uri="{FF2B5EF4-FFF2-40B4-BE49-F238E27FC236}">
+                  <a16:creationId xmlns:a16="http://schemas.microsoft.com/office/drawing/2014/main" id="{59DA9662-CE01-4D2A-81EF-3834086B0EC9}"/>
+                </a:ext>
+              </a:extLst>
+            </p:cNvPr>
+            <p:cNvSpPr txBox="1"/>
+            <p:nvPr/>
+          </p:nvSpPr>
+          <p:spPr>
+            <a:xfrm>
+              <a:off x="5309930" y="3299982"/>
+              <a:ext cx="1740693" cy="453806"/>
+            </a:xfrm>
+            <a:prstGeom prst="rect">
+              <a:avLst/>
+            </a:prstGeom>
+            <a:noFill/>
+            <a:ln w="19050">
+              <a:solidFill>
+                <a:schemeClr val="tx1"/>
+              </a:solidFill>
+            </a:ln>
+          </p:spPr>
+          <p:style>
+            <a:lnRef idx="2">
+              <a:schemeClr val="accent3">
+                <a:shade val="50000"/>
+              </a:schemeClr>
+            </a:lnRef>
+            <a:fillRef idx="1">
+              <a:schemeClr val="accent3"/>
+            </a:fillRef>
+            <a:effectRef idx="0">
+              <a:schemeClr val="accent3"/>
+            </a:effectRef>
+            <a:fontRef idx="minor">
+              <a:schemeClr val="lt1"/>
+            </a:fontRef>
+          </p:style>
+          <p:txBody>
+            <a:bodyPr wrap="square" rtlCol="0" anchor="ctr">
+              <a:noAutofit/>
+            </a:bodyPr>
+            <a:lstStyle/>
+            <a:p>
+              <a:pPr algn="ctr">
+                <a:spcAft>
+                  <a:spcPts val="0"/>
+                </a:spcAft>
+              </a:pPr>
+              <a:r>
+                <a:rPr lang="es-ES" sz="1600" kern="1200" dirty="0">
+                  <a:solidFill>
+                    <a:srgbClr val="000000"/>
+                  </a:solidFill>
+                  <a:effectLst/>
+                  <a:latin typeface="Cambria Math" panose="02040503050406030204" pitchFamily="18" charset="0"/>
+                  <a:ea typeface="Calibri" panose="020F0502020204030204" pitchFamily="34" charset="0"/>
+                  <a:cs typeface="Times New Roman" panose="02020603050405020304" pitchFamily="18" charset="0"/>
+                </a:rPr>
+                <a:t>Reemplazo</a:t>
+              </a:r>
+              <a:endParaRPr lang="es-ES" sz="1600" dirty="0">
+                <a:effectLst/>
+                <a:ea typeface="Calibri" panose="020F0502020204030204" pitchFamily="34" charset="0"/>
+                <a:cs typeface="Times New Roman" panose="02020603050405020304" pitchFamily="18" charset="0"/>
+              </a:endParaRPr>
+            </a:p>
+          </p:txBody>
+        </p:sp>
+        <p:cxnSp>
+          <p:nvCxnSpPr>
+            <p:cNvPr id="95" name="Conector recto de flecha 94">
+              <a:extLst>
+                <a:ext uri="{FF2B5EF4-FFF2-40B4-BE49-F238E27FC236}">
+                  <a16:creationId xmlns:a16="http://schemas.microsoft.com/office/drawing/2014/main" id="{78A8AF95-D502-4BDE-B6B5-BD4B0D06160B}"/>
+                </a:ext>
+              </a:extLst>
+            </p:cNvPr>
+            <p:cNvCxnSpPr>
+              <a:cxnSpLocks/>
+              <a:stCxn id="3" idx="0"/>
+              <a:endCxn id="9" idx="4"/>
+            </p:cNvCxnSpPr>
+            <p:nvPr/>
+          </p:nvCxnSpPr>
+          <p:spPr>
+            <a:xfrm flipV="1">
+              <a:off x="2129653" y="1569488"/>
+              <a:ext cx="1" cy="610835"/>
+            </a:xfrm>
+            <a:prstGeom prst="straightConnector1">
+              <a:avLst/>
+            </a:prstGeom>
+            <a:ln w="19050">
+              <a:tailEnd type="triangle" w="lg" len="med"/>
+            </a:ln>
+          </p:spPr>
+          <p:style>
+            <a:lnRef idx="1">
+              <a:schemeClr val="dk1"/>
+            </a:lnRef>
+            <a:fillRef idx="0">
+              <a:schemeClr val="dk1"/>
+            </a:fillRef>
+            <a:effectRef idx="0">
+              <a:schemeClr val="dk1"/>
+            </a:effectRef>
+            <a:fontRef idx="minor">
+              <a:schemeClr val="tx1"/>
+            </a:fontRef>
+          </p:style>
+        </p:cxnSp>
+        <p:grpSp>
+          <p:nvGrpSpPr>
+            <p:cNvPr id="221" name="Grupo 220">
+              <a:extLst>
+                <a:ext uri="{FF2B5EF4-FFF2-40B4-BE49-F238E27FC236}">
+                  <a16:creationId xmlns:a16="http://schemas.microsoft.com/office/drawing/2014/main" id="{F08FC45D-41B0-4486-8C75-0CE234EB241F}"/>
+                </a:ext>
+              </a:extLst>
+            </p:cNvPr>
+            <p:cNvGrpSpPr/>
+            <p:nvPr/>
+          </p:nvGrpSpPr>
+          <p:grpSpPr>
+            <a:xfrm>
+              <a:off x="1400238" y="83331"/>
+              <a:ext cx="8534273" cy="5649162"/>
+              <a:chOff x="3454528" y="83331"/>
+              <a:chExt cx="8534273" cy="5649162"/>
+            </a:xfrm>
+          </p:grpSpPr>
+          <p:sp>
+            <p:nvSpPr>
+              <p:cNvPr id="171" name="Rectángulo 170">
+                <a:extLst>
+                  <a:ext uri="{FF2B5EF4-FFF2-40B4-BE49-F238E27FC236}">
+                    <a16:creationId xmlns:a16="http://schemas.microsoft.com/office/drawing/2014/main" id="{9E2EEEA1-B738-44FB-B6BD-EA83457369F9}"/>
+                  </a:ext>
+                </a:extLst>
+              </p:cNvPr>
+              <p:cNvSpPr/>
+              <p:nvPr/>
+            </p:nvSpPr>
+            <p:spPr>
+              <a:xfrm>
+                <a:off x="7355322" y="285749"/>
+                <a:ext cx="4633479" cy="2519954"/>
+              </a:xfrm>
+              <a:prstGeom prst="rect">
+                <a:avLst/>
+              </a:prstGeom>
+              <a:solidFill>
+                <a:schemeClr val="accent5">
+                  <a:lumMod val="20000"/>
+                  <a:lumOff val="80000"/>
+                </a:schemeClr>
+              </a:solidFill>
+              <a:ln w="19050">
+                <a:solidFill>
+                  <a:schemeClr val="tx1"/>
+                </a:solidFill>
+                <a:prstDash val="lgDash"/>
+              </a:ln>
+            </p:spPr>
+            <p:style>
+              <a:lnRef idx="2">
+                <a:schemeClr val="accent1">
+                  <a:shade val="50000"/>
+                </a:schemeClr>
+              </a:lnRef>
+              <a:fillRef idx="1">
+                <a:schemeClr val="accent1"/>
+              </a:fillRef>
+              <a:effectRef idx="0">
+                <a:schemeClr val="accent1"/>
+              </a:effectRef>
+              <a:fontRef idx="minor">
+                <a:schemeClr val="lt1"/>
+              </a:fontRef>
+            </p:style>
+            <p:txBody>
+              <a:bodyPr rtlCol="0" anchor="ctr"/>
+              <a:lstStyle/>
+              <a:p>
+                <a:pPr algn="ctr"/>
+                <a:endParaRPr lang="es-ES"/>
+              </a:p>
+            </p:txBody>
+          </p:sp>
+          <mc:AlternateContent xmlns:mc="http://schemas.openxmlformats.org/markup-compatibility/2006">
+            <mc:Choice xmlns:a14="http://schemas.microsoft.com/office/drawing/2010/main" Requires="a14">
+              <p:sp>
+                <p:nvSpPr>
+                  <p:cNvPr id="9" name="Elipse 8">
+                    <a:extLst>
+                      <a:ext uri="{FF2B5EF4-FFF2-40B4-BE49-F238E27FC236}">
+                        <a16:creationId xmlns:a16="http://schemas.microsoft.com/office/drawing/2014/main" id="{19ACAF07-2457-4967-B277-8A587B8EC025}"/>
+                      </a:ext>
+                    </a:extLst>
+                  </p:cNvPr>
+                  <p:cNvSpPr/>
+                  <p:nvPr/>
+                </p:nvSpPr>
+                <p:spPr>
+                  <a:xfrm>
+                    <a:off x="3786927" y="777023"/>
+                    <a:ext cx="794034" cy="792465"/>
+                  </a:xfrm>
+                  <a:prstGeom prst="ellipse">
+                    <a:avLst/>
+                  </a:prstGeom>
+                  <a:solidFill>
+                    <a:schemeClr val="bg1">
+                      <a:lumMod val="85000"/>
+                    </a:schemeClr>
+                  </a:solidFill>
+                  <a:ln w="19050">
+                    <a:solidFill>
+                      <a:schemeClr val="tx1"/>
+                    </a:solidFill>
+                  </a:ln>
+                </p:spPr>
+                <p:style>
+                  <a:lnRef idx="2">
+                    <a:schemeClr val="accent1">
+                      <a:shade val="50000"/>
+                    </a:schemeClr>
+                  </a:lnRef>
+                  <a:fillRef idx="1">
+                    <a:schemeClr val="accent1"/>
+                  </a:fillRef>
+                  <a:effectRef idx="0">
+                    <a:schemeClr val="accent1"/>
+                  </a:effectRef>
+                  <a:fontRef idx="minor">
+                    <a:schemeClr val="lt1"/>
+                  </a:fontRef>
+                </p:style>
+                <p:txBody>
+                  <a:bodyPr rtlCol="0" anchor="ctr"/>
+                  <a:lstStyle/>
+                  <a:p>
+                    <a:pPr algn="ctr"/>
+                    <a14:m>
+                      <m:oMathPara xmlns:m="http://schemas.openxmlformats.org/officeDocument/2006/math">
+                        <m:oMathParaPr>
+                          <m:jc m:val="center"/>
+                        </m:oMathParaPr>
+                        <m:oMath xmlns:m="http://schemas.openxmlformats.org/officeDocument/2006/math">
+                          <m:sSub>
+                            <m:sSubPr>
+                              <m:ctrlPr>
+                                <a:rPr lang="es-ES" sz="2400" b="0" i="1" smtClean="0">
+                                  <a:solidFill>
+                                    <a:schemeClr val="tx1"/>
+                                  </a:solidFill>
+                                  <a:latin typeface="Cambria Math" panose="02040503050406030204" pitchFamily="18" charset="0"/>
+                                </a:rPr>
+                              </m:ctrlPr>
+                            </m:sSubPr>
+                            <m:e>
+                              <m:r>
+                                <a:rPr lang="es-ES" sz="2400" b="0" i="1" smtClean="0">
+                                  <a:solidFill>
+                                    <a:schemeClr val="tx1"/>
+                                  </a:solidFill>
+                                  <a:latin typeface="Cambria Math" panose="02040503050406030204" pitchFamily="18" charset="0"/>
+                                </a:rPr>
+                                <m:t>𝐺</m:t>
+                              </m:r>
+                            </m:e>
+                            <m:sub>
+                              <m:r>
+                                <a:rPr lang="es-ES" sz="2400" b="0" i="1" smtClean="0">
+                                  <a:solidFill>
+                                    <a:schemeClr val="tx1"/>
+                                  </a:solidFill>
+                                  <a:latin typeface="Cambria Math" panose="02040503050406030204" pitchFamily="18" charset="0"/>
+                                </a:rPr>
+                                <m:t>4, 2</m:t>
+                              </m:r>
+                            </m:sub>
+                          </m:sSub>
+                        </m:oMath>
+                      </m:oMathPara>
+                    </a14:m>
+                    <a:endParaRPr lang="es-ES" sz="2400" dirty="0">
+                      <a:solidFill>
+                        <a:schemeClr val="tx1"/>
+                      </a:solidFill>
+                    </a:endParaRPr>
+                  </a:p>
+                </p:txBody>
+              </p:sp>
+            </mc:Choice>
+            <mc:Fallback>
+              <p:sp>
+                <p:nvSpPr>
+                  <p:cNvPr id="9" name="Elipse 8">
+                    <a:extLst>
+                      <a:ext uri="{FF2B5EF4-FFF2-40B4-BE49-F238E27FC236}">
+                        <a16:creationId xmlns:a16="http://schemas.microsoft.com/office/drawing/2014/main" id="{19ACAF07-2457-4967-B277-8A587B8EC025}"/>
+                      </a:ext>
+                    </a:extLst>
+                  </p:cNvPr>
+                  <p:cNvSpPr>
+                    <a:spLocks noRot="1" noChangeAspect="1" noMove="1" noResize="1" noEditPoints="1" noAdjustHandles="1" noChangeArrowheads="1" noChangeShapeType="1" noTextEdit="1"/>
+                  </p:cNvSpPr>
+                  <p:nvPr/>
+                </p:nvSpPr>
+                <p:spPr>
+                  <a:xfrm>
+                    <a:off x="3786927" y="777023"/>
+                    <a:ext cx="794034" cy="792465"/>
+                  </a:xfrm>
+                  <a:prstGeom prst="ellipse">
+                    <a:avLst/>
+                  </a:prstGeom>
+                  <a:blipFill>
+                    <a:blip r:embed="rId2"/>
+                    <a:stretch>
+                      <a:fillRect/>
+                    </a:stretch>
+                  </a:blipFill>
+                  <a:ln w="19050">
+                    <a:solidFill>
+                      <a:schemeClr val="tx1"/>
+                    </a:solidFill>
+                  </a:ln>
+                </p:spPr>
+                <p:txBody>
+                  <a:bodyPr/>
+                  <a:lstStyle/>
+                  <a:p>
+                    <a:r>
+                      <a:rPr lang="es-ES">
+                        <a:noFill/>
+                      </a:rPr>
+                      <a:t> </a:t>
+                    </a:r>
+                  </a:p>
+                </p:txBody>
+              </p:sp>
+            </mc:Fallback>
+          </mc:AlternateContent>
+          <p:sp>
+            <p:nvSpPr>
+              <p:cNvPr id="45" name="Diagrama de flujo: proceso 44">
+                <a:extLst>
+                  <a:ext uri="{FF2B5EF4-FFF2-40B4-BE49-F238E27FC236}">
+                    <a16:creationId xmlns:a16="http://schemas.microsoft.com/office/drawing/2014/main" id="{0D238813-FB8B-492C-B224-6BCE226DA346}"/>
+                  </a:ext>
+                </a:extLst>
+              </p:cNvPr>
+              <p:cNvSpPr/>
+              <p:nvPr/>
+            </p:nvSpPr>
+            <p:spPr>
+              <a:xfrm>
+                <a:off x="3454528" y="83331"/>
+                <a:ext cx="1439042" cy="599365"/>
+              </a:xfrm>
+              <a:prstGeom prst="flowChartProcess">
+                <a:avLst/>
+              </a:prstGeom>
+              <a:solidFill>
+                <a:schemeClr val="accent5">
+                  <a:lumMod val="20000"/>
+                  <a:lumOff val="80000"/>
+                </a:schemeClr>
+              </a:solidFill>
+              <a:ln w="19050">
+                <a:solidFill>
+                  <a:schemeClr val="tx1"/>
+                </a:solidFill>
+              </a:ln>
+            </p:spPr>
+            <p:style>
+              <a:lnRef idx="2">
+                <a:schemeClr val="accent1">
+                  <a:shade val="50000"/>
+                </a:schemeClr>
+              </a:lnRef>
+              <a:fillRef idx="1">
+                <a:schemeClr val="accent1"/>
+              </a:fillRef>
+              <a:effectRef idx="0">
+                <a:schemeClr val="accent1"/>
+              </a:effectRef>
+              <a:fontRef idx="minor">
+                <a:schemeClr val="lt1"/>
+              </a:fontRef>
+            </p:style>
+            <p:txBody>
+              <a:bodyPr rtlCol="0" anchor="ctr"/>
+              <a:lstStyle/>
+              <a:p>
+                <a:pPr algn="ctr"/>
+                <a:r>
+                  <a:rPr lang="es-ES" sz="1600" dirty="0">
+                    <a:solidFill>
+                      <a:schemeClr val="tx1"/>
+                    </a:solidFill>
+                    <a:latin typeface="Cambria Math" panose="02040503050406030204" pitchFamily="18" charset="0"/>
+                    <a:ea typeface="Cambria Math" panose="02040503050406030204" pitchFamily="18" charset="0"/>
+                  </a:rPr>
+                  <a:t>Generación de la gramática</a:t>
+                </a:r>
+              </a:p>
+            </p:txBody>
+          </p:sp>
+          <p:cxnSp>
+            <p:nvCxnSpPr>
+              <p:cNvPr id="65" name="Conector recto de flecha 64">
+                <a:extLst>
+                  <a:ext uri="{FF2B5EF4-FFF2-40B4-BE49-F238E27FC236}">
+                    <a16:creationId xmlns:a16="http://schemas.microsoft.com/office/drawing/2014/main" id="{C56213B8-D87D-4F5E-B955-26F4D534D33C}"/>
+                  </a:ext>
+                </a:extLst>
+              </p:cNvPr>
+              <p:cNvCxnSpPr>
+                <a:cxnSpLocks/>
+                <a:stCxn id="167" idx="2"/>
+                <a:endCxn id="77" idx="0"/>
+              </p:cNvCxnSpPr>
+              <p:nvPr/>
+            </p:nvCxnSpPr>
+            <p:spPr>
+              <a:xfrm>
+                <a:off x="10865360" y="2599942"/>
+                <a:ext cx="0" cy="444949"/>
+              </a:xfrm>
+              <a:prstGeom prst="straightConnector1">
+                <a:avLst/>
+              </a:prstGeom>
+              <a:ln w="19050">
+                <a:solidFill>
+                  <a:schemeClr val="tx1"/>
+                </a:solidFill>
+                <a:tailEnd type="triangle" w="lg" len="med"/>
+              </a:ln>
+            </p:spPr>
+            <p:style>
+              <a:lnRef idx="1">
+                <a:schemeClr val="dk1"/>
+              </a:lnRef>
+              <a:fillRef idx="0">
+                <a:schemeClr val="dk1"/>
+              </a:fillRef>
+              <a:effectRef idx="0">
+                <a:schemeClr val="dk1"/>
+              </a:effectRef>
+              <a:fontRef idx="minor">
+                <a:schemeClr val="tx1"/>
+              </a:fontRef>
+            </p:style>
+          </p:cxnSp>
+          <p:sp>
+            <p:nvSpPr>
+              <p:cNvPr id="66" name="CuadroTexto 23">
+                <a:extLst>
+                  <a:ext uri="{FF2B5EF4-FFF2-40B4-BE49-F238E27FC236}">
+                    <a16:creationId xmlns:a16="http://schemas.microsoft.com/office/drawing/2014/main" id="{8124F1BD-BED9-41C9-939F-FA811B83B7FB}"/>
+                  </a:ext>
+                </a:extLst>
+              </p:cNvPr>
+              <p:cNvSpPr txBox="1"/>
+              <p:nvPr/>
+            </p:nvSpPr>
+            <p:spPr>
+              <a:xfrm>
+                <a:off x="5226357" y="855359"/>
+                <a:ext cx="1739285" cy="637647"/>
+              </a:xfrm>
+              <a:prstGeom prst="rect">
+                <a:avLst/>
+              </a:prstGeom>
+              <a:noFill/>
+              <a:ln w="19050">
+                <a:solidFill>
+                  <a:schemeClr val="tx1"/>
+                </a:solidFill>
+              </a:ln>
+            </p:spPr>
+            <p:style>
+              <a:lnRef idx="2">
+                <a:schemeClr val="accent5">
+                  <a:shade val="50000"/>
+                </a:schemeClr>
+              </a:lnRef>
+              <a:fillRef idx="1">
+                <a:schemeClr val="accent5"/>
+              </a:fillRef>
+              <a:effectRef idx="0">
+                <a:schemeClr val="accent5"/>
+              </a:effectRef>
+              <a:fontRef idx="minor">
+                <a:schemeClr val="lt1"/>
+              </a:fontRef>
+            </p:style>
+            <p:txBody>
+              <a:bodyPr wrap="square" rtlCol="0" anchor="ctr">
+                <a:noAutofit/>
+              </a:bodyPr>
+              <a:lstStyle/>
+              <a:p>
+                <a:pPr algn="ctr">
+                  <a:spcAft>
+                    <a:spcPts val="0"/>
+                  </a:spcAft>
+                </a:pPr>
+                <a:r>
+                  <a:rPr lang="en-US" sz="1600" dirty="0">
+                    <a:effectLst/>
+                    <a:ea typeface="Calibri" panose="020F0502020204030204" pitchFamily="34" charset="0"/>
+                    <a:cs typeface="Times New Roman" panose="02020603050405020304" pitchFamily="18" charset="0"/>
+                  </a:rPr>
+                  <a:t>  </a:t>
+                </a:r>
+                <a:r>
+                  <a:rPr lang="en-US" sz="1600" kern="1200" dirty="0">
+                    <a:solidFill>
+                      <a:srgbClr val="000000"/>
+                    </a:solidFill>
+                    <a:effectLst/>
+                    <a:latin typeface="Cambria Math" panose="02040503050406030204" pitchFamily="18" charset="0"/>
+                    <a:ea typeface="Calibri" panose="020F0502020204030204" pitchFamily="34" charset="0"/>
+                    <a:cs typeface="Times New Roman" panose="02020603050405020304" pitchFamily="18" charset="0"/>
+                  </a:rPr>
+                  <a:t>Generación de una población</a:t>
+                </a:r>
+                <a:endParaRPr lang="es-ES" sz="1600" dirty="0">
+                  <a:effectLst/>
+                  <a:ea typeface="Calibri" panose="020F0502020204030204" pitchFamily="34" charset="0"/>
+                  <a:cs typeface="Times New Roman" panose="02020603050405020304" pitchFamily="18" charset="0"/>
+                </a:endParaRPr>
+              </a:p>
+            </p:txBody>
+          </p:sp>
+          <p:cxnSp>
+            <p:nvCxnSpPr>
+              <p:cNvPr id="67" name="Conector recto de flecha 66">
+                <a:extLst>
+                  <a:ext uri="{FF2B5EF4-FFF2-40B4-BE49-F238E27FC236}">
+                    <a16:creationId xmlns:a16="http://schemas.microsoft.com/office/drawing/2014/main" id="{B63D312F-045B-4873-AAD4-4CF1B1585F7B}"/>
+                  </a:ext>
+                </a:extLst>
+              </p:cNvPr>
+              <p:cNvCxnSpPr>
+                <a:cxnSpLocks/>
+                <a:stCxn id="66" idx="3"/>
+                <a:endCxn id="153" idx="1"/>
+              </p:cNvCxnSpPr>
+              <p:nvPr/>
+            </p:nvCxnSpPr>
+            <p:spPr>
+              <a:xfrm>
+                <a:off x="6965642" y="1174183"/>
+                <a:ext cx="645396" cy="0"/>
+              </a:xfrm>
+              <a:prstGeom prst="straightConnector1">
+                <a:avLst/>
+              </a:prstGeom>
+              <a:ln w="19050">
+                <a:tailEnd type="triangle" w="lg" len="med"/>
+              </a:ln>
+            </p:spPr>
+            <p:style>
+              <a:lnRef idx="1">
+                <a:schemeClr val="dk1"/>
+              </a:lnRef>
+              <a:fillRef idx="0">
+                <a:schemeClr val="dk1"/>
+              </a:fillRef>
+              <a:effectRef idx="0">
+                <a:schemeClr val="dk1"/>
+              </a:effectRef>
+              <a:fontRef idx="minor">
+                <a:schemeClr val="tx1"/>
+              </a:fontRef>
+            </p:style>
+          </p:cxnSp>
+          <p:grpSp>
+            <p:nvGrpSpPr>
+              <p:cNvPr id="69" name="Grupo 68">
+                <a:extLst>
+                  <a:ext uri="{FF2B5EF4-FFF2-40B4-BE49-F238E27FC236}">
+                    <a16:creationId xmlns:a16="http://schemas.microsoft.com/office/drawing/2014/main" id="{5A627659-E0EF-4C0D-95B4-C2058298898B}"/>
+                  </a:ext>
+                </a:extLst>
+              </p:cNvPr>
+              <p:cNvGrpSpPr/>
+              <p:nvPr/>
+            </p:nvGrpSpPr>
+            <p:grpSpPr>
+              <a:xfrm>
+                <a:off x="9748700" y="3044891"/>
+                <a:ext cx="2233320" cy="963989"/>
+                <a:chOff x="4381771" y="-2600875"/>
+                <a:chExt cx="865730" cy="373739"/>
+              </a:xfrm>
+            </p:grpSpPr>
+            <p:sp>
+              <p:nvSpPr>
+                <p:cNvPr id="77" name="Diagrama de flujo: decisión 76">
+                  <a:extLst>
+                    <a:ext uri="{FF2B5EF4-FFF2-40B4-BE49-F238E27FC236}">
+                      <a16:creationId xmlns:a16="http://schemas.microsoft.com/office/drawing/2014/main" id="{2840BC54-9EDA-41E4-9175-9FD9F9EE8091}"/>
+                    </a:ext>
+                  </a:extLst>
+                </p:cNvPr>
+                <p:cNvSpPr/>
+                <p:nvPr/>
+              </p:nvSpPr>
+              <p:spPr>
+                <a:xfrm>
+                  <a:off x="4381771" y="-2600875"/>
+                  <a:ext cx="865730" cy="373739"/>
+                </a:xfrm>
+                <a:prstGeom prst="flowChartDecision">
+                  <a:avLst/>
+                </a:prstGeom>
+                <a:noFill/>
+                <a:ln w="19050">
+                  <a:solidFill>
+                    <a:schemeClr val="tx1"/>
+                  </a:solidFill>
+                </a:ln>
+              </p:spPr>
+              <p:style>
+                <a:lnRef idx="2">
+                  <a:schemeClr val="accent2">
+                    <a:shade val="50000"/>
+                  </a:schemeClr>
+                </a:lnRef>
+                <a:fillRef idx="1">
+                  <a:schemeClr val="accent2"/>
+                </a:fillRef>
+                <a:effectRef idx="0">
+                  <a:schemeClr val="accent2"/>
+                </a:effectRef>
+                <a:fontRef idx="minor">
+                  <a:schemeClr val="lt1"/>
+                </a:fontRef>
+              </p:style>
+              <p:txBody>
+                <a:bodyPr rtlCol="0" anchor="ctr"/>
+                <a:lstStyle/>
+                <a:p>
+                  <a:endParaRPr lang="es-ES" sz="1600"/>
+                </a:p>
+              </p:txBody>
+            </p:sp>
+            <p:sp>
+              <p:nvSpPr>
+                <p:cNvPr id="78" name="CuadroTexto 32">
+                  <a:extLst>
+                    <a:ext uri="{FF2B5EF4-FFF2-40B4-BE49-F238E27FC236}">
+                      <a16:creationId xmlns:a16="http://schemas.microsoft.com/office/drawing/2014/main" id="{B7F128AE-93B6-4BEF-A857-C51088E5BA9A}"/>
+                    </a:ext>
+                  </a:extLst>
+                </p:cNvPr>
+                <p:cNvSpPr txBox="1"/>
+                <p:nvPr/>
+              </p:nvSpPr>
+              <p:spPr>
+                <a:xfrm>
+                  <a:off x="4505174" y="-2532640"/>
+                  <a:ext cx="617963" cy="284221"/>
+                </a:xfrm>
+                <a:prstGeom prst="rect">
+                  <a:avLst/>
+                </a:prstGeom>
+                <a:noFill/>
+                <a:ln w="9525">
+                  <a:noFill/>
+                </a:ln>
+              </p:spPr>
+              <p:style>
+                <a:lnRef idx="2">
+                  <a:schemeClr val="accent5">
+                    <a:shade val="50000"/>
+                  </a:schemeClr>
+                </a:lnRef>
+                <a:fillRef idx="1">
+                  <a:schemeClr val="accent5"/>
+                </a:fillRef>
+                <a:effectRef idx="0">
+                  <a:schemeClr val="accent5"/>
+                </a:effectRef>
+                <a:fontRef idx="minor">
+                  <a:schemeClr val="lt1"/>
+                </a:fontRef>
+              </p:style>
+              <p:txBody>
+                <a:bodyPr wrap="square" rtlCol="0">
+                  <a:noAutofit/>
+                </a:bodyPr>
+                <a:lstStyle/>
+                <a:p>
+                  <a:pPr algn="ctr">
+                    <a:lnSpc>
+                      <a:spcPct val="107000"/>
+                    </a:lnSpc>
+                    <a:spcAft>
+                      <a:spcPts val="800"/>
+                    </a:spcAft>
+                  </a:pPr>
+                  <a:r>
+                    <a:rPr lang="en-US" sz="1600" kern="1200" dirty="0">
+                      <a:solidFill>
+                        <a:srgbClr val="000000"/>
+                      </a:solidFill>
+                      <a:effectLst/>
+                      <a:latin typeface="Cambria Math" panose="02040503050406030204" pitchFamily="18" charset="0"/>
+                      <a:ea typeface="Calibri" panose="020F0502020204030204" pitchFamily="34" charset="0"/>
+                      <a:cs typeface="Times New Roman" panose="02020603050405020304" pitchFamily="18" charset="0"/>
+                    </a:rPr>
+                    <a:t>¿</a:t>
+                  </a:r>
+                  <a:r>
+                    <a:rPr lang="es-ES" sz="1600" kern="1200" dirty="0">
+                      <a:solidFill>
+                        <a:srgbClr val="000000"/>
+                      </a:solidFill>
+                      <a:effectLst/>
+                      <a:latin typeface="Cambria Math" panose="02040503050406030204" pitchFamily="18" charset="0"/>
+                      <a:ea typeface="Calibri" panose="020F0502020204030204" pitchFamily="34" charset="0"/>
+                      <a:cs typeface="Times New Roman" panose="02020603050405020304" pitchFamily="18" charset="0"/>
+                    </a:rPr>
+                    <a:t>Condición</a:t>
+                  </a:r>
+                  <a:r>
+                    <a:rPr lang="en-US" sz="1600" kern="1200" dirty="0">
+                      <a:solidFill>
+                        <a:srgbClr val="000000"/>
+                      </a:solidFill>
+                      <a:effectLst/>
+                      <a:latin typeface="Cambria Math" panose="02040503050406030204" pitchFamily="18" charset="0"/>
+                      <a:ea typeface="Calibri" panose="020F0502020204030204" pitchFamily="34" charset="0"/>
+                      <a:cs typeface="Times New Roman" panose="02020603050405020304" pitchFamily="18" charset="0"/>
+                    </a:rPr>
+                    <a:t> de </a:t>
+                  </a:r>
+                  <a:r>
+                    <a:rPr lang="es-ES" sz="1600" kern="1200" dirty="0">
+                      <a:solidFill>
+                        <a:srgbClr val="000000"/>
+                      </a:solidFill>
+                      <a:effectLst/>
+                      <a:latin typeface="Cambria Math" panose="02040503050406030204" pitchFamily="18" charset="0"/>
+                      <a:ea typeface="Calibri" panose="020F0502020204030204" pitchFamily="34" charset="0"/>
+                      <a:cs typeface="Times New Roman" panose="02020603050405020304" pitchFamily="18" charset="0"/>
+                    </a:rPr>
+                    <a:t>parada</a:t>
+                  </a:r>
+                  <a:r>
+                    <a:rPr lang="en-US" sz="1600" kern="1200" dirty="0">
+                      <a:solidFill>
+                        <a:srgbClr val="000000"/>
+                      </a:solidFill>
+                      <a:effectLst/>
+                      <a:latin typeface="Cambria Math" panose="02040503050406030204" pitchFamily="18" charset="0"/>
+                      <a:ea typeface="Calibri" panose="020F0502020204030204" pitchFamily="34" charset="0"/>
+                      <a:cs typeface="Times New Roman" panose="02020603050405020304" pitchFamily="18" charset="0"/>
+                    </a:rPr>
+                    <a:t>?</a:t>
+                  </a:r>
+                  <a:endParaRPr lang="es-ES" sz="1600" dirty="0">
+                    <a:effectLst/>
+                    <a:ea typeface="Calibri" panose="020F0502020204030204" pitchFamily="34" charset="0"/>
+                    <a:cs typeface="Times New Roman" panose="02020603050405020304" pitchFamily="18" charset="0"/>
+                  </a:endParaRPr>
+                </a:p>
+              </p:txBody>
+            </p:sp>
+          </p:grpSp>
+          <p:sp>
+            <p:nvSpPr>
+              <p:cNvPr id="59" name="CuadroTexto 9">
+                <a:extLst>
+                  <a:ext uri="{FF2B5EF4-FFF2-40B4-BE49-F238E27FC236}">
+                    <a16:creationId xmlns:a16="http://schemas.microsoft.com/office/drawing/2014/main" id="{6BA1E5E1-4D47-4C5C-8874-8B9A0F466B5A}"/>
+                  </a:ext>
+                </a:extLst>
+              </p:cNvPr>
+              <p:cNvSpPr txBox="1"/>
+              <p:nvPr/>
+            </p:nvSpPr>
+            <p:spPr>
+              <a:xfrm>
+                <a:off x="9995717" y="4416879"/>
+                <a:ext cx="1739287" cy="453806"/>
+              </a:xfrm>
+              <a:prstGeom prst="rect">
+                <a:avLst/>
+              </a:prstGeom>
+              <a:noFill/>
+              <a:ln w="19050">
+                <a:solidFill>
+                  <a:schemeClr val="tx1"/>
+                </a:solidFill>
+              </a:ln>
+            </p:spPr>
+            <p:style>
+              <a:lnRef idx="2">
+                <a:schemeClr val="accent3">
+                  <a:shade val="50000"/>
+                </a:schemeClr>
+              </a:lnRef>
+              <a:fillRef idx="1">
+                <a:schemeClr val="accent3"/>
+              </a:fillRef>
+              <a:effectRef idx="0">
+                <a:schemeClr val="accent3"/>
+              </a:effectRef>
+              <a:fontRef idx="minor">
+                <a:schemeClr val="lt1"/>
+              </a:fontRef>
+            </p:style>
+            <p:txBody>
+              <a:bodyPr wrap="square" rtlCol="0" anchor="ctr">
+                <a:noAutofit/>
+              </a:bodyPr>
+              <a:lstStyle/>
+              <a:p>
+                <a:pPr algn="ctr">
+                  <a:spcAft>
+                    <a:spcPts val="0"/>
+                  </a:spcAft>
+                </a:pPr>
+                <a:r>
+                  <a:rPr lang="en-US" sz="1600" dirty="0">
+                    <a:effectLst/>
+                    <a:ea typeface="Calibri" panose="020F0502020204030204" pitchFamily="34" charset="0"/>
+                    <a:cs typeface="Times New Roman" panose="02020603050405020304" pitchFamily="18" charset="0"/>
+                  </a:rPr>
+                  <a:t> </a:t>
+                </a:r>
+                <a:r>
+                  <a:rPr lang="en-US" sz="1600" kern="1200" dirty="0">
+                    <a:solidFill>
+                      <a:srgbClr val="000000"/>
+                    </a:solidFill>
+                    <a:effectLst/>
+                    <a:latin typeface="Cambria Math" panose="02040503050406030204" pitchFamily="18" charset="0"/>
+                    <a:ea typeface="Calibri" panose="020F0502020204030204" pitchFamily="34" charset="0"/>
+                    <a:cs typeface="Times New Roman" panose="02020603050405020304" pitchFamily="18" charset="0"/>
+                  </a:rPr>
+                  <a:t>Selección</a:t>
+                </a:r>
+                <a:endParaRPr lang="es-ES" sz="1600" dirty="0">
+                  <a:effectLst/>
+                  <a:ea typeface="Calibri" panose="020F0502020204030204" pitchFamily="34" charset="0"/>
+                  <a:cs typeface="Times New Roman" panose="02020603050405020304" pitchFamily="18" charset="0"/>
+                </a:endParaRPr>
+              </a:p>
+            </p:txBody>
+          </p:sp>
+          <p:sp>
+            <p:nvSpPr>
+              <p:cNvPr id="60" name="CuadroTexto 10">
+                <a:extLst>
+                  <a:ext uri="{FF2B5EF4-FFF2-40B4-BE49-F238E27FC236}">
+                    <a16:creationId xmlns:a16="http://schemas.microsoft.com/office/drawing/2014/main" id="{939E2E0B-644C-440F-8FF3-E433EBF56961}"/>
+                  </a:ext>
+                </a:extLst>
+              </p:cNvPr>
+              <p:cNvSpPr txBox="1"/>
+              <p:nvPr/>
+            </p:nvSpPr>
+            <p:spPr>
+              <a:xfrm>
+                <a:off x="9993413" y="5278684"/>
+                <a:ext cx="1743895" cy="453809"/>
+              </a:xfrm>
+              <a:prstGeom prst="rect">
+                <a:avLst/>
+              </a:prstGeom>
+              <a:noFill/>
+              <a:ln w="19050">
+                <a:solidFill>
+                  <a:schemeClr val="tx1"/>
+                </a:solidFill>
+                <a:prstDash val="lgDash"/>
+              </a:ln>
+            </p:spPr>
+            <p:style>
+              <a:lnRef idx="2">
+                <a:schemeClr val="accent5">
+                  <a:shade val="50000"/>
+                </a:schemeClr>
+              </a:lnRef>
+              <a:fillRef idx="1">
+                <a:schemeClr val="accent5"/>
+              </a:fillRef>
+              <a:effectRef idx="0">
+                <a:schemeClr val="accent5"/>
+              </a:effectRef>
+              <a:fontRef idx="minor">
+                <a:schemeClr val="lt1"/>
+              </a:fontRef>
+            </p:style>
+            <p:txBody>
+              <a:bodyPr wrap="square" rtlCol="0" anchor="ctr">
+                <a:noAutofit/>
+              </a:bodyPr>
+              <a:lstStyle/>
+              <a:p>
+                <a:pPr algn="ctr">
+                  <a:spcAft>
+                    <a:spcPts val="0"/>
+                  </a:spcAft>
+                </a:pPr>
+                <a:r>
+                  <a:rPr lang="es-ES" sz="1600" kern="1200" dirty="0">
+                    <a:solidFill>
+                      <a:srgbClr val="000000"/>
+                    </a:solidFill>
+                    <a:effectLst/>
+                    <a:latin typeface="Cambria Math" panose="02040503050406030204" pitchFamily="18" charset="0"/>
+                    <a:ea typeface="Calibri" panose="020F0502020204030204" pitchFamily="34" charset="0"/>
+                    <a:cs typeface="Times New Roman" panose="02020603050405020304" pitchFamily="18" charset="0"/>
+                  </a:rPr>
+                  <a:t>Cruce</a:t>
+                </a:r>
+                <a:endParaRPr lang="es-ES" sz="1600" dirty="0">
+                  <a:effectLst/>
+                  <a:ea typeface="Calibri" panose="020F0502020204030204" pitchFamily="34" charset="0"/>
+                  <a:cs typeface="Times New Roman" panose="02020603050405020304" pitchFamily="18" charset="0"/>
+                </a:endParaRPr>
+              </a:p>
+            </p:txBody>
+          </p:sp>
+          <p:sp>
+            <p:nvSpPr>
+              <p:cNvPr id="61" name="CuadroTexto 11">
+                <a:extLst>
+                  <a:ext uri="{FF2B5EF4-FFF2-40B4-BE49-F238E27FC236}">
+                    <a16:creationId xmlns:a16="http://schemas.microsoft.com/office/drawing/2014/main" id="{CB65BD87-73DA-4EB8-BF7D-2197240EB3B7}"/>
+                  </a:ext>
+                </a:extLst>
+              </p:cNvPr>
+              <p:cNvSpPr txBox="1"/>
+              <p:nvPr/>
+            </p:nvSpPr>
+            <p:spPr>
+              <a:xfrm>
+                <a:off x="7364220" y="5278684"/>
+                <a:ext cx="1740693" cy="453809"/>
+              </a:xfrm>
+              <a:prstGeom prst="rect">
+                <a:avLst/>
+              </a:prstGeom>
+              <a:noFill/>
+              <a:ln w="19050">
+                <a:solidFill>
+                  <a:schemeClr val="tx1"/>
+                </a:solidFill>
+                <a:prstDash val="lgDash"/>
+              </a:ln>
+            </p:spPr>
+            <p:style>
+              <a:lnRef idx="2">
+                <a:schemeClr val="accent5">
+                  <a:shade val="50000"/>
+                </a:schemeClr>
+              </a:lnRef>
+              <a:fillRef idx="1">
+                <a:schemeClr val="accent5"/>
+              </a:fillRef>
+              <a:effectRef idx="0">
+                <a:schemeClr val="accent5"/>
+              </a:effectRef>
+              <a:fontRef idx="minor">
+                <a:schemeClr val="lt1"/>
+              </a:fontRef>
+            </p:style>
+            <p:txBody>
+              <a:bodyPr wrap="square" rtlCol="0" anchor="ctr">
+                <a:noAutofit/>
+              </a:bodyPr>
+              <a:lstStyle/>
+              <a:p>
+                <a:pPr algn="ctr">
+                  <a:lnSpc>
+                    <a:spcPct val="107000"/>
+                  </a:lnSpc>
+                  <a:spcAft>
+                    <a:spcPts val="800"/>
+                  </a:spcAft>
+                </a:pPr>
+                <a:r>
+                  <a:rPr lang="en-US" sz="1600" kern="1200" dirty="0">
+                    <a:solidFill>
+                      <a:srgbClr val="000000"/>
+                    </a:solidFill>
+                    <a:effectLst/>
+                    <a:latin typeface="Cambria Math" panose="02040503050406030204" pitchFamily="18" charset="0"/>
+                    <a:ea typeface="Calibri" panose="020F0502020204030204" pitchFamily="34" charset="0"/>
+                    <a:cs typeface="Times New Roman" panose="02020603050405020304" pitchFamily="18" charset="0"/>
+                  </a:rPr>
+                  <a:t>Mutación</a:t>
+                </a:r>
+                <a:endParaRPr lang="es-ES" sz="1600" dirty="0">
+                  <a:effectLst/>
+                  <a:ea typeface="Calibri" panose="020F0502020204030204" pitchFamily="34" charset="0"/>
+                  <a:cs typeface="Times New Roman" panose="02020603050405020304" pitchFamily="18" charset="0"/>
+                </a:endParaRPr>
+              </a:p>
+            </p:txBody>
+          </p:sp>
+          <p:cxnSp>
+            <p:nvCxnSpPr>
+              <p:cNvPr id="62" name="Conector recto de flecha 61">
+                <a:extLst>
+                  <a:ext uri="{FF2B5EF4-FFF2-40B4-BE49-F238E27FC236}">
+                    <a16:creationId xmlns:a16="http://schemas.microsoft.com/office/drawing/2014/main" id="{4C80B42B-FAD5-4EC2-80B8-D970E1189BD6}"/>
+                  </a:ext>
+                </a:extLst>
+              </p:cNvPr>
+              <p:cNvCxnSpPr>
+                <a:cxnSpLocks/>
+                <a:stCxn id="60" idx="1"/>
+                <a:endCxn id="61" idx="3"/>
+              </p:cNvCxnSpPr>
+              <p:nvPr/>
+            </p:nvCxnSpPr>
+            <p:spPr>
+              <a:xfrm flipH="1">
+                <a:off x="9104913" y="5505589"/>
+                <a:ext cx="888500" cy="0"/>
+              </a:xfrm>
+              <a:prstGeom prst="straightConnector1">
+                <a:avLst/>
+              </a:prstGeom>
+              <a:ln w="19050">
+                <a:prstDash val="dash"/>
+                <a:tailEnd type="triangle" w="lg" len="med"/>
+              </a:ln>
+            </p:spPr>
+            <p:style>
+              <a:lnRef idx="1">
+                <a:schemeClr val="dk1"/>
+              </a:lnRef>
+              <a:fillRef idx="0">
+                <a:schemeClr val="dk1"/>
+              </a:fillRef>
+              <a:effectRef idx="0">
+                <a:schemeClr val="dk1"/>
+              </a:effectRef>
+              <a:fontRef idx="minor">
+                <a:schemeClr val="tx1"/>
+              </a:fontRef>
+            </p:style>
+          </p:cxnSp>
+          <p:cxnSp>
+            <p:nvCxnSpPr>
+              <p:cNvPr id="64" name="Conector recto de flecha 63">
+                <a:extLst>
+                  <a:ext uri="{FF2B5EF4-FFF2-40B4-BE49-F238E27FC236}">
+                    <a16:creationId xmlns:a16="http://schemas.microsoft.com/office/drawing/2014/main" id="{787D233E-A7BA-48F0-AF02-2A3A47E5FCEF}"/>
+                  </a:ext>
+                </a:extLst>
+              </p:cNvPr>
+              <p:cNvCxnSpPr>
+                <a:cxnSpLocks/>
+                <a:stCxn id="77" idx="2"/>
+                <a:endCxn id="59" idx="0"/>
+              </p:cNvCxnSpPr>
+              <p:nvPr/>
+            </p:nvCxnSpPr>
+            <p:spPr>
+              <a:xfrm>
+                <a:off x="10865360" y="4008880"/>
+                <a:ext cx="1" cy="407999"/>
+              </a:xfrm>
+              <a:prstGeom prst="straightConnector1">
+                <a:avLst/>
+              </a:prstGeom>
+              <a:ln w="19050">
+                <a:tailEnd type="triangle" w="lg" len="med"/>
+              </a:ln>
+            </p:spPr>
+            <p:style>
+              <a:lnRef idx="1">
+                <a:schemeClr val="dk1"/>
+              </a:lnRef>
+              <a:fillRef idx="0">
+                <a:schemeClr val="dk1"/>
+              </a:fillRef>
+              <a:effectRef idx="0">
+                <a:schemeClr val="dk1"/>
+              </a:effectRef>
+              <a:fontRef idx="minor">
+                <a:schemeClr val="tx1"/>
+              </a:fontRef>
+            </p:style>
+          </p:cxnSp>
+          <p:cxnSp>
+            <p:nvCxnSpPr>
+              <p:cNvPr id="92" name="Conector recto de flecha 91">
+                <a:extLst>
+                  <a:ext uri="{FF2B5EF4-FFF2-40B4-BE49-F238E27FC236}">
+                    <a16:creationId xmlns:a16="http://schemas.microsoft.com/office/drawing/2014/main" id="{A92445C7-BCD8-430E-8827-6E2024E107DB}"/>
+                  </a:ext>
+                </a:extLst>
+              </p:cNvPr>
+              <p:cNvCxnSpPr>
+                <a:cxnSpLocks/>
+                <a:stCxn id="9" idx="6"/>
+                <a:endCxn id="66" idx="1"/>
+              </p:cNvCxnSpPr>
+              <p:nvPr/>
+            </p:nvCxnSpPr>
+            <p:spPr>
+              <a:xfrm>
+                <a:off x="4580961" y="1173256"/>
+                <a:ext cx="645396" cy="927"/>
+              </a:xfrm>
+              <a:prstGeom prst="straightConnector1">
+                <a:avLst/>
+              </a:prstGeom>
+              <a:ln w="19050">
+                <a:tailEnd type="triangle" w="lg" len="med"/>
+              </a:ln>
+            </p:spPr>
+            <p:style>
+              <a:lnRef idx="1">
+                <a:schemeClr val="dk1"/>
+              </a:lnRef>
+              <a:fillRef idx="0">
+                <a:schemeClr val="dk1"/>
+              </a:fillRef>
+              <a:effectRef idx="0">
+                <a:schemeClr val="dk1"/>
+              </a:effectRef>
+              <a:fontRef idx="minor">
+                <a:schemeClr val="tx1"/>
+              </a:fontRef>
+            </p:style>
+          </p:cxnSp>
+          <p:sp>
+            <p:nvSpPr>
+              <p:cNvPr id="153" name="CuadroTexto 23">
+                <a:extLst>
+                  <a:ext uri="{FF2B5EF4-FFF2-40B4-BE49-F238E27FC236}">
+                    <a16:creationId xmlns:a16="http://schemas.microsoft.com/office/drawing/2014/main" id="{E3F6FEA1-322D-4F39-8A8A-F78716CFD303}"/>
+                  </a:ext>
+                </a:extLst>
+              </p:cNvPr>
+              <p:cNvSpPr txBox="1"/>
+              <p:nvPr/>
+            </p:nvSpPr>
+            <p:spPr>
+              <a:xfrm>
+                <a:off x="7611038" y="855359"/>
+                <a:ext cx="1739284" cy="637647"/>
+              </a:xfrm>
+              <a:prstGeom prst="rect">
+                <a:avLst/>
+              </a:prstGeom>
+              <a:solidFill>
+                <a:schemeClr val="bg1"/>
+              </a:solidFill>
+              <a:ln w="19050">
+                <a:solidFill>
+                  <a:schemeClr val="tx1"/>
+                </a:solidFill>
+              </a:ln>
+            </p:spPr>
+            <p:style>
+              <a:lnRef idx="2">
+                <a:schemeClr val="accent5">
+                  <a:shade val="50000"/>
+                </a:schemeClr>
+              </a:lnRef>
+              <a:fillRef idx="1">
+                <a:schemeClr val="accent5"/>
+              </a:fillRef>
+              <a:effectRef idx="0">
+                <a:schemeClr val="accent5"/>
+              </a:effectRef>
+              <a:fontRef idx="minor">
+                <a:schemeClr val="lt1"/>
+              </a:fontRef>
+            </p:style>
+            <p:txBody>
+              <a:bodyPr wrap="square" rtlCol="0" anchor="ctr">
+                <a:noAutofit/>
+              </a:bodyPr>
+              <a:lstStyle/>
+              <a:p>
+                <a:pPr algn="ctr">
+                  <a:spcAft>
+                    <a:spcPts val="0"/>
+                  </a:spcAft>
+                </a:pPr>
+                <a:r>
+                  <a:rPr lang="en-US" sz="1600" dirty="0" err="1">
+                    <a:solidFill>
+                      <a:schemeClr val="tx1"/>
+                    </a:solidFill>
+                    <a:ea typeface="Calibri" panose="020F0502020204030204" pitchFamily="34" charset="0"/>
+                    <a:cs typeface="Times New Roman" panose="02020603050405020304" pitchFamily="18" charset="0"/>
+                  </a:rPr>
+                  <a:t>Decodificación</a:t>
+                </a:r>
+                <a:r>
+                  <a:rPr lang="en-US" sz="1600" dirty="0">
+                    <a:solidFill>
+                      <a:schemeClr val="tx1"/>
+                    </a:solidFill>
+                    <a:ea typeface="Calibri" panose="020F0502020204030204" pitchFamily="34" charset="0"/>
+                    <a:cs typeface="Times New Roman" panose="02020603050405020304" pitchFamily="18" charset="0"/>
+                  </a:rPr>
+                  <a:t> de los </a:t>
+                </a:r>
+                <a:r>
+                  <a:rPr lang="en-US" sz="1600" dirty="0" err="1">
+                    <a:solidFill>
+                      <a:schemeClr val="tx1"/>
+                    </a:solidFill>
+                    <a:ea typeface="Calibri" panose="020F0502020204030204" pitchFamily="34" charset="0"/>
+                    <a:cs typeface="Times New Roman" panose="02020603050405020304" pitchFamily="18" charset="0"/>
+                  </a:rPr>
+                  <a:t>individuos</a:t>
+                </a:r>
+                <a:endParaRPr lang="es-ES" sz="1600" dirty="0">
+                  <a:solidFill>
+                    <a:schemeClr val="tx1"/>
+                  </a:solidFill>
+                  <a:effectLst/>
+                  <a:ea typeface="Calibri" panose="020F0502020204030204" pitchFamily="34" charset="0"/>
+                  <a:cs typeface="Times New Roman" panose="02020603050405020304" pitchFamily="18" charset="0"/>
+                </a:endParaRPr>
+              </a:p>
+            </p:txBody>
+          </p:sp>
+          <p:sp>
+            <p:nvSpPr>
+              <p:cNvPr id="158" name="CuadroTexto 23">
+                <a:extLst>
+                  <a:ext uri="{FF2B5EF4-FFF2-40B4-BE49-F238E27FC236}">
+                    <a16:creationId xmlns:a16="http://schemas.microsoft.com/office/drawing/2014/main" id="{9B3EAD15-FA3C-4E23-B543-773D213E74C6}"/>
+                  </a:ext>
+                </a:extLst>
+              </p:cNvPr>
+              <p:cNvSpPr txBox="1"/>
+              <p:nvPr/>
+            </p:nvSpPr>
+            <p:spPr>
+              <a:xfrm>
+                <a:off x="9995718" y="854431"/>
+                <a:ext cx="1739284" cy="637647"/>
+              </a:xfrm>
+              <a:prstGeom prst="rect">
+                <a:avLst/>
+              </a:prstGeom>
+              <a:solidFill>
+                <a:schemeClr val="bg1"/>
+              </a:solidFill>
+              <a:ln w="19050">
+                <a:solidFill>
+                  <a:schemeClr val="tx1"/>
+                </a:solidFill>
+              </a:ln>
+            </p:spPr>
+            <p:style>
+              <a:lnRef idx="2">
+                <a:schemeClr val="accent5">
+                  <a:shade val="50000"/>
+                </a:schemeClr>
+              </a:lnRef>
+              <a:fillRef idx="1">
+                <a:schemeClr val="accent5"/>
+              </a:fillRef>
+              <a:effectRef idx="0">
+                <a:schemeClr val="accent5"/>
+              </a:effectRef>
+              <a:fontRef idx="minor">
+                <a:schemeClr val="lt1"/>
+              </a:fontRef>
+            </p:style>
+            <p:txBody>
+              <a:bodyPr wrap="square" rtlCol="0" anchor="ctr">
+                <a:noAutofit/>
+              </a:bodyPr>
+              <a:lstStyle/>
+              <a:p>
+                <a:pPr algn="ctr">
+                  <a:spcAft>
+                    <a:spcPts val="0"/>
+                  </a:spcAft>
+                </a:pPr>
+                <a:r>
+                  <a:rPr lang="en-US" sz="1600" dirty="0" err="1">
+                    <a:solidFill>
+                      <a:schemeClr val="tx1"/>
+                    </a:solidFill>
+                    <a:ea typeface="Calibri" panose="020F0502020204030204" pitchFamily="34" charset="0"/>
+                    <a:cs typeface="Times New Roman" panose="02020603050405020304" pitchFamily="18" charset="0"/>
+                  </a:rPr>
+                  <a:t>Entrenamiento</a:t>
+                </a:r>
+                <a:r>
+                  <a:rPr lang="en-US" sz="1600" dirty="0">
+                    <a:solidFill>
+                      <a:schemeClr val="tx1"/>
+                    </a:solidFill>
+                    <a:ea typeface="Calibri" panose="020F0502020204030204" pitchFamily="34" charset="0"/>
+                    <a:cs typeface="Times New Roman" panose="02020603050405020304" pitchFamily="18" charset="0"/>
+                  </a:rPr>
+                  <a:t> de los </a:t>
+                </a:r>
+                <a:r>
+                  <a:rPr lang="en-US" sz="1600" dirty="0" err="1">
+                    <a:solidFill>
+                      <a:schemeClr val="tx1"/>
+                    </a:solidFill>
+                    <a:ea typeface="Calibri" panose="020F0502020204030204" pitchFamily="34" charset="0"/>
+                    <a:cs typeface="Times New Roman" panose="02020603050405020304" pitchFamily="18" charset="0"/>
+                  </a:rPr>
+                  <a:t>individuos</a:t>
+                </a:r>
+                <a:endParaRPr lang="es-ES" sz="1600" dirty="0">
+                  <a:solidFill>
+                    <a:schemeClr val="tx1"/>
+                  </a:solidFill>
+                  <a:effectLst/>
+                  <a:ea typeface="Calibri" panose="020F0502020204030204" pitchFamily="34" charset="0"/>
+                  <a:cs typeface="Times New Roman" panose="02020603050405020304" pitchFamily="18" charset="0"/>
+                </a:endParaRPr>
+              </a:p>
+            </p:txBody>
+          </p:sp>
+          <p:cxnSp>
+            <p:nvCxnSpPr>
+              <p:cNvPr id="162" name="Conector recto de flecha 161">
+                <a:extLst>
+                  <a:ext uri="{FF2B5EF4-FFF2-40B4-BE49-F238E27FC236}">
+                    <a16:creationId xmlns:a16="http://schemas.microsoft.com/office/drawing/2014/main" id="{66E6C153-9429-4486-8DD1-92E6B8917C2C}"/>
+                  </a:ext>
+                </a:extLst>
+              </p:cNvPr>
+              <p:cNvCxnSpPr>
+                <a:cxnSpLocks/>
+                <a:stCxn id="153" idx="3"/>
+                <a:endCxn id="158" idx="1"/>
+              </p:cNvCxnSpPr>
+              <p:nvPr/>
+            </p:nvCxnSpPr>
+            <p:spPr>
+              <a:xfrm flipV="1">
+                <a:off x="9350322" y="1173255"/>
+                <a:ext cx="645396" cy="928"/>
+              </a:xfrm>
+              <a:prstGeom prst="straightConnector1">
+                <a:avLst/>
+              </a:prstGeom>
+              <a:ln w="19050">
+                <a:tailEnd type="triangle" w="lg" len="med"/>
+              </a:ln>
+            </p:spPr>
+            <p:style>
+              <a:lnRef idx="1">
+                <a:schemeClr val="dk1"/>
+              </a:lnRef>
+              <a:fillRef idx="0">
+                <a:schemeClr val="dk1"/>
+              </a:fillRef>
+              <a:effectRef idx="0">
+                <a:schemeClr val="dk1"/>
+              </a:effectRef>
+              <a:fontRef idx="minor">
+                <a:schemeClr val="tx1"/>
+              </a:fontRef>
+            </p:style>
+          </p:cxnSp>
+          <p:sp>
+            <p:nvSpPr>
+              <p:cNvPr id="167" name="CuadroTexto 23">
+                <a:extLst>
+                  <a:ext uri="{FF2B5EF4-FFF2-40B4-BE49-F238E27FC236}">
+                    <a16:creationId xmlns:a16="http://schemas.microsoft.com/office/drawing/2014/main" id="{7BF29F7B-CF95-4A10-9558-A2A73BAE0171}"/>
+                  </a:ext>
+                </a:extLst>
+              </p:cNvPr>
+              <p:cNvSpPr txBox="1"/>
+              <p:nvPr/>
+            </p:nvSpPr>
+            <p:spPr>
+              <a:xfrm>
+                <a:off x="9995718" y="1962295"/>
+                <a:ext cx="1739284" cy="637647"/>
+              </a:xfrm>
+              <a:prstGeom prst="rect">
+                <a:avLst/>
+              </a:prstGeom>
+              <a:solidFill>
+                <a:schemeClr val="bg1"/>
+              </a:solidFill>
+              <a:ln w="19050">
+                <a:solidFill>
+                  <a:schemeClr val="tx1"/>
+                </a:solidFill>
+              </a:ln>
+            </p:spPr>
+            <p:style>
+              <a:lnRef idx="2">
+                <a:schemeClr val="accent5">
+                  <a:shade val="50000"/>
+                </a:schemeClr>
+              </a:lnRef>
+              <a:fillRef idx="1">
+                <a:schemeClr val="accent5"/>
+              </a:fillRef>
+              <a:effectRef idx="0">
+                <a:schemeClr val="accent5"/>
+              </a:effectRef>
+              <a:fontRef idx="minor">
+                <a:schemeClr val="lt1"/>
+              </a:fontRef>
+            </p:style>
+            <p:txBody>
+              <a:bodyPr wrap="square" rtlCol="0" anchor="ctr">
+                <a:noAutofit/>
+              </a:bodyPr>
+              <a:lstStyle/>
+              <a:p>
+                <a:pPr algn="ctr">
+                  <a:spcAft>
+                    <a:spcPts val="0"/>
+                  </a:spcAft>
+                </a:pPr>
+                <a:r>
+                  <a:rPr lang="en-US" sz="1600" dirty="0" err="1">
+                    <a:solidFill>
+                      <a:schemeClr val="tx1"/>
+                    </a:solidFill>
+                    <a:ea typeface="Calibri" panose="020F0502020204030204" pitchFamily="34" charset="0"/>
+                    <a:cs typeface="Times New Roman" panose="02020603050405020304" pitchFamily="18" charset="0"/>
+                  </a:rPr>
+                  <a:t>Cálculo</a:t>
+                </a:r>
+                <a:r>
+                  <a:rPr lang="en-US" sz="1600" dirty="0">
+                    <a:solidFill>
+                      <a:schemeClr val="tx1"/>
+                    </a:solidFill>
+                    <a:ea typeface="Calibri" panose="020F0502020204030204" pitchFamily="34" charset="0"/>
+                    <a:cs typeface="Times New Roman" panose="02020603050405020304" pitchFamily="18" charset="0"/>
+                  </a:rPr>
+                  <a:t> del accuracy (fitness)</a:t>
+                </a:r>
+                <a:endParaRPr lang="es-ES" sz="1600" dirty="0">
+                  <a:solidFill>
+                    <a:schemeClr val="tx1"/>
+                  </a:solidFill>
+                  <a:effectLst/>
+                  <a:ea typeface="Calibri" panose="020F0502020204030204" pitchFamily="34" charset="0"/>
+                  <a:cs typeface="Times New Roman" panose="02020603050405020304" pitchFamily="18" charset="0"/>
+                </a:endParaRPr>
+              </a:p>
+            </p:txBody>
+          </p:sp>
+          <p:sp>
+            <p:nvSpPr>
+              <p:cNvPr id="173" name="Diagrama de flujo: proceso 172">
+                <a:extLst>
+                  <a:ext uri="{FF2B5EF4-FFF2-40B4-BE49-F238E27FC236}">
+                    <a16:creationId xmlns:a16="http://schemas.microsoft.com/office/drawing/2014/main" id="{338413DE-B0C2-444A-91B1-3BD1B5ED33C3}"/>
+                  </a:ext>
+                </a:extLst>
+              </p:cNvPr>
+              <p:cNvSpPr/>
+              <p:nvPr/>
+            </p:nvSpPr>
+            <p:spPr>
+              <a:xfrm>
+                <a:off x="7439024" y="356656"/>
+                <a:ext cx="4482793" cy="265433"/>
+              </a:xfrm>
+              <a:prstGeom prst="flowChartProcess">
+                <a:avLst/>
+              </a:prstGeom>
+              <a:solidFill>
+                <a:schemeClr val="accent5">
+                  <a:lumMod val="20000"/>
+                  <a:lumOff val="80000"/>
+                </a:schemeClr>
+              </a:solidFill>
+              <a:ln w="19050">
+                <a:noFill/>
+              </a:ln>
+            </p:spPr>
+            <p:style>
+              <a:lnRef idx="2">
+                <a:schemeClr val="accent1">
+                  <a:shade val="50000"/>
+                </a:schemeClr>
+              </a:lnRef>
+              <a:fillRef idx="1">
+                <a:schemeClr val="accent1"/>
+              </a:fillRef>
+              <a:effectRef idx="0">
+                <a:schemeClr val="accent1"/>
+              </a:effectRef>
+              <a:fontRef idx="minor">
+                <a:schemeClr val="lt1"/>
+              </a:fontRef>
+            </p:style>
+            <p:txBody>
+              <a:bodyPr rtlCol="0" anchor="ctr"/>
+              <a:lstStyle/>
+              <a:p>
+                <a:pPr algn="ctr"/>
+                <a:r>
+                  <a:rPr lang="es-ES" sz="1600" dirty="0">
+                    <a:solidFill>
+                      <a:schemeClr val="tx1"/>
+                    </a:solidFill>
+                    <a:latin typeface="Cambria Math" panose="02040503050406030204" pitchFamily="18" charset="0"/>
+                    <a:ea typeface="Cambria Math" panose="02040503050406030204" pitchFamily="18" charset="0"/>
+                  </a:rPr>
+                  <a:t>Evaluación</a:t>
+                </a:r>
+              </a:p>
+            </p:txBody>
+          </p:sp>
+          <p:cxnSp>
+            <p:nvCxnSpPr>
+              <p:cNvPr id="184" name="Conector recto de flecha 183">
+                <a:extLst>
+                  <a:ext uri="{FF2B5EF4-FFF2-40B4-BE49-F238E27FC236}">
+                    <a16:creationId xmlns:a16="http://schemas.microsoft.com/office/drawing/2014/main" id="{9327BFDA-B172-4806-8A0D-DEF0C26B396B}"/>
+                  </a:ext>
+                </a:extLst>
+              </p:cNvPr>
+              <p:cNvCxnSpPr>
+                <a:cxnSpLocks/>
+                <a:stCxn id="158" idx="2"/>
+                <a:endCxn id="167" idx="0"/>
+              </p:cNvCxnSpPr>
+              <p:nvPr/>
+            </p:nvCxnSpPr>
+            <p:spPr>
+              <a:xfrm>
+                <a:off x="10865360" y="1492078"/>
+                <a:ext cx="0" cy="470217"/>
+              </a:xfrm>
+              <a:prstGeom prst="straightConnector1">
+                <a:avLst/>
+              </a:prstGeom>
+              <a:ln w="19050">
+                <a:tailEnd type="triangle" w="lg" len="med"/>
+              </a:ln>
+            </p:spPr>
+            <p:style>
+              <a:lnRef idx="1">
+                <a:schemeClr val="dk1"/>
+              </a:lnRef>
+              <a:fillRef idx="0">
+                <a:schemeClr val="dk1"/>
+              </a:fillRef>
+              <a:effectRef idx="0">
+                <a:schemeClr val="dk1"/>
+              </a:effectRef>
+              <a:fontRef idx="minor">
+                <a:schemeClr val="tx1"/>
+              </a:fontRef>
+            </p:style>
+          </p:cxnSp>
+          <p:cxnSp>
+            <p:nvCxnSpPr>
+              <p:cNvPr id="207" name="Conector recto de flecha 206">
+                <a:extLst>
+                  <a:ext uri="{FF2B5EF4-FFF2-40B4-BE49-F238E27FC236}">
+                    <a16:creationId xmlns:a16="http://schemas.microsoft.com/office/drawing/2014/main" id="{DC85392B-1179-4807-B189-E9D1D4C25E4C}"/>
+                  </a:ext>
+                </a:extLst>
+              </p:cNvPr>
+              <p:cNvCxnSpPr>
+                <a:cxnSpLocks/>
+                <a:stCxn id="59" idx="2"/>
+                <a:endCxn id="60" idx="0"/>
+              </p:cNvCxnSpPr>
+              <p:nvPr/>
+            </p:nvCxnSpPr>
+            <p:spPr>
+              <a:xfrm>
+                <a:off x="10865361" y="4870685"/>
+                <a:ext cx="0" cy="407999"/>
+              </a:xfrm>
+              <a:prstGeom prst="straightConnector1">
+                <a:avLst/>
+              </a:prstGeom>
+              <a:ln w="19050">
+                <a:solidFill>
+                  <a:schemeClr val="tx1"/>
+                </a:solidFill>
+                <a:tailEnd type="triangle" w="lg" len="med"/>
+              </a:ln>
+            </p:spPr>
+            <p:style>
+              <a:lnRef idx="1">
+                <a:schemeClr val="dk1"/>
+              </a:lnRef>
+              <a:fillRef idx="0">
+                <a:schemeClr val="dk1"/>
+              </a:fillRef>
+              <a:effectRef idx="0">
+                <a:schemeClr val="dk1"/>
+              </a:effectRef>
+              <a:fontRef idx="minor">
+                <a:schemeClr val="tx1"/>
+              </a:fontRef>
+            </p:style>
+          </p:cxnSp>
+        </p:grpSp>
+        <p:sp>
+          <p:nvSpPr>
+            <p:cNvPr id="217" name="Rectángulo 216">
+              <a:extLst>
+                <a:ext uri="{FF2B5EF4-FFF2-40B4-BE49-F238E27FC236}">
+                  <a16:creationId xmlns:a16="http://schemas.microsoft.com/office/drawing/2014/main" id="{59FF013D-C67E-4750-B2BD-665BF7A2CBE2}"/>
+                </a:ext>
+              </a:extLst>
+            </p:cNvPr>
+            <p:cNvSpPr/>
+            <p:nvPr/>
+          </p:nvSpPr>
+          <p:spPr>
+            <a:xfrm>
+              <a:off x="531040" y="3888438"/>
+              <a:ext cx="4633479" cy="2519954"/>
+            </a:xfrm>
+            <a:prstGeom prst="rect">
               <a:avLst/>
             </a:prstGeom>
             <a:solidFill>
@@ -3447,1071 +6671,828 @@
               <a:solidFill>
                 <a:schemeClr val="tx1"/>
               </a:solidFill>
+              <a:prstDash val="lgDash"/>
             </a:ln>
           </p:spPr>
           <p:style>
             <a:lnRef idx="2">
-              <a:schemeClr val="accent6">
+              <a:schemeClr val="accent1">
                 <a:shade val="50000"/>
               </a:schemeClr>
             </a:lnRef>
             <a:fillRef idx="1">
-              <a:schemeClr val="accent6"/>
+              <a:schemeClr val="accent1"/>
             </a:fillRef>
             <a:effectRef idx="0">
-              <a:schemeClr val="accent6"/>
+              <a:schemeClr val="accent1"/>
             </a:effectRef>
             <a:fontRef idx="minor">
               <a:schemeClr val="lt1"/>
             </a:fontRef>
           </p:style>
           <p:txBody>
-            <a:bodyPr rot="0" spcFirstLastPara="0" vert="horz" wrap="square" lIns="91440" tIns="45720" rIns="91440" bIns="45720" numCol="1" spcCol="0" rtlCol="0" fromWordArt="0" anchor="ctr" anchorCtr="0" forceAA="0" compatLnSpc="1">
-              <a:prstTxWarp prst="textNoShape">
-                <a:avLst/>
-              </a:prstTxWarp>
+            <a:bodyPr rtlCol="0" anchor="ctr"/>
+            <a:lstStyle/>
+            <a:p>
+              <a:pPr algn="ctr"/>
+              <a:endParaRPr lang="es-ES"/>
+            </a:p>
+          </p:txBody>
+        </p:sp>
+        <p:sp>
+          <p:nvSpPr>
+            <p:cNvPr id="218" name="CuadroTexto 23">
+              <a:extLst>
+                <a:ext uri="{FF2B5EF4-FFF2-40B4-BE49-F238E27FC236}">
+                  <a16:creationId xmlns:a16="http://schemas.microsoft.com/office/drawing/2014/main" id="{B114168B-3D7C-4FE0-8D40-37C4CAAB521D}"/>
+                </a:ext>
+              </a:extLst>
+            </p:cNvPr>
+            <p:cNvSpPr txBox="1"/>
+            <p:nvPr/>
+          </p:nvSpPr>
+          <p:spPr>
+            <a:xfrm>
+              <a:off x="3172068" y="5186764"/>
+              <a:ext cx="1739284" cy="637647"/>
+            </a:xfrm>
+            <a:prstGeom prst="rect">
+              <a:avLst/>
+            </a:prstGeom>
+            <a:solidFill>
+              <a:schemeClr val="bg1"/>
+            </a:solidFill>
+            <a:ln w="19050">
+              <a:solidFill>
+                <a:schemeClr val="tx1"/>
+              </a:solidFill>
+            </a:ln>
+          </p:spPr>
+          <p:style>
+            <a:lnRef idx="2">
+              <a:schemeClr val="accent5">
+                <a:shade val="50000"/>
+              </a:schemeClr>
+            </a:lnRef>
+            <a:fillRef idx="1">
+              <a:schemeClr val="accent5"/>
+            </a:fillRef>
+            <a:effectRef idx="0">
+              <a:schemeClr val="accent5"/>
+            </a:effectRef>
+            <a:fontRef idx="minor">
+              <a:schemeClr val="lt1"/>
+            </a:fontRef>
+          </p:style>
+          <p:txBody>
+            <a:bodyPr wrap="square" rtlCol="0" anchor="ctr">
               <a:noAutofit/>
             </a:bodyPr>
             <a:lstStyle/>
             <a:p>
-              <a:endParaRPr lang="es-ES"/>
+              <a:pPr algn="ctr">
+                <a:spcAft>
+                  <a:spcPts val="0"/>
+                </a:spcAft>
+              </a:pPr>
+              <a:r>
+                <a:rPr lang="en-US" sz="1600" dirty="0" err="1">
+                  <a:solidFill>
+                    <a:schemeClr val="tx1"/>
+                  </a:solidFill>
+                  <a:ea typeface="Calibri" panose="020F0502020204030204" pitchFamily="34" charset="0"/>
+                  <a:cs typeface="Times New Roman" panose="02020603050405020304" pitchFamily="18" charset="0"/>
+                </a:rPr>
+                <a:t>Decodificación</a:t>
+              </a:r>
+              <a:r>
+                <a:rPr lang="en-US" sz="1600" dirty="0">
+                  <a:solidFill>
+                    <a:schemeClr val="tx1"/>
+                  </a:solidFill>
+                  <a:ea typeface="Calibri" panose="020F0502020204030204" pitchFamily="34" charset="0"/>
+                  <a:cs typeface="Times New Roman" panose="02020603050405020304" pitchFamily="18" charset="0"/>
+                </a:rPr>
+                <a:t> de los </a:t>
+              </a:r>
+              <a:r>
+                <a:rPr lang="en-US" sz="1600" dirty="0" err="1">
+                  <a:solidFill>
+                    <a:schemeClr val="tx1"/>
+                  </a:solidFill>
+                  <a:ea typeface="Calibri" panose="020F0502020204030204" pitchFamily="34" charset="0"/>
+                  <a:cs typeface="Times New Roman" panose="02020603050405020304" pitchFamily="18" charset="0"/>
+                </a:rPr>
+                <a:t>individuos</a:t>
+              </a:r>
+              <a:endParaRPr lang="es-ES" sz="1600" dirty="0">
+                <a:solidFill>
+                  <a:schemeClr val="tx1"/>
+                </a:solidFill>
+                <a:effectLst/>
+                <a:ea typeface="Calibri" panose="020F0502020204030204" pitchFamily="34" charset="0"/>
+                <a:cs typeface="Times New Roman" panose="02020603050405020304" pitchFamily="18" charset="0"/>
+              </a:endParaRPr>
             </a:p>
           </p:txBody>
         </p:sp>
-        <p:grpSp>
-          <p:nvGrpSpPr>
-            <p:cNvPr id="93" name="Grupo 92">
+        <p:sp>
+          <p:nvSpPr>
+            <p:cNvPr id="219" name="CuadroTexto 23">
               <a:extLst>
                 <a:ext uri="{FF2B5EF4-FFF2-40B4-BE49-F238E27FC236}">
-                  <a16:creationId xmlns:a16="http://schemas.microsoft.com/office/drawing/2014/main" id="{92DA1795-DCB8-4941-B9E2-3D2597617A05}"/>
+                  <a16:creationId xmlns:a16="http://schemas.microsoft.com/office/drawing/2014/main" id="{8F1DD54E-7F26-4331-9030-9CE8E7663A93}"/>
                 </a:ext>
               </a:extLst>
             </p:cNvPr>
-            <p:cNvGrpSpPr/>
+            <p:cNvSpPr txBox="1"/>
             <p:nvPr/>
-          </p:nvGrpSpPr>
-          <p:grpSpPr>
+          </p:nvSpPr>
+          <p:spPr>
             <a:xfrm>
-              <a:off x="2327860" y="1630113"/>
-              <a:ext cx="3832574" cy="4268180"/>
-              <a:chOff x="390028" y="177680"/>
-              <a:chExt cx="953162" cy="1061471"/>
+              <a:off x="782090" y="4088756"/>
+              <a:ext cx="1739284" cy="637647"/>
             </a:xfrm>
-          </p:grpSpPr>
-          <p:grpSp>
-            <p:nvGrpSpPr>
-              <p:cNvPr id="117" name="Grupo 116">
-                <a:extLst>
-                  <a:ext uri="{FF2B5EF4-FFF2-40B4-BE49-F238E27FC236}">
-                    <a16:creationId xmlns:a16="http://schemas.microsoft.com/office/drawing/2014/main" id="{8B7B88B1-8663-4844-A6E5-05552DCB9E90}"/>
-                  </a:ext>
-                </a:extLst>
-              </p:cNvPr>
-              <p:cNvGrpSpPr/>
-              <p:nvPr/>
-            </p:nvGrpSpPr>
-            <p:grpSpPr>
-              <a:xfrm>
-                <a:off x="390028" y="177680"/>
-                <a:ext cx="242524" cy="1061471"/>
-                <a:chOff x="390028" y="0"/>
-                <a:chExt cx="242524" cy="1061471"/>
-              </a:xfrm>
-            </p:grpSpPr>
-            <p:sp>
-              <p:nvSpPr>
-                <p:cNvPr id="146" name="Elipse 145">
-                  <a:extLst>
-                    <a:ext uri="{FF2B5EF4-FFF2-40B4-BE49-F238E27FC236}">
-                      <a16:creationId xmlns:a16="http://schemas.microsoft.com/office/drawing/2014/main" id="{8A6F7D31-B975-459F-AEC1-8FB8543CA413}"/>
-                    </a:ext>
-                  </a:extLst>
-                </p:cNvPr>
-                <p:cNvSpPr/>
-                <p:nvPr/>
-              </p:nvSpPr>
-              <p:spPr>
-                <a:xfrm>
-                  <a:off x="390028" y="0"/>
-                  <a:ext cx="242524" cy="242411"/>
-                </a:xfrm>
-                <a:prstGeom prst="ellipse">
-                  <a:avLst/>
-                </a:prstGeom>
-                <a:solidFill>
-                  <a:schemeClr val="accent6">
-                    <a:lumMod val="20000"/>
-                    <a:lumOff val="80000"/>
-                  </a:schemeClr>
-                </a:solidFill>
-                <a:ln w="19050">
+            <a:prstGeom prst="rect">
+              <a:avLst/>
+            </a:prstGeom>
+            <a:solidFill>
+              <a:schemeClr val="bg1"/>
+            </a:solidFill>
+            <a:ln w="19050">
+              <a:solidFill>
+                <a:schemeClr val="tx1"/>
+              </a:solidFill>
+            </a:ln>
+          </p:spPr>
+          <p:style>
+            <a:lnRef idx="2">
+              <a:schemeClr val="accent5">
+                <a:shade val="50000"/>
+              </a:schemeClr>
+            </a:lnRef>
+            <a:fillRef idx="1">
+              <a:schemeClr val="accent5"/>
+            </a:fillRef>
+            <a:effectRef idx="0">
+              <a:schemeClr val="accent5"/>
+            </a:effectRef>
+            <a:fontRef idx="minor">
+              <a:schemeClr val="lt1"/>
+            </a:fontRef>
+          </p:style>
+          <p:txBody>
+            <a:bodyPr wrap="square" rtlCol="0" anchor="ctr">
+              <a:noAutofit/>
+            </a:bodyPr>
+            <a:lstStyle/>
+            <a:p>
+              <a:pPr algn="ctr">
+                <a:spcAft>
+                  <a:spcPts val="0"/>
+                </a:spcAft>
+              </a:pPr>
+              <a:r>
+                <a:rPr lang="en-US" sz="1600" dirty="0" err="1">
                   <a:solidFill>
                     <a:schemeClr val="tx1"/>
                   </a:solidFill>
-                </a:ln>
-              </p:spPr>
-              <p:style>
-                <a:lnRef idx="2">
-                  <a:schemeClr val="accent4">
-                    <a:shade val="50000"/>
-                  </a:schemeClr>
-                </a:lnRef>
-                <a:fillRef idx="1">
-                  <a:schemeClr val="accent4"/>
-                </a:fillRef>
-                <a:effectRef idx="0">
-                  <a:schemeClr val="accent4"/>
-                </a:effectRef>
-                <a:fontRef idx="minor">
-                  <a:schemeClr val="lt1"/>
-                </a:fontRef>
-              </p:style>
-              <p:txBody>
-                <a:bodyPr rot="0" spcFirstLastPara="0" vert="horz" wrap="square" lIns="91440" tIns="45720" rIns="91440" bIns="45720" numCol="1" spcCol="0" rtlCol="0" fromWordArt="0" anchor="ctr" anchorCtr="0" forceAA="0" compatLnSpc="1">
-                  <a:prstTxWarp prst="textNoShape">
-                    <a:avLst/>
-                  </a:prstTxWarp>
-                  <a:noAutofit/>
-                </a:bodyPr>
-                <a:lstStyle/>
-                <a:p>
-                  <a:endParaRPr lang="es-ES"/>
-                </a:p>
-              </p:txBody>
-            </p:sp>
-            <p:sp>
-              <p:nvSpPr>
-                <p:cNvPr id="147" name="Elipse 146">
-                  <a:extLst>
-                    <a:ext uri="{FF2B5EF4-FFF2-40B4-BE49-F238E27FC236}">
-                      <a16:creationId xmlns:a16="http://schemas.microsoft.com/office/drawing/2014/main" id="{8CABA8FB-E5A2-485A-9B5C-8E20B90C6412}"/>
-                    </a:ext>
-                  </a:extLst>
-                </p:cNvPr>
-                <p:cNvSpPr/>
-                <p:nvPr/>
-              </p:nvSpPr>
-              <p:spPr>
-                <a:xfrm>
-                  <a:off x="390028" y="407363"/>
-                  <a:ext cx="242524" cy="242411"/>
-                </a:xfrm>
-                <a:prstGeom prst="ellipse">
-                  <a:avLst/>
-                </a:prstGeom>
-                <a:solidFill>
-                  <a:schemeClr val="accent6">
-                    <a:lumMod val="20000"/>
-                    <a:lumOff val="80000"/>
-                  </a:schemeClr>
-                </a:solidFill>
-                <a:ln w="19050">
+                  <a:ea typeface="Calibri" panose="020F0502020204030204" pitchFamily="34" charset="0"/>
+                  <a:cs typeface="Times New Roman" panose="02020603050405020304" pitchFamily="18" charset="0"/>
+                </a:rPr>
+                <a:t>Cálculo</a:t>
+              </a:r>
+              <a:r>
+                <a:rPr lang="en-US" sz="1600" dirty="0">
                   <a:solidFill>
                     <a:schemeClr val="tx1"/>
                   </a:solidFill>
-                </a:ln>
-              </p:spPr>
-              <p:style>
-                <a:lnRef idx="2">
-                  <a:schemeClr val="accent4">
-                    <a:shade val="50000"/>
-                  </a:schemeClr>
-                </a:lnRef>
-                <a:fillRef idx="1">
-                  <a:schemeClr val="accent4"/>
-                </a:fillRef>
-                <a:effectRef idx="0">
-                  <a:schemeClr val="accent4"/>
-                </a:effectRef>
-                <a:fontRef idx="minor">
-                  <a:schemeClr val="lt1"/>
-                </a:fontRef>
-              </p:style>
-              <p:txBody>
-                <a:bodyPr rot="0" spcFirstLastPara="0" vert="horz" wrap="square" lIns="91440" tIns="45720" rIns="91440" bIns="45720" numCol="1" spcCol="0" rtlCol="0" fromWordArt="0" anchor="ctr" anchorCtr="0" forceAA="0" compatLnSpc="1">
-                  <a:prstTxWarp prst="textNoShape">
-                    <a:avLst/>
-                  </a:prstTxWarp>
-                  <a:noAutofit/>
-                </a:bodyPr>
-                <a:lstStyle/>
-                <a:p>
-                  <a:endParaRPr lang="es-ES"/>
-                </a:p>
-              </p:txBody>
-            </p:sp>
-            <p:sp>
-              <p:nvSpPr>
-                <p:cNvPr id="148" name="Elipse 147">
-                  <a:extLst>
-                    <a:ext uri="{FF2B5EF4-FFF2-40B4-BE49-F238E27FC236}">
-                      <a16:creationId xmlns:a16="http://schemas.microsoft.com/office/drawing/2014/main" id="{63BAB9B1-FB04-4E4B-B1FF-F983187F5648}"/>
-                    </a:ext>
-                  </a:extLst>
-                </p:cNvPr>
-                <p:cNvSpPr/>
-                <p:nvPr/>
-              </p:nvSpPr>
-              <p:spPr>
-                <a:xfrm>
-                  <a:off x="390028" y="819060"/>
-                  <a:ext cx="242524" cy="242411"/>
-                </a:xfrm>
-                <a:prstGeom prst="ellipse">
-                  <a:avLst/>
-                </a:prstGeom>
+                  <a:ea typeface="Calibri" panose="020F0502020204030204" pitchFamily="34" charset="0"/>
+                  <a:cs typeface="Times New Roman" panose="02020603050405020304" pitchFamily="18" charset="0"/>
+                </a:rPr>
+                <a:t> del accuracy (fitness)</a:t>
+              </a:r>
+              <a:endParaRPr lang="es-ES" sz="1600" dirty="0">
                 <a:solidFill>
-                  <a:schemeClr val="accent6">
-                    <a:lumMod val="20000"/>
-                    <a:lumOff val="80000"/>
-                  </a:schemeClr>
+                  <a:schemeClr val="tx1"/>
                 </a:solidFill>
-                <a:ln w="19050">
+                <a:effectLst/>
+                <a:ea typeface="Calibri" panose="020F0502020204030204" pitchFamily="34" charset="0"/>
+                <a:cs typeface="Times New Roman" panose="02020603050405020304" pitchFamily="18" charset="0"/>
+              </a:endParaRPr>
+            </a:p>
+          </p:txBody>
+        </p:sp>
+        <p:sp>
+          <p:nvSpPr>
+            <p:cNvPr id="220" name="CuadroTexto 23">
+              <a:extLst>
+                <a:ext uri="{FF2B5EF4-FFF2-40B4-BE49-F238E27FC236}">
+                  <a16:creationId xmlns:a16="http://schemas.microsoft.com/office/drawing/2014/main" id="{EB9B6F23-D724-4CC1-8340-C80A15B249FC}"/>
+                </a:ext>
+              </a:extLst>
+            </p:cNvPr>
+            <p:cNvSpPr txBox="1"/>
+            <p:nvPr/>
+          </p:nvSpPr>
+          <p:spPr>
+            <a:xfrm>
+              <a:off x="782090" y="5185835"/>
+              <a:ext cx="1739284" cy="637647"/>
+            </a:xfrm>
+            <a:prstGeom prst="rect">
+              <a:avLst/>
+            </a:prstGeom>
+            <a:solidFill>
+              <a:schemeClr val="bg1"/>
+            </a:solidFill>
+            <a:ln w="19050">
+              <a:solidFill>
+                <a:schemeClr val="tx1"/>
+              </a:solidFill>
+            </a:ln>
+          </p:spPr>
+          <p:style>
+            <a:lnRef idx="2">
+              <a:schemeClr val="accent5">
+                <a:shade val="50000"/>
+              </a:schemeClr>
+            </a:lnRef>
+            <a:fillRef idx="1">
+              <a:schemeClr val="accent5"/>
+            </a:fillRef>
+            <a:effectRef idx="0">
+              <a:schemeClr val="accent5"/>
+            </a:effectRef>
+            <a:fontRef idx="minor">
+              <a:schemeClr val="lt1"/>
+            </a:fontRef>
+          </p:style>
+          <p:txBody>
+            <a:bodyPr wrap="square" rtlCol="0" anchor="ctr">
+              <a:noAutofit/>
+            </a:bodyPr>
+            <a:lstStyle/>
+            <a:p>
+              <a:pPr algn="ctr">
+                <a:spcAft>
+                  <a:spcPts val="0"/>
+                </a:spcAft>
+              </a:pPr>
+              <a:r>
+                <a:rPr lang="en-US" sz="1600" dirty="0" err="1">
                   <a:solidFill>
                     <a:schemeClr val="tx1"/>
                   </a:solidFill>
-                </a:ln>
-              </p:spPr>
-              <p:style>
-                <a:lnRef idx="2">
-                  <a:schemeClr val="accent4">
-                    <a:shade val="50000"/>
-                  </a:schemeClr>
-                </a:lnRef>
-                <a:fillRef idx="1">
-                  <a:schemeClr val="accent4"/>
-                </a:fillRef>
-                <a:effectRef idx="0">
-                  <a:schemeClr val="accent4"/>
-                </a:effectRef>
-                <a:fontRef idx="minor">
-                  <a:schemeClr val="lt1"/>
-                </a:fontRef>
-              </p:style>
-              <p:txBody>
-                <a:bodyPr rot="0" spcFirstLastPara="0" vert="horz" wrap="square" lIns="91440" tIns="45720" rIns="91440" bIns="45720" numCol="1" spcCol="0" rtlCol="0" fromWordArt="0" anchor="ctr" anchorCtr="0" forceAA="0" compatLnSpc="1">
-                  <a:prstTxWarp prst="textNoShape">
-                    <a:avLst/>
-                  </a:prstTxWarp>
-                  <a:noAutofit/>
-                </a:bodyPr>
-                <a:lstStyle/>
-                <a:p>
-                  <a:endParaRPr lang="es-ES"/>
-                </a:p>
-              </p:txBody>
-            </p:sp>
-          </p:grpSp>
-          <p:grpSp>
-            <p:nvGrpSpPr>
-              <p:cNvPr id="118" name="Grupo 117">
-                <a:extLst>
-                  <a:ext uri="{FF2B5EF4-FFF2-40B4-BE49-F238E27FC236}">
-                    <a16:creationId xmlns:a16="http://schemas.microsoft.com/office/drawing/2014/main" id="{D779F316-23E9-452C-B129-5253860F30D7}"/>
-                  </a:ext>
-                </a:extLst>
-              </p:cNvPr>
-              <p:cNvGrpSpPr/>
-              <p:nvPr/>
-            </p:nvGrpSpPr>
-            <p:grpSpPr>
-              <a:xfrm>
-                <a:off x="1100666" y="407363"/>
-                <a:ext cx="242524" cy="636773"/>
-                <a:chOff x="181933" y="407363"/>
-                <a:chExt cx="242524" cy="636773"/>
-              </a:xfrm>
-            </p:grpSpPr>
-            <p:sp>
-              <p:nvSpPr>
-                <p:cNvPr id="143" name="Elipse 142">
-                  <a:extLst>
-                    <a:ext uri="{FF2B5EF4-FFF2-40B4-BE49-F238E27FC236}">
-                      <a16:creationId xmlns:a16="http://schemas.microsoft.com/office/drawing/2014/main" id="{8F8EE5F9-199F-44FA-923D-3225301D7FE6}"/>
-                    </a:ext>
-                  </a:extLst>
-                </p:cNvPr>
-                <p:cNvSpPr/>
-                <p:nvPr/>
-              </p:nvSpPr>
-              <p:spPr>
-                <a:xfrm>
-                  <a:off x="181933" y="407363"/>
-                  <a:ext cx="242524" cy="242411"/>
-                </a:xfrm>
-                <a:prstGeom prst="ellipse">
-                  <a:avLst/>
-                </a:prstGeom>
-                <a:solidFill>
-                  <a:schemeClr val="accent5">
-                    <a:lumMod val="20000"/>
-                    <a:lumOff val="80000"/>
-                  </a:schemeClr>
-                </a:solidFill>
-                <a:ln w="19050">
+                  <a:ea typeface="Calibri" panose="020F0502020204030204" pitchFamily="34" charset="0"/>
+                  <a:cs typeface="Times New Roman" panose="02020603050405020304" pitchFamily="18" charset="0"/>
+                </a:rPr>
+                <a:t>Entrenamiento</a:t>
+              </a:r>
+              <a:r>
+                <a:rPr lang="en-US" sz="1600" dirty="0">
                   <a:solidFill>
                     <a:schemeClr val="tx1"/>
                   </a:solidFill>
-                </a:ln>
-              </p:spPr>
-              <p:style>
-                <a:lnRef idx="2">
-                  <a:schemeClr val="accent6">
-                    <a:shade val="50000"/>
-                  </a:schemeClr>
-                </a:lnRef>
-                <a:fillRef idx="1">
-                  <a:schemeClr val="accent6"/>
-                </a:fillRef>
-                <a:effectRef idx="0">
-                  <a:schemeClr val="accent6"/>
-                </a:effectRef>
-                <a:fontRef idx="minor">
-                  <a:schemeClr val="lt1"/>
-                </a:fontRef>
-              </p:style>
-              <p:txBody>
-                <a:bodyPr rot="0" spcFirstLastPara="0" vert="horz" wrap="square" lIns="91440" tIns="45720" rIns="91440" bIns="45720" numCol="1" spcCol="0" rtlCol="0" fromWordArt="0" anchor="ctr" anchorCtr="0" forceAA="0" compatLnSpc="1">
-                  <a:prstTxWarp prst="textNoShape">
-                    <a:avLst/>
-                  </a:prstTxWarp>
-                  <a:noAutofit/>
-                </a:bodyPr>
-                <a:lstStyle/>
-                <a:p>
-                  <a:endParaRPr lang="es-ES"/>
-                </a:p>
-              </p:txBody>
-            </p:sp>
-            <p:sp>
-              <p:nvSpPr>
-                <p:cNvPr id="144" name="Elipse 143">
-                  <a:extLst>
-                    <a:ext uri="{FF2B5EF4-FFF2-40B4-BE49-F238E27FC236}">
-                      <a16:creationId xmlns:a16="http://schemas.microsoft.com/office/drawing/2014/main" id="{E55C3396-CE48-410E-B289-A42B3D743480}"/>
-                    </a:ext>
-                  </a:extLst>
-                </p:cNvPr>
-                <p:cNvSpPr/>
-                <p:nvPr/>
-              </p:nvSpPr>
-              <p:spPr>
-                <a:xfrm>
-                  <a:off x="181933" y="801725"/>
-                  <a:ext cx="242524" cy="242411"/>
-                </a:xfrm>
-                <a:prstGeom prst="ellipse">
-                  <a:avLst/>
-                </a:prstGeom>
-                <a:solidFill>
-                  <a:schemeClr val="accent5">
-                    <a:lumMod val="20000"/>
-                    <a:lumOff val="80000"/>
-                  </a:schemeClr>
-                </a:solidFill>
-                <a:ln w="19050">
+                  <a:ea typeface="Calibri" panose="020F0502020204030204" pitchFamily="34" charset="0"/>
+                  <a:cs typeface="Times New Roman" panose="02020603050405020304" pitchFamily="18" charset="0"/>
+                </a:rPr>
+                <a:t> de los </a:t>
+              </a:r>
+              <a:r>
+                <a:rPr lang="en-US" sz="1600" dirty="0" err="1">
                   <a:solidFill>
                     <a:schemeClr val="tx1"/>
                   </a:solidFill>
-                </a:ln>
-              </p:spPr>
-              <p:style>
-                <a:lnRef idx="2">
-                  <a:schemeClr val="accent6">
-                    <a:shade val="50000"/>
-                  </a:schemeClr>
-                </a:lnRef>
-                <a:fillRef idx="1">
-                  <a:schemeClr val="accent6"/>
-                </a:fillRef>
-                <a:effectRef idx="0">
-                  <a:schemeClr val="accent6"/>
-                </a:effectRef>
-                <a:fontRef idx="minor">
-                  <a:schemeClr val="lt1"/>
-                </a:fontRef>
-              </p:style>
-              <p:txBody>
-                <a:bodyPr rot="0" spcFirstLastPara="0" vert="horz" wrap="square" lIns="91440" tIns="45720" rIns="91440" bIns="45720" numCol="1" spcCol="0" rtlCol="0" fromWordArt="0" anchor="ctr" anchorCtr="0" forceAA="0" compatLnSpc="1">
-                  <a:prstTxWarp prst="textNoShape">
-                    <a:avLst/>
-                  </a:prstTxWarp>
-                  <a:noAutofit/>
-                </a:bodyPr>
-                <a:lstStyle/>
-                <a:p>
-                  <a:endParaRPr lang="es-ES"/>
-                </a:p>
-              </p:txBody>
-            </p:sp>
-          </p:grpSp>
-          <p:grpSp>
-            <p:nvGrpSpPr>
-              <p:cNvPr id="119" name="Grupo 118">
-                <a:extLst>
-                  <a:ext uri="{FF2B5EF4-FFF2-40B4-BE49-F238E27FC236}">
-                    <a16:creationId xmlns:a16="http://schemas.microsoft.com/office/drawing/2014/main" id="{4C5CA086-D395-4E22-9826-A16B1316E613}"/>
-                  </a:ext>
-                </a:extLst>
-              </p:cNvPr>
-              <p:cNvGrpSpPr/>
-              <p:nvPr/>
-            </p:nvGrpSpPr>
-            <p:grpSpPr>
-              <a:xfrm>
-                <a:off x="632552" y="298885"/>
-                <a:ext cx="468114" cy="819060"/>
-                <a:chOff x="398535" y="199211"/>
-                <a:chExt cx="468114" cy="819060"/>
-              </a:xfrm>
-            </p:grpSpPr>
-            <p:cxnSp>
-              <p:nvCxnSpPr>
-                <p:cNvPr id="124" name="Conector recto de flecha 123">
-                  <a:extLst>
-                    <a:ext uri="{FF2B5EF4-FFF2-40B4-BE49-F238E27FC236}">
-                      <a16:creationId xmlns:a16="http://schemas.microsoft.com/office/drawing/2014/main" id="{4849F139-5405-420A-B7A3-70A29F15E140}"/>
-                    </a:ext>
-                  </a:extLst>
-                </p:cNvPr>
-                <p:cNvCxnSpPr>
-                  <a:cxnSpLocks/>
-                  <a:stCxn id="147" idx="6"/>
-                  <a:endCxn id="143" idx="2"/>
-                </p:cNvCxnSpPr>
-                <p:nvPr/>
-              </p:nvCxnSpPr>
-              <p:spPr>
-                <a:xfrm flipV="1">
-                  <a:off x="398535" y="428894"/>
-                  <a:ext cx="468114" cy="177680"/>
-                </a:xfrm>
-                <a:prstGeom prst="straightConnector1">
-                  <a:avLst/>
-                </a:prstGeom>
-                <a:ln w="19050">
+                  <a:ea typeface="Calibri" panose="020F0502020204030204" pitchFamily="34" charset="0"/>
+                  <a:cs typeface="Times New Roman" panose="02020603050405020304" pitchFamily="18" charset="0"/>
+                </a:rPr>
+                <a:t>individuos</a:t>
+              </a:r>
+              <a:endParaRPr lang="es-ES" sz="1600" dirty="0">
+                <a:solidFill>
+                  <a:schemeClr val="tx1"/>
+                </a:solidFill>
+                <a:effectLst/>
+                <a:ea typeface="Calibri" panose="020F0502020204030204" pitchFamily="34" charset="0"/>
+                <a:cs typeface="Times New Roman" panose="02020603050405020304" pitchFamily="18" charset="0"/>
+              </a:endParaRPr>
+            </a:p>
+          </p:txBody>
+        </p:sp>
+        <p:cxnSp>
+          <p:nvCxnSpPr>
+            <p:cNvPr id="230" name="Conector recto de flecha 229">
+              <a:extLst>
+                <a:ext uri="{FF2B5EF4-FFF2-40B4-BE49-F238E27FC236}">
+                  <a16:creationId xmlns:a16="http://schemas.microsoft.com/office/drawing/2014/main" id="{163F08B5-4058-486C-A0E4-3033BD7ECCC5}"/>
+                </a:ext>
+              </a:extLst>
+            </p:cNvPr>
+            <p:cNvCxnSpPr>
+              <a:cxnSpLocks/>
+              <a:stCxn id="61" idx="1"/>
+              <a:endCxn id="218" idx="3"/>
+            </p:cNvCxnSpPr>
+            <p:nvPr/>
+          </p:nvCxnSpPr>
+          <p:spPr>
+            <a:xfrm flipH="1" flipV="1">
+              <a:off x="4911352" y="5505588"/>
+              <a:ext cx="398578" cy="1"/>
+            </a:xfrm>
+            <a:prstGeom prst="straightConnector1">
+              <a:avLst/>
+            </a:prstGeom>
+            <a:ln w="19050">
+              <a:tailEnd type="triangle" w="lg" len="med"/>
+            </a:ln>
+          </p:spPr>
+          <p:style>
+            <a:lnRef idx="1">
+              <a:schemeClr val="dk1"/>
+            </a:lnRef>
+            <a:fillRef idx="0">
+              <a:schemeClr val="dk1"/>
+            </a:fillRef>
+            <a:effectRef idx="0">
+              <a:schemeClr val="dk1"/>
+            </a:effectRef>
+            <a:fontRef idx="minor">
+              <a:schemeClr val="tx1"/>
+            </a:fontRef>
+          </p:style>
+        </p:cxnSp>
+        <p:cxnSp>
+          <p:nvCxnSpPr>
+            <p:cNvPr id="233" name="Conector recto de flecha 232">
+              <a:extLst>
+                <a:ext uri="{FF2B5EF4-FFF2-40B4-BE49-F238E27FC236}">
+                  <a16:creationId xmlns:a16="http://schemas.microsoft.com/office/drawing/2014/main" id="{3D709684-A370-4DCD-B964-4072B0B0605C}"/>
+                </a:ext>
+              </a:extLst>
+            </p:cNvPr>
+            <p:cNvCxnSpPr>
+              <a:cxnSpLocks/>
+              <a:stCxn id="218" idx="1"/>
+              <a:endCxn id="220" idx="3"/>
+            </p:cNvCxnSpPr>
+            <p:nvPr/>
+          </p:nvCxnSpPr>
+          <p:spPr>
+            <a:xfrm flipH="1" flipV="1">
+              <a:off x="2521374" y="5504659"/>
+              <a:ext cx="650694" cy="929"/>
+            </a:xfrm>
+            <a:prstGeom prst="straightConnector1">
+              <a:avLst/>
+            </a:prstGeom>
+            <a:ln w="19050">
+              <a:tailEnd type="triangle" w="lg" len="med"/>
+            </a:ln>
+          </p:spPr>
+          <p:style>
+            <a:lnRef idx="1">
+              <a:schemeClr val="dk1"/>
+            </a:lnRef>
+            <a:fillRef idx="0">
+              <a:schemeClr val="dk1"/>
+            </a:fillRef>
+            <a:effectRef idx="0">
+              <a:schemeClr val="dk1"/>
+            </a:effectRef>
+            <a:fontRef idx="minor">
+              <a:schemeClr val="tx1"/>
+            </a:fontRef>
+          </p:style>
+        </p:cxnSp>
+        <p:cxnSp>
+          <p:nvCxnSpPr>
+            <p:cNvPr id="237" name="Conector recto de flecha 236">
+              <a:extLst>
+                <a:ext uri="{FF2B5EF4-FFF2-40B4-BE49-F238E27FC236}">
+                  <a16:creationId xmlns:a16="http://schemas.microsoft.com/office/drawing/2014/main" id="{69D024AC-DBF5-44C8-927D-3ED90F855235}"/>
+                </a:ext>
+              </a:extLst>
+            </p:cNvPr>
+            <p:cNvCxnSpPr>
+              <a:cxnSpLocks/>
+              <a:stCxn id="220" idx="0"/>
+              <a:endCxn id="219" idx="2"/>
+            </p:cNvCxnSpPr>
+            <p:nvPr/>
+          </p:nvCxnSpPr>
+          <p:spPr>
+            <a:xfrm flipV="1">
+              <a:off x="1651732" y="4726403"/>
+              <a:ext cx="0" cy="459432"/>
+            </a:xfrm>
+            <a:prstGeom prst="straightConnector1">
+              <a:avLst/>
+            </a:prstGeom>
+            <a:ln w="19050">
+              <a:tailEnd type="triangle" w="lg" len="med"/>
+            </a:ln>
+          </p:spPr>
+          <p:style>
+            <a:lnRef idx="1">
+              <a:schemeClr val="dk1"/>
+            </a:lnRef>
+            <a:fillRef idx="0">
+              <a:schemeClr val="dk1"/>
+            </a:fillRef>
+            <a:effectRef idx="0">
+              <a:schemeClr val="dk1"/>
+            </a:effectRef>
+            <a:fontRef idx="minor">
+              <a:schemeClr val="tx1"/>
+            </a:fontRef>
+          </p:style>
+        </p:cxnSp>
+        <p:sp>
+          <p:nvSpPr>
+            <p:cNvPr id="246" name="CuadroTexto 7">
+              <a:extLst>
+                <a:ext uri="{FF2B5EF4-FFF2-40B4-BE49-F238E27FC236}">
+                  <a16:creationId xmlns:a16="http://schemas.microsoft.com/office/drawing/2014/main" id="{A097D66F-ABCD-46B8-96FD-E8F663360BB4}"/>
+                </a:ext>
+              </a:extLst>
+            </p:cNvPr>
+            <p:cNvSpPr txBox="1"/>
+            <p:nvPr/>
+          </p:nvSpPr>
+          <p:spPr>
+            <a:xfrm>
+              <a:off x="10617547" y="3299982"/>
+              <a:ext cx="1184476" cy="453806"/>
+            </a:xfrm>
+            <a:prstGeom prst="rect">
+              <a:avLst/>
+            </a:prstGeom>
+            <a:noFill/>
+            <a:ln w="19050">
+              <a:solidFill>
+                <a:schemeClr val="tx1"/>
+              </a:solidFill>
+            </a:ln>
+          </p:spPr>
+          <p:style>
+            <a:lnRef idx="2">
+              <a:schemeClr val="accent3">
+                <a:shade val="50000"/>
+              </a:schemeClr>
+            </a:lnRef>
+            <a:fillRef idx="1">
+              <a:schemeClr val="accent3"/>
+            </a:fillRef>
+            <a:effectRef idx="0">
+              <a:schemeClr val="accent3"/>
+            </a:effectRef>
+            <a:fontRef idx="minor">
+              <a:schemeClr val="lt1"/>
+            </a:fontRef>
+          </p:style>
+          <p:txBody>
+            <a:bodyPr wrap="square" rtlCol="0" anchor="ctr">
+              <a:noAutofit/>
+            </a:bodyPr>
+            <a:lstStyle/>
+            <a:p>
+              <a:pPr algn="ctr">
+                <a:spcAft>
+                  <a:spcPts val="0"/>
+                </a:spcAft>
+              </a:pPr>
+              <a:r>
+                <a:rPr lang="es-ES" sz="1600" kern="1200" dirty="0">
+                  <a:solidFill>
+                    <a:srgbClr val="000000"/>
+                  </a:solidFill>
+                  <a:effectLst/>
+                  <a:latin typeface="Cambria Math" panose="02040503050406030204" pitchFamily="18" charset="0"/>
+                  <a:ea typeface="Calibri" panose="020F0502020204030204" pitchFamily="34" charset="0"/>
+                  <a:cs typeface="Times New Roman" panose="02020603050405020304" pitchFamily="18" charset="0"/>
+                </a:rPr>
+                <a:t>Solución</a:t>
+              </a:r>
+              <a:endParaRPr lang="es-ES" sz="1600" dirty="0">
+                <a:effectLst/>
+                <a:ea typeface="Calibri" panose="020F0502020204030204" pitchFamily="34" charset="0"/>
+                <a:cs typeface="Times New Roman" panose="02020603050405020304" pitchFamily="18" charset="0"/>
+              </a:endParaRPr>
+            </a:p>
+          </p:txBody>
+        </p:sp>
+        <p:cxnSp>
+          <p:nvCxnSpPr>
+            <p:cNvPr id="247" name="Conector recto de flecha 246">
+              <a:extLst>
+                <a:ext uri="{FF2B5EF4-FFF2-40B4-BE49-F238E27FC236}">
+                  <a16:creationId xmlns:a16="http://schemas.microsoft.com/office/drawing/2014/main" id="{27E38902-19F5-4FE9-B9CC-467962B01D55}"/>
+                </a:ext>
+              </a:extLst>
+            </p:cNvPr>
+            <p:cNvCxnSpPr>
+              <a:cxnSpLocks/>
+              <a:stCxn id="77" idx="3"/>
+              <a:endCxn id="246" idx="1"/>
+            </p:cNvCxnSpPr>
+            <p:nvPr/>
+          </p:nvCxnSpPr>
+          <p:spPr>
+            <a:xfrm flipV="1">
+              <a:off x="9927730" y="3526885"/>
+              <a:ext cx="689817" cy="1"/>
+            </a:xfrm>
+            <a:prstGeom prst="straightConnector1">
+              <a:avLst/>
+            </a:prstGeom>
+            <a:ln w="19050">
+              <a:tailEnd type="triangle" w="lg" len="med"/>
+            </a:ln>
+          </p:spPr>
+          <p:style>
+            <a:lnRef idx="1">
+              <a:schemeClr val="dk1"/>
+            </a:lnRef>
+            <a:fillRef idx="0">
+              <a:schemeClr val="dk1"/>
+            </a:fillRef>
+            <a:effectRef idx="0">
+              <a:schemeClr val="dk1"/>
+            </a:effectRef>
+            <a:fontRef idx="minor">
+              <a:schemeClr val="tx1"/>
+            </a:fontRef>
+          </p:style>
+        </p:cxnSp>
+        <p:sp>
+          <p:nvSpPr>
+            <p:cNvPr id="251" name="Diagrama de flujo: proceso 250">
+              <a:extLst>
+                <a:ext uri="{FF2B5EF4-FFF2-40B4-BE49-F238E27FC236}">
+                  <a16:creationId xmlns:a16="http://schemas.microsoft.com/office/drawing/2014/main" id="{56BF4DE0-2A85-432D-8CC8-B472429319AF}"/>
+                </a:ext>
+              </a:extLst>
+            </p:cNvPr>
+            <p:cNvSpPr/>
+            <p:nvPr/>
+          </p:nvSpPr>
+          <p:spPr>
+            <a:xfrm>
+              <a:off x="9532325" y="3071514"/>
+              <a:ext cx="1085222" cy="515923"/>
+            </a:xfrm>
+            <a:prstGeom prst="flowChartProcess">
+              <a:avLst/>
+            </a:prstGeom>
+            <a:noFill/>
+            <a:ln>
+              <a:noFill/>
+            </a:ln>
+          </p:spPr>
+          <p:style>
+            <a:lnRef idx="2">
+              <a:schemeClr val="accent1">
+                <a:shade val="50000"/>
+              </a:schemeClr>
+            </a:lnRef>
+            <a:fillRef idx="1">
+              <a:schemeClr val="accent1"/>
+            </a:fillRef>
+            <a:effectRef idx="0">
+              <a:schemeClr val="accent1"/>
+            </a:effectRef>
+            <a:fontRef idx="minor">
+              <a:schemeClr val="lt1"/>
+            </a:fontRef>
+          </p:style>
+          <p:txBody>
+            <a:bodyPr rtlCol="0" anchor="ctr"/>
+            <a:lstStyle/>
+            <a:p>
+              <a:pPr algn="ctr"/>
+              <a:r>
+                <a:rPr lang="es-ES" sz="1600" dirty="0">
                   <a:solidFill>
                     <a:schemeClr val="tx1"/>
                   </a:solidFill>
-                  <a:tailEnd type="triangle" w="med" len="sm"/>
-                </a:ln>
-              </p:spPr>
-              <p:style>
-                <a:lnRef idx="1">
-                  <a:schemeClr val="accent1"/>
-                </a:lnRef>
-                <a:fillRef idx="0">
-                  <a:schemeClr val="accent1"/>
-                </a:fillRef>
-                <a:effectRef idx="0">
-                  <a:schemeClr val="accent1"/>
-                </a:effectRef>
-                <a:fontRef idx="minor">
-                  <a:schemeClr val="tx1"/>
-                </a:fontRef>
-              </p:style>
-            </p:cxnSp>
-            <p:cxnSp>
-              <p:nvCxnSpPr>
-                <p:cNvPr id="132" name="Conector recto de flecha 131">
-                  <a:extLst>
-                    <a:ext uri="{FF2B5EF4-FFF2-40B4-BE49-F238E27FC236}">
-                      <a16:creationId xmlns:a16="http://schemas.microsoft.com/office/drawing/2014/main" id="{1809281D-301D-411F-897D-9B969F4ACB5D}"/>
-                    </a:ext>
-                  </a:extLst>
-                </p:cNvPr>
-                <p:cNvCxnSpPr>
-                  <a:cxnSpLocks/>
-                  <a:stCxn id="148" idx="6"/>
-                  <a:endCxn id="144" idx="2"/>
-                </p:cNvCxnSpPr>
-                <p:nvPr/>
-              </p:nvCxnSpPr>
-              <p:spPr>
-                <a:xfrm flipV="1">
-                  <a:off x="398535" y="823256"/>
-                  <a:ext cx="468114" cy="195015"/>
-                </a:xfrm>
-                <a:prstGeom prst="straightConnector1">
-                  <a:avLst/>
-                </a:prstGeom>
-                <a:ln w="19050">
+                  <a:latin typeface="Cambria Math" panose="02040503050406030204" pitchFamily="18" charset="0"/>
+                  <a:ea typeface="Cambria Math" panose="02040503050406030204" pitchFamily="18" charset="0"/>
+                </a:rPr>
+                <a:t>Sí</a:t>
+              </a:r>
+            </a:p>
+          </p:txBody>
+        </p:sp>
+        <p:sp>
+          <p:nvSpPr>
+            <p:cNvPr id="252" name="Diagrama de flujo: proceso 251">
+              <a:extLst>
+                <a:ext uri="{FF2B5EF4-FFF2-40B4-BE49-F238E27FC236}">
+                  <a16:creationId xmlns:a16="http://schemas.microsoft.com/office/drawing/2014/main" id="{286FEC1A-E9B6-49D5-B5BC-4C180AEC28F6}"/>
+                </a:ext>
+              </a:extLst>
+            </p:cNvPr>
+            <p:cNvSpPr/>
+            <p:nvPr/>
+          </p:nvSpPr>
+          <p:spPr>
+            <a:xfrm>
+              <a:off x="8524155" y="3914924"/>
+              <a:ext cx="1085222" cy="515923"/>
+            </a:xfrm>
+            <a:prstGeom prst="flowChartProcess">
+              <a:avLst/>
+            </a:prstGeom>
+            <a:noFill/>
+            <a:ln>
+              <a:noFill/>
+            </a:ln>
+          </p:spPr>
+          <p:style>
+            <a:lnRef idx="2">
+              <a:schemeClr val="accent1">
+                <a:shade val="50000"/>
+              </a:schemeClr>
+            </a:lnRef>
+            <a:fillRef idx="1">
+              <a:schemeClr val="accent1"/>
+            </a:fillRef>
+            <a:effectRef idx="0">
+              <a:schemeClr val="accent1"/>
+            </a:effectRef>
+            <a:fontRef idx="minor">
+              <a:schemeClr val="lt1"/>
+            </a:fontRef>
+          </p:style>
+          <p:txBody>
+            <a:bodyPr rtlCol="0" anchor="ctr"/>
+            <a:lstStyle/>
+            <a:p>
+              <a:pPr algn="ctr"/>
+              <a:r>
+                <a:rPr lang="es-ES" sz="1600" dirty="0">
                   <a:solidFill>
                     <a:schemeClr val="tx1"/>
                   </a:solidFill>
-                  <a:tailEnd type="triangle" w="med" len="sm"/>
-                </a:ln>
-              </p:spPr>
-              <p:style>
-                <a:lnRef idx="1">
-                  <a:schemeClr val="accent1"/>
-                </a:lnRef>
-                <a:fillRef idx="0">
-                  <a:schemeClr val="accent1"/>
-                </a:fillRef>
-                <a:effectRef idx="0">
-                  <a:schemeClr val="accent1"/>
-                </a:effectRef>
-                <a:fontRef idx="minor">
-                  <a:schemeClr val="tx1"/>
-                </a:fontRef>
-              </p:style>
-            </p:cxnSp>
-            <p:cxnSp>
-              <p:nvCxnSpPr>
-                <p:cNvPr id="133" name="Conector recto de flecha 132">
-                  <a:extLst>
-                    <a:ext uri="{FF2B5EF4-FFF2-40B4-BE49-F238E27FC236}">
-                      <a16:creationId xmlns:a16="http://schemas.microsoft.com/office/drawing/2014/main" id="{AC68BC7E-542F-4803-B587-F2B4E0639FE6}"/>
-                    </a:ext>
-                  </a:extLst>
-                </p:cNvPr>
-                <p:cNvCxnSpPr>
-                  <a:cxnSpLocks/>
-                  <a:stCxn id="146" idx="6"/>
-                  <a:endCxn id="143" idx="2"/>
-                </p:cNvCxnSpPr>
-                <p:nvPr/>
-              </p:nvCxnSpPr>
-              <p:spPr>
-                <a:xfrm>
-                  <a:off x="398535" y="199211"/>
-                  <a:ext cx="468114" cy="229683"/>
-                </a:xfrm>
-                <a:prstGeom prst="straightConnector1">
-                  <a:avLst/>
-                </a:prstGeom>
-                <a:ln w="19050">
+                  <a:latin typeface="Cambria Math" panose="02040503050406030204" pitchFamily="18" charset="0"/>
+                  <a:ea typeface="Cambria Math" panose="02040503050406030204" pitchFamily="18" charset="0"/>
+                </a:rPr>
+                <a:t>No</a:t>
+              </a:r>
+            </a:p>
+          </p:txBody>
+        </p:sp>
+        <p:cxnSp>
+          <p:nvCxnSpPr>
+            <p:cNvPr id="256" name="Conector recto de flecha 255">
+              <a:extLst>
+                <a:ext uri="{FF2B5EF4-FFF2-40B4-BE49-F238E27FC236}">
+                  <a16:creationId xmlns:a16="http://schemas.microsoft.com/office/drawing/2014/main" id="{23F8DBF4-EBAA-4510-996F-9E0AFCAEA154}"/>
+                </a:ext>
+              </a:extLst>
+            </p:cNvPr>
+            <p:cNvCxnSpPr>
+              <a:cxnSpLocks/>
+              <a:stCxn id="57" idx="3"/>
+              <a:endCxn id="77" idx="1"/>
+            </p:cNvCxnSpPr>
+            <p:nvPr/>
+          </p:nvCxnSpPr>
+          <p:spPr>
+            <a:xfrm>
+              <a:off x="7050623" y="3526885"/>
+              <a:ext cx="643787" cy="1"/>
+            </a:xfrm>
+            <a:prstGeom prst="straightConnector1">
+              <a:avLst/>
+            </a:prstGeom>
+            <a:ln w="19050">
+              <a:tailEnd type="triangle" w="lg" len="med"/>
+            </a:ln>
+          </p:spPr>
+          <p:style>
+            <a:lnRef idx="1">
+              <a:schemeClr val="dk1"/>
+            </a:lnRef>
+            <a:fillRef idx="0">
+              <a:schemeClr val="dk1"/>
+            </a:fillRef>
+            <a:effectRef idx="0">
+              <a:schemeClr val="dk1"/>
+            </a:effectRef>
+            <a:fontRef idx="minor">
+              <a:schemeClr val="tx1"/>
+            </a:fontRef>
+          </p:style>
+        </p:cxnSp>
+        <p:cxnSp>
+          <p:nvCxnSpPr>
+            <p:cNvPr id="269" name="Conector: angular 268">
+              <a:extLst>
+                <a:ext uri="{FF2B5EF4-FFF2-40B4-BE49-F238E27FC236}">
+                  <a16:creationId xmlns:a16="http://schemas.microsoft.com/office/drawing/2014/main" id="{CDFE8EB0-E9E3-4A31-91FA-8A356E149BE2}"/>
+                </a:ext>
+              </a:extLst>
+            </p:cNvPr>
+            <p:cNvCxnSpPr>
+              <a:stCxn id="219" idx="0"/>
+              <a:endCxn id="57" idx="1"/>
+            </p:cNvCxnSpPr>
+            <p:nvPr/>
+          </p:nvCxnSpPr>
+          <p:spPr>
+            <a:xfrm rot="5400000" flipH="1" flipV="1">
+              <a:off x="3199896" y="1978722"/>
+              <a:ext cx="561871" cy="3658198"/>
+            </a:xfrm>
+            <a:prstGeom prst="bentConnector2">
+              <a:avLst/>
+            </a:prstGeom>
+            <a:ln w="19050">
+              <a:tailEnd type="triangle"/>
+            </a:ln>
+          </p:spPr>
+          <p:style>
+            <a:lnRef idx="1">
+              <a:schemeClr val="dk1"/>
+            </a:lnRef>
+            <a:fillRef idx="0">
+              <a:schemeClr val="dk1"/>
+            </a:fillRef>
+            <a:effectRef idx="0">
+              <a:schemeClr val="dk1"/>
+            </a:effectRef>
+            <a:fontRef idx="minor">
+              <a:schemeClr val="tx1"/>
+            </a:fontRef>
+          </p:style>
+        </p:cxnSp>
+        <p:sp>
+          <p:nvSpPr>
+            <p:cNvPr id="270" name="Diagrama de flujo: proceso 269">
+              <a:extLst>
+                <a:ext uri="{FF2B5EF4-FFF2-40B4-BE49-F238E27FC236}">
+                  <a16:creationId xmlns:a16="http://schemas.microsoft.com/office/drawing/2014/main" id="{71B29A97-EF47-4CEE-96BD-9E3B6FAF4DF5}"/>
+                </a:ext>
+              </a:extLst>
+            </p:cNvPr>
+            <p:cNvSpPr/>
+            <p:nvPr/>
+          </p:nvSpPr>
+          <p:spPr>
+            <a:xfrm>
+              <a:off x="597883" y="6052318"/>
+              <a:ext cx="4482793" cy="265433"/>
+            </a:xfrm>
+            <a:prstGeom prst="flowChartProcess">
+              <a:avLst/>
+            </a:prstGeom>
+            <a:solidFill>
+              <a:schemeClr val="accent5">
+                <a:lumMod val="20000"/>
+                <a:lumOff val="80000"/>
+              </a:schemeClr>
+            </a:solidFill>
+            <a:ln w="19050">
+              <a:noFill/>
+            </a:ln>
+          </p:spPr>
+          <p:style>
+            <a:lnRef idx="2">
+              <a:schemeClr val="accent1">
+                <a:shade val="50000"/>
+              </a:schemeClr>
+            </a:lnRef>
+            <a:fillRef idx="1">
+              <a:schemeClr val="accent1"/>
+            </a:fillRef>
+            <a:effectRef idx="0">
+              <a:schemeClr val="accent1"/>
+            </a:effectRef>
+            <a:fontRef idx="minor">
+              <a:schemeClr val="lt1"/>
+            </a:fontRef>
+          </p:style>
+          <p:txBody>
+            <a:bodyPr rtlCol="0" anchor="ctr"/>
+            <a:lstStyle/>
+            <a:p>
+              <a:pPr algn="ctr"/>
+              <a:r>
+                <a:rPr lang="es-ES" sz="1600" dirty="0">
                   <a:solidFill>
                     <a:schemeClr val="tx1"/>
                   </a:solidFill>
-                  <a:tailEnd type="triangle" w="med" len="sm"/>
-                </a:ln>
-              </p:spPr>
-              <p:style>
-                <a:lnRef idx="1">
-                  <a:schemeClr val="accent1"/>
-                </a:lnRef>
-                <a:fillRef idx="0">
-                  <a:schemeClr val="accent1"/>
-                </a:fillRef>
-                <a:effectRef idx="0">
-                  <a:schemeClr val="accent1"/>
-                </a:effectRef>
-                <a:fontRef idx="minor">
-                  <a:schemeClr val="tx1"/>
-                </a:fontRef>
-              </p:style>
-            </p:cxnSp>
-            <p:cxnSp>
-              <p:nvCxnSpPr>
-                <p:cNvPr id="134" name="Conector recto de flecha 133">
-                  <a:extLst>
-                    <a:ext uri="{FF2B5EF4-FFF2-40B4-BE49-F238E27FC236}">
-                      <a16:creationId xmlns:a16="http://schemas.microsoft.com/office/drawing/2014/main" id="{5D23CEF3-C399-45E7-83AE-43C6B215A024}"/>
-                    </a:ext>
-                  </a:extLst>
-                </p:cNvPr>
-                <p:cNvCxnSpPr>
-                  <a:cxnSpLocks/>
-                  <a:stCxn id="147" idx="6"/>
-                  <a:endCxn id="144" idx="2"/>
-                </p:cNvCxnSpPr>
-                <p:nvPr/>
-              </p:nvCxnSpPr>
-              <p:spPr>
-                <a:xfrm>
-                  <a:off x="398535" y="606575"/>
-                  <a:ext cx="468114" cy="216682"/>
-                </a:xfrm>
-                <a:prstGeom prst="straightConnector1">
-                  <a:avLst/>
-                </a:prstGeom>
-                <a:ln w="19050">
-                  <a:solidFill>
-                    <a:schemeClr val="tx1"/>
-                  </a:solidFill>
-                  <a:tailEnd type="triangle" w="med" len="sm"/>
-                </a:ln>
-              </p:spPr>
-              <p:style>
-                <a:lnRef idx="1">
-                  <a:schemeClr val="accent1"/>
-                </a:lnRef>
-                <a:fillRef idx="0">
-                  <a:schemeClr val="accent1"/>
-                </a:fillRef>
-                <a:effectRef idx="0">
-                  <a:schemeClr val="accent1"/>
-                </a:effectRef>
-                <a:fontRef idx="minor">
-                  <a:schemeClr val="tx1"/>
-                </a:fontRef>
-              </p:style>
-            </p:cxnSp>
-            <p:cxnSp>
-              <p:nvCxnSpPr>
-                <p:cNvPr id="137" name="Conector recto de flecha 136">
-                  <a:extLst>
-                    <a:ext uri="{FF2B5EF4-FFF2-40B4-BE49-F238E27FC236}">
-                      <a16:creationId xmlns:a16="http://schemas.microsoft.com/office/drawing/2014/main" id="{A99C7D9E-9CB7-4863-A761-271582BD6075}"/>
-                    </a:ext>
-                  </a:extLst>
-                </p:cNvPr>
-                <p:cNvCxnSpPr>
-                  <a:cxnSpLocks/>
-                  <a:stCxn id="148" idx="6"/>
-                  <a:endCxn id="143" idx="2"/>
-                </p:cNvCxnSpPr>
-                <p:nvPr/>
-              </p:nvCxnSpPr>
-              <p:spPr>
-                <a:xfrm flipV="1">
-                  <a:off x="398535" y="428894"/>
-                  <a:ext cx="468114" cy="589377"/>
-                </a:xfrm>
-                <a:prstGeom prst="straightConnector1">
-                  <a:avLst/>
-                </a:prstGeom>
-                <a:ln w="19050">
-                  <a:solidFill>
-                    <a:schemeClr val="tx1"/>
-                  </a:solidFill>
-                  <a:tailEnd type="triangle" w="med" len="sm"/>
-                </a:ln>
-              </p:spPr>
-              <p:style>
-                <a:lnRef idx="1">
-                  <a:schemeClr val="accent1"/>
-                </a:lnRef>
-                <a:fillRef idx="0">
-                  <a:schemeClr val="accent1"/>
-                </a:fillRef>
-                <a:effectRef idx="0">
-                  <a:schemeClr val="accent1"/>
-                </a:effectRef>
-                <a:fontRef idx="minor">
-                  <a:schemeClr val="tx1"/>
-                </a:fontRef>
-              </p:style>
-            </p:cxnSp>
-            <p:cxnSp>
-              <p:nvCxnSpPr>
-                <p:cNvPr id="138" name="Conector recto de flecha 137">
-                  <a:extLst>
-                    <a:ext uri="{FF2B5EF4-FFF2-40B4-BE49-F238E27FC236}">
-                      <a16:creationId xmlns:a16="http://schemas.microsoft.com/office/drawing/2014/main" id="{3FE30B85-D374-4CD3-8D7B-5CDBBBE9DF56}"/>
-                    </a:ext>
-                  </a:extLst>
-                </p:cNvPr>
-                <p:cNvCxnSpPr>
-                  <a:cxnSpLocks/>
-                  <a:stCxn id="146" idx="6"/>
-                  <a:endCxn id="144" idx="2"/>
-                </p:cNvCxnSpPr>
-                <p:nvPr/>
-              </p:nvCxnSpPr>
-              <p:spPr>
-                <a:xfrm>
-                  <a:off x="398535" y="199211"/>
-                  <a:ext cx="468114" cy="624045"/>
-                </a:xfrm>
-                <a:prstGeom prst="straightConnector1">
-                  <a:avLst/>
-                </a:prstGeom>
-                <a:ln w="19050">
-                  <a:solidFill>
-                    <a:schemeClr val="tx1"/>
-                  </a:solidFill>
-                  <a:tailEnd type="triangle" w="med" len="sm"/>
-                </a:ln>
-              </p:spPr>
-              <p:style>
-                <a:lnRef idx="1">
-                  <a:schemeClr val="accent1"/>
-                </a:lnRef>
-                <a:fillRef idx="0">
-                  <a:schemeClr val="accent1"/>
-                </a:fillRef>
-                <a:effectRef idx="0">
-                  <a:schemeClr val="accent1"/>
-                </a:effectRef>
-                <a:fontRef idx="minor">
-                  <a:schemeClr val="tx1"/>
-                </a:fontRef>
-              </p:style>
-            </p:cxnSp>
-          </p:grpSp>
-        </p:grpSp>
-        <p:grpSp>
-          <p:nvGrpSpPr>
-            <p:cNvPr id="94" name="Grupo 93">
-              <a:extLst>
-                <a:ext uri="{FF2B5EF4-FFF2-40B4-BE49-F238E27FC236}">
-                  <a16:creationId xmlns:a16="http://schemas.microsoft.com/office/drawing/2014/main" id="{DCAECD49-12BB-4C01-89AE-2AACC1587B49}"/>
-                </a:ext>
-              </a:extLst>
-            </p:cNvPr>
-            <p:cNvGrpSpPr/>
-            <p:nvPr/>
-          </p:nvGrpSpPr>
-          <p:grpSpPr>
-            <a:xfrm>
-              <a:off x="6160435" y="3041036"/>
-              <a:ext cx="1813191" cy="1585731"/>
-              <a:chOff x="367051" y="446229"/>
-              <a:chExt cx="450941" cy="394362"/>
-            </a:xfrm>
-          </p:grpSpPr>
-          <p:cxnSp>
-            <p:nvCxnSpPr>
-              <p:cNvPr id="105" name="Conector recto de flecha 104">
-                <a:extLst>
-                  <a:ext uri="{FF2B5EF4-FFF2-40B4-BE49-F238E27FC236}">
-                    <a16:creationId xmlns:a16="http://schemas.microsoft.com/office/drawing/2014/main" id="{93D06BC9-B4B0-4836-9A21-DD1579A95E8C}"/>
-                  </a:ext>
-                </a:extLst>
-              </p:cNvPr>
-              <p:cNvCxnSpPr>
-                <a:cxnSpLocks/>
-                <a:stCxn id="143" idx="6"/>
-                <a:endCxn id="151" idx="2"/>
-              </p:cNvCxnSpPr>
-              <p:nvPr/>
-            </p:nvCxnSpPr>
-            <p:spPr>
-              <a:xfrm>
-                <a:off x="367051" y="446229"/>
-                <a:ext cx="450941" cy="197069"/>
-              </a:xfrm>
-              <a:prstGeom prst="straightConnector1">
-                <a:avLst/>
-              </a:prstGeom>
-              <a:ln w="19050">
-                <a:solidFill>
-                  <a:schemeClr val="tx1"/>
-                </a:solidFill>
-                <a:tailEnd type="triangle" w="med" len="sm"/>
-              </a:ln>
-            </p:spPr>
-            <p:style>
-              <a:lnRef idx="1">
-                <a:schemeClr val="accent1"/>
-              </a:lnRef>
-              <a:fillRef idx="0">
-                <a:schemeClr val="accent1"/>
-              </a:fillRef>
-              <a:effectRef idx="0">
-                <a:schemeClr val="accent1"/>
-              </a:effectRef>
-              <a:fontRef idx="minor">
-                <a:schemeClr val="tx1"/>
-              </a:fontRef>
-            </p:style>
-          </p:cxnSp>
-          <p:cxnSp>
-            <p:nvCxnSpPr>
-              <p:cNvPr id="115" name="Conector recto de flecha 114">
-                <a:extLst>
-                  <a:ext uri="{FF2B5EF4-FFF2-40B4-BE49-F238E27FC236}">
-                    <a16:creationId xmlns:a16="http://schemas.microsoft.com/office/drawing/2014/main" id="{DDD1A14B-3837-455B-9FD9-423F71336649}"/>
-                  </a:ext>
-                </a:extLst>
-              </p:cNvPr>
-              <p:cNvCxnSpPr>
-                <a:cxnSpLocks/>
-                <a:stCxn id="144" idx="6"/>
-                <a:endCxn id="151" idx="2"/>
-              </p:cNvCxnSpPr>
-              <p:nvPr/>
-            </p:nvCxnSpPr>
-            <p:spPr>
-              <a:xfrm flipV="1">
-                <a:off x="367051" y="643298"/>
-                <a:ext cx="450941" cy="197293"/>
-              </a:xfrm>
-              <a:prstGeom prst="straightConnector1">
-                <a:avLst/>
-              </a:prstGeom>
-              <a:ln w="19050">
-                <a:solidFill>
-                  <a:schemeClr val="tx1"/>
-                </a:solidFill>
-                <a:tailEnd type="triangle" w="med" len="sm"/>
-              </a:ln>
-            </p:spPr>
-            <p:style>
-              <a:lnRef idx="1">
-                <a:schemeClr val="accent1"/>
-              </a:lnRef>
-              <a:fillRef idx="0">
-                <a:schemeClr val="accent1"/>
-              </a:fillRef>
-              <a:effectRef idx="0">
-                <a:schemeClr val="accent1"/>
-              </a:effectRef>
-              <a:fontRef idx="minor">
-                <a:schemeClr val="tx1"/>
-              </a:fontRef>
-            </p:style>
-          </p:cxnSp>
-        </p:grpSp>
-        <p:grpSp>
-          <p:nvGrpSpPr>
-            <p:cNvPr id="76" name="Grupo 75">
-              <a:extLst>
-                <a:ext uri="{FF2B5EF4-FFF2-40B4-BE49-F238E27FC236}">
-                  <a16:creationId xmlns:a16="http://schemas.microsoft.com/office/drawing/2014/main" id="{42B24CD5-2BCD-46C2-A8F8-C004F2696384}"/>
-                </a:ext>
-              </a:extLst>
-            </p:cNvPr>
-            <p:cNvGrpSpPr/>
-            <p:nvPr/>
-          </p:nvGrpSpPr>
-          <p:grpSpPr>
-            <a:xfrm>
-              <a:off x="8948791" y="2766827"/>
-              <a:ext cx="1730034" cy="2156730"/>
-              <a:chOff x="120113" y="304363"/>
-              <a:chExt cx="430260" cy="536366"/>
-            </a:xfrm>
-          </p:grpSpPr>
-          <p:cxnSp>
-            <p:nvCxnSpPr>
-              <p:cNvPr id="79" name="Conector recto de flecha 78">
-                <a:extLst>
-                  <a:ext uri="{FF2B5EF4-FFF2-40B4-BE49-F238E27FC236}">
-                    <a16:creationId xmlns:a16="http://schemas.microsoft.com/office/drawing/2014/main" id="{BA0362FD-2F69-4130-B765-A4A149A1856A}"/>
-                  </a:ext>
-                </a:extLst>
-              </p:cNvPr>
-              <p:cNvCxnSpPr>
-                <a:cxnSpLocks/>
-                <a:stCxn id="151" idx="6"/>
-                <a:endCxn id="73" idx="2"/>
-              </p:cNvCxnSpPr>
-              <p:nvPr/>
-            </p:nvCxnSpPr>
-            <p:spPr>
-              <a:xfrm flipV="1">
-                <a:off x="120113" y="304363"/>
-                <a:ext cx="430260" cy="265263"/>
-              </a:xfrm>
-              <a:prstGeom prst="straightConnector1">
-                <a:avLst/>
-              </a:prstGeom>
-              <a:ln w="19050">
-                <a:solidFill>
-                  <a:schemeClr val="tx1"/>
-                </a:solidFill>
-                <a:tailEnd type="triangle" w="med" len="sm"/>
-              </a:ln>
-            </p:spPr>
-            <p:style>
-              <a:lnRef idx="1">
-                <a:schemeClr val="accent1"/>
-              </a:lnRef>
-              <a:fillRef idx="0">
-                <a:schemeClr val="accent1"/>
-              </a:fillRef>
-              <a:effectRef idx="0">
-                <a:schemeClr val="accent1"/>
-              </a:effectRef>
-              <a:fontRef idx="minor">
-                <a:schemeClr val="tx1"/>
-              </a:fontRef>
-            </p:style>
-          </p:cxnSp>
-          <p:cxnSp>
-            <p:nvCxnSpPr>
-              <p:cNvPr id="80" name="Conector recto de flecha 79">
-                <a:extLst>
-                  <a:ext uri="{FF2B5EF4-FFF2-40B4-BE49-F238E27FC236}">
-                    <a16:creationId xmlns:a16="http://schemas.microsoft.com/office/drawing/2014/main" id="{3F217A06-D43E-480F-BCC4-265C0AFA138C}"/>
-                  </a:ext>
-                </a:extLst>
-              </p:cNvPr>
-              <p:cNvCxnSpPr>
-                <a:cxnSpLocks/>
-                <a:stCxn id="151" idx="6"/>
-                <a:endCxn id="169" idx="2"/>
-              </p:cNvCxnSpPr>
-              <p:nvPr/>
-            </p:nvCxnSpPr>
-            <p:spPr>
-              <a:xfrm>
-                <a:off x="120113" y="569626"/>
-                <a:ext cx="430260" cy="271103"/>
-              </a:xfrm>
-              <a:prstGeom prst="straightConnector1">
-                <a:avLst/>
-              </a:prstGeom>
-              <a:ln w="19050">
-                <a:solidFill>
-                  <a:schemeClr val="tx1"/>
-                </a:solidFill>
-                <a:tailEnd type="triangle" w="med" len="sm"/>
-              </a:ln>
-            </p:spPr>
-            <p:style>
-              <a:lnRef idx="1">
-                <a:schemeClr val="accent1"/>
-              </a:lnRef>
-              <a:fillRef idx="0">
-                <a:schemeClr val="accent1"/>
-              </a:fillRef>
-              <a:effectRef idx="0">
-                <a:schemeClr val="accent1"/>
-              </a:effectRef>
-              <a:fontRef idx="minor">
-                <a:schemeClr val="tx1"/>
-              </a:fontRef>
-            </p:style>
-          </p:cxnSp>
-        </p:grpSp>
-        <p:grpSp>
-          <p:nvGrpSpPr>
-            <p:cNvPr id="43" name="Grupo 42">
-              <a:extLst>
-                <a:ext uri="{FF2B5EF4-FFF2-40B4-BE49-F238E27FC236}">
-                  <a16:creationId xmlns:a16="http://schemas.microsoft.com/office/drawing/2014/main" id="{B2328841-754D-4FC2-A310-93AC67C28C63}"/>
-                </a:ext>
-              </a:extLst>
-            </p:cNvPr>
-            <p:cNvGrpSpPr/>
-            <p:nvPr/>
-          </p:nvGrpSpPr>
-          <p:grpSpPr>
-            <a:xfrm>
-              <a:off x="10678825" y="2104654"/>
-              <a:ext cx="1324314" cy="3481075"/>
-              <a:chOff x="10678825" y="2104654"/>
-              <a:chExt cx="1324314" cy="3481075"/>
-            </a:xfrm>
-          </p:grpSpPr>
-          <p:sp>
-            <p:nvSpPr>
-              <p:cNvPr id="73" name="Elipse 72">
-                <a:extLst>
-                  <a:ext uri="{FF2B5EF4-FFF2-40B4-BE49-F238E27FC236}">
-                    <a16:creationId xmlns:a16="http://schemas.microsoft.com/office/drawing/2014/main" id="{2756CA89-FDCF-4620-8090-9EEF9067CDEA}"/>
-                  </a:ext>
-                </a:extLst>
-              </p:cNvPr>
-              <p:cNvSpPr/>
-              <p:nvPr/>
-            </p:nvSpPr>
-            <p:spPr>
-              <a:xfrm>
-                <a:off x="10678825" y="2104654"/>
-                <a:ext cx="1324314" cy="1324346"/>
-              </a:xfrm>
-              <a:prstGeom prst="ellipse">
-                <a:avLst/>
-              </a:prstGeom>
-              <a:solidFill>
-                <a:schemeClr val="accent4">
-                  <a:lumMod val="20000"/>
-                  <a:lumOff val="80000"/>
-                </a:schemeClr>
-              </a:solidFill>
-              <a:ln w="19050">
-                <a:solidFill>
-                  <a:schemeClr val="tx1"/>
-                </a:solidFill>
-              </a:ln>
-            </p:spPr>
-            <p:style>
-              <a:lnRef idx="2">
-                <a:schemeClr val="accent2">
-                  <a:shade val="50000"/>
-                </a:schemeClr>
-              </a:lnRef>
-              <a:fillRef idx="1">
-                <a:schemeClr val="accent2"/>
-              </a:fillRef>
-              <a:effectRef idx="0">
-                <a:schemeClr val="accent2"/>
-              </a:effectRef>
-              <a:fontRef idx="minor">
-                <a:schemeClr val="lt1"/>
-              </a:fontRef>
-            </p:style>
-            <p:txBody>
-              <a:bodyPr rot="0" spcFirstLastPara="0" vert="horz" wrap="square" lIns="91440" tIns="45720" rIns="91440" bIns="45720" numCol="1" spcCol="0" rtlCol="0" fromWordArt="0" anchor="ctr" anchorCtr="0" forceAA="0" compatLnSpc="1">
-                <a:prstTxWarp prst="textNoShape">
-                  <a:avLst/>
-                </a:prstTxWarp>
-                <a:noAutofit/>
-              </a:bodyPr>
-              <a:lstStyle/>
-              <a:p>
-                <a:endParaRPr lang="es-ES"/>
-              </a:p>
-            </p:txBody>
-          </p:sp>
-          <p:sp>
-            <p:nvSpPr>
-              <p:cNvPr id="169" name="Elipse 168">
-                <a:extLst>
-                  <a:ext uri="{FF2B5EF4-FFF2-40B4-BE49-F238E27FC236}">
-                    <a16:creationId xmlns:a16="http://schemas.microsoft.com/office/drawing/2014/main" id="{31FA08FB-BF7A-44BA-8811-3EECBD121438}"/>
-                  </a:ext>
-                </a:extLst>
-              </p:cNvPr>
-              <p:cNvSpPr/>
-              <p:nvPr/>
-            </p:nvSpPr>
-            <p:spPr>
-              <a:xfrm>
-                <a:off x="10678825" y="4261383"/>
-                <a:ext cx="1324314" cy="1324346"/>
-              </a:xfrm>
-              <a:prstGeom prst="ellipse">
-                <a:avLst/>
-              </a:prstGeom>
-              <a:solidFill>
-                <a:schemeClr val="accent4">
-                  <a:lumMod val="20000"/>
-                  <a:lumOff val="80000"/>
-                </a:schemeClr>
-              </a:solidFill>
-              <a:ln w="19050">
-                <a:solidFill>
-                  <a:schemeClr val="tx1"/>
-                </a:solidFill>
-              </a:ln>
-            </p:spPr>
-            <p:style>
-              <a:lnRef idx="2">
-                <a:schemeClr val="accent2">
-                  <a:shade val="50000"/>
-                </a:schemeClr>
-              </a:lnRef>
-              <a:fillRef idx="1">
-                <a:schemeClr val="accent2"/>
-              </a:fillRef>
-              <a:effectRef idx="0">
-                <a:schemeClr val="accent2"/>
-              </a:effectRef>
-              <a:fontRef idx="minor">
-                <a:schemeClr val="lt1"/>
-              </a:fontRef>
-            </p:style>
-            <p:txBody>
-              <a:bodyPr rot="0" spcFirstLastPara="0" vert="horz" wrap="square" lIns="91440" tIns="45720" rIns="91440" bIns="45720" numCol="1" spcCol="0" rtlCol="0" fromWordArt="0" anchor="ctr" anchorCtr="0" forceAA="0" compatLnSpc="1">
-                <a:prstTxWarp prst="textNoShape">
-                  <a:avLst/>
-                </a:prstTxWarp>
-                <a:noAutofit/>
-              </a:bodyPr>
-              <a:lstStyle/>
-              <a:p>
-                <a:endParaRPr lang="es-ES"/>
-              </a:p>
-            </p:txBody>
-          </p:sp>
-        </p:grpSp>
+                  <a:latin typeface="Cambria Math" panose="02040503050406030204" pitchFamily="18" charset="0"/>
+                  <a:ea typeface="Cambria Math" panose="02040503050406030204" pitchFamily="18" charset="0"/>
+                </a:rPr>
+                <a:t>Evaluación</a:t>
+              </a:r>
+            </a:p>
+          </p:txBody>
+        </p:sp>
       </p:grpSp>
     </p:spTree>
     <p:extLst>
